--- a/images/IzODA_Architectures.pptx
+++ b/images/IzODA_Architectures.pptx
@@ -5,17 +5,18 @@
     <p:sldMasterId id="2147484911" r:id="rId1"/>
   </p:sldMasterIdLst>
   <p:notesMasterIdLst>
-    <p:notesMasterId r:id="rId7"/>
+    <p:notesMasterId r:id="rId8"/>
   </p:notesMasterIdLst>
   <p:handoutMasterIdLst>
-    <p:handoutMasterId r:id="rId8"/>
+    <p:handoutMasterId r:id="rId9"/>
   </p:handoutMasterIdLst>
   <p:sldIdLst>
     <p:sldId id="1003" r:id="rId2"/>
     <p:sldId id="1005" r:id="rId3"/>
-    <p:sldId id="1008" r:id="rId4"/>
-    <p:sldId id="1009" r:id="rId5"/>
-    <p:sldId id="1004" r:id="rId6"/>
+    <p:sldId id="1010" r:id="rId4"/>
+    <p:sldId id="1008" r:id="rId5"/>
+    <p:sldId id="1009" r:id="rId6"/>
+    <p:sldId id="1004" r:id="rId7"/>
   </p:sldIdLst>
   <p:sldSz cx="9144000" cy="6858000" type="screen4x3"/>
   <p:notesSz cx="7315200" cy="9601200"/>
@@ -1132,7 +1133,7 @@
     </p:spTree>
     <p:extLst>
       <p:ext uri="{BB962C8B-B14F-4D97-AF65-F5344CB8AC3E}">
-        <p14:creationId xmlns:p14="http://schemas.microsoft.com/office/powerpoint/2010/main" val="1538324777"/>
+        <p14:creationId xmlns:p14="http://schemas.microsoft.com/office/powerpoint/2010/main" val="214917663"/>
       </p:ext>
     </p:extLst>
   </p:cSld>
@@ -1209,6 +1210,91 @@
               <a:rPr lang="en-US" smtClean="0"/>
               <a:pPr/>
               <a:t>4</a:t>
+            </a:fld>
+            <a:endParaRPr lang="en-US"/>
+          </a:p>
+        </p:txBody>
+      </p:sp>
+    </p:spTree>
+    <p:extLst>
+      <p:ext uri="{BB962C8B-B14F-4D97-AF65-F5344CB8AC3E}">
+        <p14:creationId xmlns:p14="http://schemas.microsoft.com/office/powerpoint/2010/main" val="1538324777"/>
+      </p:ext>
+    </p:extLst>
+  </p:cSld>
+  <p:clrMapOvr>
+    <a:masterClrMapping/>
+  </p:clrMapOvr>
+</p:notes>
+</file>
+
+<file path=ppt/notesSlides/notesSlide5.xml><?xml version="1.0" encoding="utf-8"?>
+<p:notes xmlns:a="http://schemas.openxmlformats.org/drawingml/2006/main" xmlns:r="http://schemas.openxmlformats.org/officeDocument/2006/relationships" xmlns:p="http://schemas.openxmlformats.org/presentationml/2006/main">
+  <p:cSld>
+    <p:spTree>
+      <p:nvGrpSpPr>
+        <p:cNvPr id="1" name=""/>
+        <p:cNvGrpSpPr/>
+        <p:nvPr/>
+      </p:nvGrpSpPr>
+      <p:grpSpPr>
+        <a:xfrm>
+          <a:off x="0" y="0"/>
+          <a:ext cx="0" cy="0"/>
+          <a:chOff x="0" y="0"/>
+          <a:chExt cx="0" cy="0"/>
+        </a:xfrm>
+      </p:grpSpPr>
+      <p:sp>
+        <p:nvSpPr>
+          <p:cNvPr id="2" name="Slide Image Placeholder 1"/>
+          <p:cNvSpPr>
+            <a:spLocks noGrp="1" noRot="1" noChangeAspect="1"/>
+          </p:cNvSpPr>
+          <p:nvPr>
+            <p:ph type="sldImg"/>
+          </p:nvPr>
+        </p:nvSpPr>
+        <p:spPr/>
+      </p:sp>
+      <p:sp>
+        <p:nvSpPr>
+          <p:cNvPr id="3" name="Notes Placeholder 2"/>
+          <p:cNvSpPr>
+            <a:spLocks noGrp="1"/>
+          </p:cNvSpPr>
+          <p:nvPr>
+            <p:ph type="body" idx="1"/>
+          </p:nvPr>
+        </p:nvSpPr>
+        <p:spPr/>
+        <p:txBody>
+          <a:bodyPr/>
+          <a:lstStyle/>
+          <a:p>
+            <a:endParaRPr lang="en-US" dirty="0"/>
+          </a:p>
+        </p:txBody>
+      </p:sp>
+      <p:sp>
+        <p:nvSpPr>
+          <p:cNvPr id="4" name="Slide Number Placeholder 3"/>
+          <p:cNvSpPr>
+            <a:spLocks noGrp="1"/>
+          </p:cNvSpPr>
+          <p:nvPr>
+            <p:ph type="sldNum" sz="quarter" idx="10"/>
+          </p:nvPr>
+        </p:nvSpPr>
+        <p:spPr/>
+        <p:txBody>
+          <a:bodyPr/>
+          <a:lstStyle/>
+          <a:p>
+            <a:fld id="{CACAAF5D-EC2B-1B4D-A1AD-F3E4B6C849AC}" type="slidenum">
+              <a:rPr lang="en-US" smtClean="0"/>
+              <a:pPr/>
+              <a:t>5</a:t>
             </a:fld>
             <a:endParaRPr lang="en-US"/>
           </a:p>
@@ -8644,6 +8730,4040 @@
           <a:chExt cx="0" cy="0"/>
         </a:xfrm>
       </p:grpSpPr>
+      <p:sp>
+        <p:nvSpPr>
+          <p:cNvPr id="9" name="Rectangle 8"/>
+          <p:cNvSpPr/>
+          <p:nvPr/>
+        </p:nvSpPr>
+        <p:spPr>
+          <a:xfrm>
+            <a:off x="4898389" y="300058"/>
+            <a:ext cx="4081019" cy="3961046"/>
+          </a:xfrm>
+          <a:prstGeom prst="rect">
+            <a:avLst/>
+          </a:prstGeom>
+          <a:solidFill>
+            <a:schemeClr val="accent1">
+              <a:lumMod val="40000"/>
+              <a:lumOff val="60000"/>
+            </a:schemeClr>
+          </a:solidFill>
+          <a:ln>
+            <a:solidFill>
+              <a:schemeClr val="accent1">
+                <a:lumMod val="75000"/>
+              </a:schemeClr>
+            </a:solidFill>
+          </a:ln>
+        </p:spPr>
+        <p:style>
+          <a:lnRef idx="1">
+            <a:schemeClr val="accent1"/>
+          </a:lnRef>
+          <a:fillRef idx="3">
+            <a:schemeClr val="accent1"/>
+          </a:fillRef>
+          <a:effectRef idx="2">
+            <a:schemeClr val="accent1"/>
+          </a:effectRef>
+          <a:fontRef idx="minor">
+            <a:schemeClr val="lt1"/>
+          </a:fontRef>
+        </p:style>
+        <p:txBody>
+          <a:bodyPr rtlCol="0" anchor="ctr"/>
+          <a:lstStyle/>
+          <a:p>
+            <a:pPr algn="ctr"/>
+            <a:endParaRPr lang="en-US" sz="1800" dirty="0">
+              <a:solidFill>
+                <a:srgbClr val="1F497D"/>
+              </a:solidFill>
+              <a:latin typeface="Calibri"/>
+              <a:cs typeface="Calibri"/>
+            </a:endParaRPr>
+          </a:p>
+        </p:txBody>
+      </p:sp>
+      <p:sp>
+        <p:nvSpPr>
+          <p:cNvPr id="10" name="TextBox 9"/>
+          <p:cNvSpPr txBox="1"/>
+          <p:nvPr/>
+        </p:nvSpPr>
+        <p:spPr bwMode="auto">
+          <a:xfrm>
+            <a:off x="4919810" y="3970279"/>
+            <a:ext cx="544010" cy="261610"/>
+          </a:xfrm>
+          <a:prstGeom prst="rect">
+            <a:avLst/>
+          </a:prstGeom>
+          <a:noFill/>
+          <a:ln w="9525">
+            <a:noFill/>
+            <a:miter lim="800000"/>
+            <a:headEnd/>
+            <a:tailEnd/>
+          </a:ln>
+        </p:spPr>
+        <p:txBody>
+          <a:bodyPr wrap="square" rtlCol="0">
+            <a:prstTxWarp prst="textNoShape">
+              <a:avLst/>
+            </a:prstTxWarp>
+            <a:spAutoFit/>
+          </a:bodyPr>
+          <a:lstStyle/>
+          <a:p>
+            <a:pPr algn="ctr"/>
+            <a:r>
+              <a:rPr lang="en-US" sz="1100" dirty="0">
+                <a:latin typeface="Calibri" pitchFamily="-1" charset="0"/>
+              </a:rPr>
+              <a:t>z/OS</a:t>
+            </a:r>
+          </a:p>
+        </p:txBody>
+      </p:sp>
+      <p:sp>
+        <p:nvSpPr>
+          <p:cNvPr id="62" name="Rectangle 61"/>
+          <p:cNvSpPr/>
+          <p:nvPr/>
+        </p:nvSpPr>
+        <p:spPr>
+          <a:xfrm>
+            <a:off x="4985472" y="393908"/>
+            <a:ext cx="3886356" cy="948837"/>
+          </a:xfrm>
+          <a:prstGeom prst="rect">
+            <a:avLst/>
+          </a:prstGeom>
+          <a:solidFill>
+            <a:srgbClr val="F3EFCA"/>
+          </a:solidFill>
+          <a:ln>
+            <a:solidFill>
+              <a:schemeClr val="tx2"/>
+            </a:solidFill>
+          </a:ln>
+        </p:spPr>
+        <p:style>
+          <a:lnRef idx="1">
+            <a:schemeClr val="accent1"/>
+          </a:lnRef>
+          <a:fillRef idx="3">
+            <a:schemeClr val="accent1"/>
+          </a:fillRef>
+          <a:effectRef idx="2">
+            <a:schemeClr val="accent1"/>
+          </a:effectRef>
+          <a:fontRef idx="minor">
+            <a:schemeClr val="lt1"/>
+          </a:fontRef>
+        </p:style>
+        <p:txBody>
+          <a:bodyPr rtlCol="0" anchor="ctr"/>
+          <a:lstStyle/>
+          <a:p>
+            <a:pPr algn="ctr"/>
+            <a:endParaRPr lang="en-US" sz="1800" dirty="0">
+              <a:solidFill>
+                <a:srgbClr val="1F497D"/>
+              </a:solidFill>
+              <a:latin typeface="Calibri"/>
+              <a:cs typeface="Calibri"/>
+            </a:endParaRPr>
+          </a:p>
+        </p:txBody>
+      </p:sp>
+      <p:sp>
+        <p:nvSpPr>
+          <p:cNvPr id="14" name="Rectangle 13"/>
+          <p:cNvSpPr/>
+          <p:nvPr/>
+        </p:nvSpPr>
+        <p:spPr>
+          <a:xfrm>
+            <a:off x="4985472" y="3511318"/>
+            <a:ext cx="1924890" cy="372057"/>
+          </a:xfrm>
+          <a:prstGeom prst="rect">
+            <a:avLst/>
+          </a:prstGeom>
+          <a:solidFill>
+            <a:schemeClr val="accent3">
+              <a:lumMod val="40000"/>
+              <a:lumOff val="60000"/>
+            </a:schemeClr>
+          </a:solidFill>
+          <a:ln>
+            <a:solidFill>
+              <a:schemeClr val="tx1"/>
+            </a:solidFill>
+          </a:ln>
+          <a:effectLst/>
+        </p:spPr>
+        <p:style>
+          <a:lnRef idx="1">
+            <a:schemeClr val="accent1"/>
+          </a:lnRef>
+          <a:fillRef idx="3">
+            <a:schemeClr val="accent1"/>
+          </a:fillRef>
+          <a:effectRef idx="2">
+            <a:schemeClr val="accent1"/>
+          </a:effectRef>
+          <a:fontRef idx="minor">
+            <a:schemeClr val="lt1"/>
+          </a:fontRef>
+        </p:style>
+        <p:txBody>
+          <a:bodyPr rtlCol="0" anchor="ctr"/>
+          <a:lstStyle/>
+          <a:p>
+            <a:pPr algn="ctr"/>
+            <a:endParaRPr lang="en-US" sz="1800" dirty="0">
+              <a:solidFill>
+                <a:srgbClr val="1F497D"/>
+              </a:solidFill>
+              <a:latin typeface="Calibri"/>
+              <a:cs typeface="Calibri"/>
+            </a:endParaRPr>
+          </a:p>
+        </p:txBody>
+      </p:sp>
+      <p:sp>
+        <p:nvSpPr>
+          <p:cNvPr id="58" name="TextBox 57"/>
+          <p:cNvSpPr txBox="1"/>
+          <p:nvPr/>
+        </p:nvSpPr>
+        <p:spPr bwMode="auto">
+          <a:xfrm>
+            <a:off x="5714651" y="3565158"/>
+            <a:ext cx="751197" cy="261610"/>
+          </a:xfrm>
+          <a:prstGeom prst="rect">
+            <a:avLst/>
+          </a:prstGeom>
+          <a:noFill/>
+          <a:ln w="9525">
+            <a:noFill/>
+            <a:miter lim="800000"/>
+            <a:headEnd/>
+            <a:tailEnd/>
+          </a:ln>
+        </p:spPr>
+        <p:txBody>
+          <a:bodyPr wrap="square" rtlCol="0">
+            <a:prstTxWarp prst="textNoShape">
+              <a:avLst/>
+            </a:prstTxWarp>
+            <a:spAutoFit/>
+          </a:bodyPr>
+          <a:lstStyle/>
+          <a:p>
+            <a:r>
+              <a:rPr lang="en-US" sz="1100" dirty="0" smtClean="0">
+                <a:latin typeface="Calibri" pitchFamily="-1" charset="0"/>
+              </a:rPr>
+              <a:t>Python 3</a:t>
+            </a:r>
+            <a:endParaRPr lang="en-US" sz="1200" dirty="0">
+              <a:latin typeface="Calibri" pitchFamily="-1" charset="0"/>
+            </a:endParaRPr>
+          </a:p>
+        </p:txBody>
+      </p:sp>
+      <p:pic>
+        <p:nvPicPr>
+          <p:cNvPr id="182" name="Picture 181"/>
+          <p:cNvPicPr>
+            <a:picLocks noChangeAspect="1"/>
+          </p:cNvPicPr>
+          <p:nvPr/>
+        </p:nvPicPr>
+        <p:blipFill>
+          <a:blip r:embed="rId3"/>
+          <a:stretch>
+            <a:fillRect/>
+          </a:stretch>
+        </p:blipFill>
+        <p:spPr>
+          <a:xfrm>
+            <a:off x="5469718" y="3538967"/>
+            <a:ext cx="314975" cy="314975"/>
+          </a:xfrm>
+          <a:prstGeom prst="rect">
+            <a:avLst/>
+          </a:prstGeom>
+        </p:spPr>
+      </p:pic>
+      <p:sp>
+        <p:nvSpPr>
+          <p:cNvPr id="75" name="Rectangle 74"/>
+          <p:cNvSpPr/>
+          <p:nvPr/>
+        </p:nvSpPr>
+        <p:spPr>
+          <a:xfrm rot="5400000">
+            <a:off x="6672886" y="450197"/>
+            <a:ext cx="206808" cy="807455"/>
+          </a:xfrm>
+          <a:prstGeom prst="rect">
+            <a:avLst/>
+          </a:prstGeom>
+          <a:solidFill>
+            <a:schemeClr val="accent3">
+              <a:lumMod val="40000"/>
+              <a:lumOff val="60000"/>
+            </a:schemeClr>
+          </a:solidFill>
+          <a:ln>
+            <a:solidFill>
+              <a:schemeClr val="bg2">
+                <a:lumMod val="25000"/>
+              </a:schemeClr>
+            </a:solidFill>
+          </a:ln>
+          <a:effectLst/>
+        </p:spPr>
+        <p:style>
+          <a:lnRef idx="1">
+            <a:schemeClr val="accent1"/>
+          </a:lnRef>
+          <a:fillRef idx="3">
+            <a:schemeClr val="accent1"/>
+          </a:fillRef>
+          <a:effectRef idx="2">
+            <a:schemeClr val="accent1"/>
+          </a:effectRef>
+          <a:fontRef idx="minor">
+            <a:schemeClr val="lt1"/>
+          </a:fontRef>
+        </p:style>
+        <p:txBody>
+          <a:bodyPr vert="vert270" rtlCol="0" anchor="ctr"/>
+          <a:lstStyle/>
+          <a:p>
+            <a:pPr algn="ctr"/>
+            <a:r>
+              <a:rPr lang="en-US" sz="1000" dirty="0">
+                <a:solidFill>
+                  <a:schemeClr val="bg2">
+                    <a:lumMod val="25000"/>
+                  </a:schemeClr>
+                </a:solidFill>
+                <a:latin typeface="Calibri"/>
+                <a:cs typeface="Calibri"/>
+              </a:rPr>
+              <a:t>K - Python</a:t>
+            </a:r>
+          </a:p>
+        </p:txBody>
+      </p:sp>
+      <p:sp>
+        <p:nvSpPr>
+          <p:cNvPr id="16" name="Rectangle 15"/>
+          <p:cNvSpPr/>
+          <p:nvPr/>
+        </p:nvSpPr>
+        <p:spPr>
+          <a:xfrm rot="5400000">
+            <a:off x="6674067" y="167526"/>
+            <a:ext cx="204446" cy="807455"/>
+          </a:xfrm>
+          <a:prstGeom prst="rect">
+            <a:avLst/>
+          </a:prstGeom>
+          <a:solidFill>
+            <a:schemeClr val="bg2"/>
+          </a:solidFill>
+          <a:ln>
+            <a:solidFill>
+              <a:schemeClr val="bg2">
+                <a:lumMod val="25000"/>
+              </a:schemeClr>
+            </a:solidFill>
+          </a:ln>
+          <a:effectLst/>
+        </p:spPr>
+        <p:style>
+          <a:lnRef idx="1">
+            <a:schemeClr val="accent1"/>
+          </a:lnRef>
+          <a:fillRef idx="3">
+            <a:schemeClr val="accent1"/>
+          </a:fillRef>
+          <a:effectRef idx="2">
+            <a:schemeClr val="accent1"/>
+          </a:effectRef>
+          <a:fontRef idx="minor">
+            <a:schemeClr val="lt1"/>
+          </a:fontRef>
+        </p:style>
+        <p:txBody>
+          <a:bodyPr vert="vert270" rtlCol="0" anchor="ctr"/>
+          <a:lstStyle/>
+          <a:p>
+            <a:pPr algn="ctr"/>
+            <a:r>
+              <a:rPr lang="en-US" sz="1000" dirty="0">
+                <a:solidFill>
+                  <a:schemeClr val="bg2">
+                    <a:lumMod val="25000"/>
+                  </a:schemeClr>
+                </a:solidFill>
+                <a:latin typeface="Calibri"/>
+                <a:cs typeface="Calibri"/>
+              </a:rPr>
+              <a:t>K - </a:t>
+            </a:r>
+            <a:r>
+              <a:rPr lang="en-US" sz="1000" dirty="0" err="1">
+                <a:solidFill>
+                  <a:schemeClr val="bg2">
+                    <a:lumMod val="25000"/>
+                  </a:schemeClr>
+                </a:solidFill>
+                <a:latin typeface="Calibri"/>
+                <a:cs typeface="Calibri"/>
+              </a:rPr>
+              <a:t>Toree</a:t>
+            </a:r>
+            <a:endParaRPr lang="en-US" sz="1000" dirty="0">
+              <a:solidFill>
+                <a:schemeClr val="bg2">
+                  <a:lumMod val="25000"/>
+                </a:schemeClr>
+              </a:solidFill>
+              <a:latin typeface="Calibri"/>
+              <a:cs typeface="Calibri"/>
+            </a:endParaRPr>
+          </a:p>
+        </p:txBody>
+      </p:sp>
+      <p:sp>
+        <p:nvSpPr>
+          <p:cNvPr id="114" name="Rectangle 113"/>
+          <p:cNvSpPr/>
+          <p:nvPr/>
+        </p:nvSpPr>
+        <p:spPr>
+          <a:xfrm rot="5400000">
+            <a:off x="6676469" y="741737"/>
+            <a:ext cx="206808" cy="807455"/>
+          </a:xfrm>
+          <a:prstGeom prst="rect">
+            <a:avLst/>
+          </a:prstGeom>
+          <a:solidFill>
+            <a:schemeClr val="accent3">
+              <a:lumMod val="40000"/>
+              <a:lumOff val="60000"/>
+            </a:schemeClr>
+          </a:solidFill>
+          <a:ln>
+            <a:solidFill>
+              <a:schemeClr val="bg2">
+                <a:lumMod val="25000"/>
+              </a:schemeClr>
+            </a:solidFill>
+          </a:ln>
+          <a:effectLst/>
+        </p:spPr>
+        <p:style>
+          <a:lnRef idx="1">
+            <a:schemeClr val="accent1"/>
+          </a:lnRef>
+          <a:fillRef idx="3">
+            <a:schemeClr val="accent1"/>
+          </a:fillRef>
+          <a:effectRef idx="2">
+            <a:schemeClr val="accent1"/>
+          </a:effectRef>
+          <a:fontRef idx="minor">
+            <a:schemeClr val="lt1"/>
+          </a:fontRef>
+        </p:style>
+        <p:txBody>
+          <a:bodyPr vert="vert270" rtlCol="0" anchor="ctr"/>
+          <a:lstStyle/>
+          <a:p>
+            <a:pPr algn="ctr"/>
+            <a:r>
+              <a:rPr lang="en-US" sz="1000" dirty="0">
+                <a:solidFill>
+                  <a:schemeClr val="bg2">
+                    <a:lumMod val="25000"/>
+                  </a:schemeClr>
+                </a:solidFill>
+                <a:latin typeface="Calibri"/>
+                <a:cs typeface="Calibri"/>
+              </a:rPr>
+              <a:t>K - </a:t>
+            </a:r>
+            <a:r>
+              <a:rPr lang="en-US" sz="1000" dirty="0" err="1" smtClean="0">
+                <a:solidFill>
+                  <a:schemeClr val="bg2">
+                    <a:lumMod val="25000"/>
+                  </a:schemeClr>
+                </a:solidFill>
+                <a:latin typeface="Calibri"/>
+                <a:cs typeface="Calibri"/>
+              </a:rPr>
+              <a:t>PySpark</a:t>
+            </a:r>
+            <a:endParaRPr lang="en-US" sz="1000" dirty="0">
+              <a:solidFill>
+                <a:schemeClr val="bg2">
+                  <a:lumMod val="25000"/>
+                </a:schemeClr>
+              </a:solidFill>
+              <a:latin typeface="Calibri"/>
+              <a:cs typeface="Calibri"/>
+            </a:endParaRPr>
+          </a:p>
+        </p:txBody>
+      </p:sp>
+      <p:sp>
+        <p:nvSpPr>
+          <p:cNvPr id="63" name="Rectangle 62"/>
+          <p:cNvSpPr/>
+          <p:nvPr/>
+        </p:nvSpPr>
+        <p:spPr>
+          <a:xfrm>
+            <a:off x="5104631" y="476793"/>
+            <a:ext cx="783112" cy="783066"/>
+          </a:xfrm>
+          <a:custGeom>
+            <a:avLst/>
+            <a:gdLst>
+              <a:gd name="connsiteX0" fmla="*/ 0 w 774645"/>
+              <a:gd name="connsiteY0" fmla="*/ 0 h 783066"/>
+              <a:gd name="connsiteX1" fmla="*/ 774645 w 774645"/>
+              <a:gd name="connsiteY1" fmla="*/ 0 h 783066"/>
+              <a:gd name="connsiteX2" fmla="*/ 774645 w 774645"/>
+              <a:gd name="connsiteY2" fmla="*/ 783066 h 783066"/>
+              <a:gd name="connsiteX3" fmla="*/ 0 w 774645"/>
+              <a:gd name="connsiteY3" fmla="*/ 783066 h 783066"/>
+              <a:gd name="connsiteX4" fmla="*/ 0 w 774645"/>
+              <a:gd name="connsiteY4" fmla="*/ 0 h 783066"/>
+              <a:gd name="connsiteX0" fmla="*/ 3465 w 778110"/>
+              <a:gd name="connsiteY0" fmla="*/ 0 h 783066"/>
+              <a:gd name="connsiteX1" fmla="*/ 778110 w 778110"/>
+              <a:gd name="connsiteY1" fmla="*/ 0 h 783066"/>
+              <a:gd name="connsiteX2" fmla="*/ 778110 w 778110"/>
+              <a:gd name="connsiteY2" fmla="*/ 783066 h 783066"/>
+              <a:gd name="connsiteX3" fmla="*/ 3465 w 778110"/>
+              <a:gd name="connsiteY3" fmla="*/ 783066 h 783066"/>
+              <a:gd name="connsiteX4" fmla="*/ 0 w 778110"/>
+              <a:gd name="connsiteY4" fmla="*/ 90474 h 783066"/>
+              <a:gd name="connsiteX5" fmla="*/ 3465 w 778110"/>
+              <a:gd name="connsiteY5" fmla="*/ 0 h 783066"/>
+              <a:gd name="connsiteX0" fmla="*/ 7698 w 782343"/>
+              <a:gd name="connsiteY0" fmla="*/ 0 h 783066"/>
+              <a:gd name="connsiteX1" fmla="*/ 782343 w 782343"/>
+              <a:gd name="connsiteY1" fmla="*/ 0 h 783066"/>
+              <a:gd name="connsiteX2" fmla="*/ 782343 w 782343"/>
+              <a:gd name="connsiteY2" fmla="*/ 783066 h 783066"/>
+              <a:gd name="connsiteX3" fmla="*/ 7698 w 782343"/>
+              <a:gd name="connsiteY3" fmla="*/ 783066 h 783066"/>
+              <a:gd name="connsiteX4" fmla="*/ 0 w 782343"/>
+              <a:gd name="connsiteY4" fmla="*/ 661974 h 783066"/>
+              <a:gd name="connsiteX5" fmla="*/ 4233 w 782343"/>
+              <a:gd name="connsiteY5" fmla="*/ 90474 h 783066"/>
+              <a:gd name="connsiteX6" fmla="*/ 7698 w 782343"/>
+              <a:gd name="connsiteY6" fmla="*/ 0 h 783066"/>
+              <a:gd name="connsiteX0" fmla="*/ 11930 w 786575"/>
+              <a:gd name="connsiteY0" fmla="*/ 0 h 783066"/>
+              <a:gd name="connsiteX1" fmla="*/ 786575 w 786575"/>
+              <a:gd name="connsiteY1" fmla="*/ 0 h 783066"/>
+              <a:gd name="connsiteX2" fmla="*/ 786575 w 786575"/>
+              <a:gd name="connsiteY2" fmla="*/ 783066 h 783066"/>
+              <a:gd name="connsiteX3" fmla="*/ 11930 w 786575"/>
+              <a:gd name="connsiteY3" fmla="*/ 783066 h 783066"/>
+              <a:gd name="connsiteX4" fmla="*/ 4232 w 786575"/>
+              <a:gd name="connsiteY4" fmla="*/ 661974 h 783066"/>
+              <a:gd name="connsiteX5" fmla="*/ 0 w 786575"/>
+              <a:gd name="connsiteY5" fmla="*/ 378340 h 783066"/>
+              <a:gd name="connsiteX6" fmla="*/ 8465 w 786575"/>
+              <a:gd name="connsiteY6" fmla="*/ 90474 h 783066"/>
+              <a:gd name="connsiteX7" fmla="*/ 11930 w 786575"/>
+              <a:gd name="connsiteY7" fmla="*/ 0 h 783066"/>
+              <a:gd name="connsiteX0" fmla="*/ 11930 w 786575"/>
+              <a:gd name="connsiteY0" fmla="*/ 0 h 783066"/>
+              <a:gd name="connsiteX1" fmla="*/ 786575 w 786575"/>
+              <a:gd name="connsiteY1" fmla="*/ 0 h 783066"/>
+              <a:gd name="connsiteX2" fmla="*/ 786575 w 786575"/>
+              <a:gd name="connsiteY2" fmla="*/ 783066 h 783066"/>
+              <a:gd name="connsiteX3" fmla="*/ 11930 w 786575"/>
+              <a:gd name="connsiteY3" fmla="*/ 783066 h 783066"/>
+              <a:gd name="connsiteX4" fmla="*/ 4232 w 786575"/>
+              <a:gd name="connsiteY4" fmla="*/ 661974 h 783066"/>
+              <a:gd name="connsiteX5" fmla="*/ 0 w 786575"/>
+              <a:gd name="connsiteY5" fmla="*/ 378340 h 783066"/>
+              <a:gd name="connsiteX6" fmla="*/ 0 w 786575"/>
+              <a:gd name="connsiteY6" fmla="*/ 378340 h 783066"/>
+              <a:gd name="connsiteX7" fmla="*/ 8465 w 786575"/>
+              <a:gd name="connsiteY7" fmla="*/ 90474 h 783066"/>
+              <a:gd name="connsiteX8" fmla="*/ 11930 w 786575"/>
+              <a:gd name="connsiteY8" fmla="*/ 0 h 783066"/>
+              <a:gd name="connsiteX0" fmla="*/ 11930 w 786575"/>
+              <a:gd name="connsiteY0" fmla="*/ 0 h 783066"/>
+              <a:gd name="connsiteX1" fmla="*/ 786575 w 786575"/>
+              <a:gd name="connsiteY1" fmla="*/ 0 h 783066"/>
+              <a:gd name="connsiteX2" fmla="*/ 786575 w 786575"/>
+              <a:gd name="connsiteY2" fmla="*/ 783066 h 783066"/>
+              <a:gd name="connsiteX3" fmla="*/ 11930 w 786575"/>
+              <a:gd name="connsiteY3" fmla="*/ 783066 h 783066"/>
+              <a:gd name="connsiteX4" fmla="*/ 12699 w 786575"/>
+              <a:gd name="connsiteY4" fmla="*/ 666208 h 783066"/>
+              <a:gd name="connsiteX5" fmla="*/ 0 w 786575"/>
+              <a:gd name="connsiteY5" fmla="*/ 378340 h 783066"/>
+              <a:gd name="connsiteX6" fmla="*/ 0 w 786575"/>
+              <a:gd name="connsiteY6" fmla="*/ 378340 h 783066"/>
+              <a:gd name="connsiteX7" fmla="*/ 8465 w 786575"/>
+              <a:gd name="connsiteY7" fmla="*/ 90474 h 783066"/>
+              <a:gd name="connsiteX8" fmla="*/ 11930 w 786575"/>
+              <a:gd name="connsiteY8" fmla="*/ 0 h 783066"/>
+              <a:gd name="connsiteX0" fmla="*/ 11930 w 786575"/>
+              <a:gd name="connsiteY0" fmla="*/ 0 h 783066"/>
+              <a:gd name="connsiteX1" fmla="*/ 786575 w 786575"/>
+              <a:gd name="connsiteY1" fmla="*/ 0 h 783066"/>
+              <a:gd name="connsiteX2" fmla="*/ 786575 w 786575"/>
+              <a:gd name="connsiteY2" fmla="*/ 783066 h 783066"/>
+              <a:gd name="connsiteX3" fmla="*/ 11930 w 786575"/>
+              <a:gd name="connsiteY3" fmla="*/ 783066 h 783066"/>
+              <a:gd name="connsiteX4" fmla="*/ 12699 w 786575"/>
+              <a:gd name="connsiteY4" fmla="*/ 666208 h 783066"/>
+              <a:gd name="connsiteX5" fmla="*/ 0 w 786575"/>
+              <a:gd name="connsiteY5" fmla="*/ 378340 h 783066"/>
+              <a:gd name="connsiteX6" fmla="*/ 12700 w 786575"/>
+              <a:gd name="connsiteY6" fmla="*/ 386807 h 783066"/>
+              <a:gd name="connsiteX7" fmla="*/ 8465 w 786575"/>
+              <a:gd name="connsiteY7" fmla="*/ 90474 h 783066"/>
+              <a:gd name="connsiteX8" fmla="*/ 11930 w 786575"/>
+              <a:gd name="connsiteY8" fmla="*/ 0 h 783066"/>
+              <a:gd name="connsiteX0" fmla="*/ 11930 w 786575"/>
+              <a:gd name="connsiteY0" fmla="*/ 0 h 783066"/>
+              <a:gd name="connsiteX1" fmla="*/ 786575 w 786575"/>
+              <a:gd name="connsiteY1" fmla="*/ 0 h 783066"/>
+              <a:gd name="connsiteX2" fmla="*/ 786575 w 786575"/>
+              <a:gd name="connsiteY2" fmla="*/ 783066 h 783066"/>
+              <a:gd name="connsiteX3" fmla="*/ 11930 w 786575"/>
+              <a:gd name="connsiteY3" fmla="*/ 783066 h 783066"/>
+              <a:gd name="connsiteX4" fmla="*/ 12699 w 786575"/>
+              <a:gd name="connsiteY4" fmla="*/ 666208 h 783066"/>
+              <a:gd name="connsiteX5" fmla="*/ 0 w 786575"/>
+              <a:gd name="connsiteY5" fmla="*/ 378340 h 783066"/>
+              <a:gd name="connsiteX6" fmla="*/ 8465 w 786575"/>
+              <a:gd name="connsiteY6" fmla="*/ 90474 h 783066"/>
+              <a:gd name="connsiteX7" fmla="*/ 11930 w 786575"/>
+              <a:gd name="connsiteY7" fmla="*/ 0 h 783066"/>
+              <a:gd name="connsiteX0" fmla="*/ 3465 w 778110"/>
+              <a:gd name="connsiteY0" fmla="*/ 0 h 783066"/>
+              <a:gd name="connsiteX1" fmla="*/ 778110 w 778110"/>
+              <a:gd name="connsiteY1" fmla="*/ 0 h 783066"/>
+              <a:gd name="connsiteX2" fmla="*/ 778110 w 778110"/>
+              <a:gd name="connsiteY2" fmla="*/ 783066 h 783066"/>
+              <a:gd name="connsiteX3" fmla="*/ 3465 w 778110"/>
+              <a:gd name="connsiteY3" fmla="*/ 783066 h 783066"/>
+              <a:gd name="connsiteX4" fmla="*/ 4234 w 778110"/>
+              <a:gd name="connsiteY4" fmla="*/ 666208 h 783066"/>
+              <a:gd name="connsiteX5" fmla="*/ 1 w 778110"/>
+              <a:gd name="connsiteY5" fmla="*/ 382573 h 783066"/>
+              <a:gd name="connsiteX6" fmla="*/ 0 w 778110"/>
+              <a:gd name="connsiteY6" fmla="*/ 90474 h 783066"/>
+              <a:gd name="connsiteX7" fmla="*/ 3465 w 778110"/>
+              <a:gd name="connsiteY7" fmla="*/ 0 h 783066"/>
+              <a:gd name="connsiteX0" fmla="*/ 0 w 783112"/>
+              <a:gd name="connsiteY0" fmla="*/ 4234 h 783066"/>
+              <a:gd name="connsiteX1" fmla="*/ 783112 w 783112"/>
+              <a:gd name="connsiteY1" fmla="*/ 0 h 783066"/>
+              <a:gd name="connsiteX2" fmla="*/ 783112 w 783112"/>
+              <a:gd name="connsiteY2" fmla="*/ 783066 h 783066"/>
+              <a:gd name="connsiteX3" fmla="*/ 8467 w 783112"/>
+              <a:gd name="connsiteY3" fmla="*/ 783066 h 783066"/>
+              <a:gd name="connsiteX4" fmla="*/ 9236 w 783112"/>
+              <a:gd name="connsiteY4" fmla="*/ 666208 h 783066"/>
+              <a:gd name="connsiteX5" fmla="*/ 5003 w 783112"/>
+              <a:gd name="connsiteY5" fmla="*/ 382573 h 783066"/>
+              <a:gd name="connsiteX6" fmla="*/ 5002 w 783112"/>
+              <a:gd name="connsiteY6" fmla="*/ 90474 h 783066"/>
+              <a:gd name="connsiteX7" fmla="*/ 0 w 783112"/>
+              <a:gd name="connsiteY7" fmla="*/ 4234 h 783066"/>
+            </a:gdLst>
+            <a:ahLst/>
+            <a:cxnLst>
+              <a:cxn ang="0">
+                <a:pos x="connsiteX0" y="connsiteY0"/>
+              </a:cxn>
+              <a:cxn ang="0">
+                <a:pos x="connsiteX1" y="connsiteY1"/>
+              </a:cxn>
+              <a:cxn ang="0">
+                <a:pos x="connsiteX2" y="connsiteY2"/>
+              </a:cxn>
+              <a:cxn ang="0">
+                <a:pos x="connsiteX3" y="connsiteY3"/>
+              </a:cxn>
+              <a:cxn ang="0">
+                <a:pos x="connsiteX4" y="connsiteY4"/>
+              </a:cxn>
+              <a:cxn ang="0">
+                <a:pos x="connsiteX5" y="connsiteY5"/>
+              </a:cxn>
+              <a:cxn ang="0">
+                <a:pos x="connsiteX6" y="connsiteY6"/>
+              </a:cxn>
+              <a:cxn ang="0">
+                <a:pos x="connsiteX7" y="connsiteY7"/>
+              </a:cxn>
+            </a:cxnLst>
+            <a:rect l="l" t="t" r="r" b="b"/>
+            <a:pathLst>
+              <a:path w="783112" h="783066">
+                <a:moveTo>
+                  <a:pt x="0" y="4234"/>
+                </a:moveTo>
+                <a:lnTo>
+                  <a:pt x="783112" y="0"/>
+                </a:lnTo>
+                <a:lnTo>
+                  <a:pt x="783112" y="783066"/>
+                </a:lnTo>
+                <a:lnTo>
+                  <a:pt x="8467" y="783066"/>
+                </a:lnTo>
+                <a:cubicBezTo>
+                  <a:pt x="8723" y="744113"/>
+                  <a:pt x="8980" y="705161"/>
+                  <a:pt x="9236" y="666208"/>
+                </a:cubicBezTo>
+                <a:cubicBezTo>
+                  <a:pt x="7825" y="568841"/>
+                  <a:pt x="6414" y="479940"/>
+                  <a:pt x="5003" y="382573"/>
+                </a:cubicBezTo>
+                <a:cubicBezTo>
+                  <a:pt x="5003" y="285207"/>
+                  <a:pt x="5002" y="187840"/>
+                  <a:pt x="5002" y="90474"/>
+                </a:cubicBezTo>
+                <a:lnTo>
+                  <a:pt x="0" y="4234"/>
+                </a:lnTo>
+                <a:close/>
+              </a:path>
+            </a:pathLst>
+          </a:custGeom>
+          <a:solidFill>
+            <a:srgbClr val="D5E1BB"/>
+          </a:solidFill>
+          <a:ln>
+            <a:solidFill>
+              <a:schemeClr val="tx2"/>
+            </a:solidFill>
+          </a:ln>
+        </p:spPr>
+        <p:style>
+          <a:lnRef idx="1">
+            <a:schemeClr val="accent1"/>
+          </a:lnRef>
+          <a:fillRef idx="3">
+            <a:schemeClr val="accent1"/>
+          </a:fillRef>
+          <a:effectRef idx="2">
+            <a:schemeClr val="accent1"/>
+          </a:effectRef>
+          <a:fontRef idx="minor">
+            <a:schemeClr val="lt1"/>
+          </a:fontRef>
+        </p:style>
+        <p:txBody>
+          <a:bodyPr rtlCol="0" anchor="ctr"/>
+          <a:lstStyle/>
+          <a:p>
+            <a:pPr algn="ctr"/>
+            <a:r>
+              <a:rPr lang="en-US" sz="1100" dirty="0" err="1" smtClean="0">
+                <a:solidFill>
+                  <a:schemeClr val="tx1"/>
+                </a:solidFill>
+                <a:latin typeface="Calibri"/>
+                <a:cs typeface="Calibri"/>
+              </a:rPr>
+              <a:t>Jupyter</a:t>
+            </a:r>
+            <a:endParaRPr lang="en-US" sz="1100" dirty="0" smtClean="0">
+              <a:solidFill>
+                <a:schemeClr val="tx1"/>
+              </a:solidFill>
+              <a:latin typeface="Calibri"/>
+              <a:cs typeface="Calibri"/>
+            </a:endParaRPr>
+          </a:p>
+          <a:p>
+            <a:pPr algn="ctr"/>
+            <a:r>
+              <a:rPr lang="en-US" sz="1100" dirty="0" smtClean="0">
+                <a:solidFill>
+                  <a:schemeClr val="tx1"/>
+                </a:solidFill>
+                <a:latin typeface="Calibri"/>
+                <a:cs typeface="Calibri"/>
+              </a:rPr>
+              <a:t>Kernel</a:t>
+            </a:r>
+          </a:p>
+          <a:p>
+            <a:pPr algn="ctr"/>
+            <a:r>
+              <a:rPr lang="en-US" sz="1100" dirty="0" smtClean="0">
+                <a:solidFill>
+                  <a:schemeClr val="tx1"/>
+                </a:solidFill>
+                <a:latin typeface="Calibri"/>
+                <a:cs typeface="Calibri"/>
+              </a:rPr>
+              <a:t>Gateway</a:t>
+            </a:r>
+            <a:endParaRPr lang="en-US" sz="1100" dirty="0">
+              <a:solidFill>
+                <a:schemeClr val="tx1"/>
+              </a:solidFill>
+              <a:latin typeface="Calibri"/>
+              <a:cs typeface="Calibri"/>
+            </a:endParaRPr>
+          </a:p>
+        </p:txBody>
+      </p:sp>
+      <p:grpSp>
+        <p:nvGrpSpPr>
+          <p:cNvPr id="3" name="Group 2"/>
+          <p:cNvGrpSpPr/>
+          <p:nvPr/>
+        </p:nvGrpSpPr>
+        <p:grpSpPr>
+          <a:xfrm>
+            <a:off x="4985472" y="2242938"/>
+            <a:ext cx="1620260" cy="1233152"/>
+            <a:chOff x="4985472" y="1658126"/>
+            <a:chExt cx="1620260" cy="1233152"/>
+          </a:xfrm>
+        </p:grpSpPr>
+        <p:sp>
+          <p:nvSpPr>
+            <p:cNvPr id="2" name="Rectangle 1"/>
+            <p:cNvSpPr/>
+            <p:nvPr/>
+          </p:nvSpPr>
+          <p:spPr>
+            <a:xfrm>
+              <a:off x="4985472" y="1658126"/>
+              <a:ext cx="1620260" cy="1233152"/>
+            </a:xfrm>
+            <a:prstGeom prst="rect">
+              <a:avLst/>
+            </a:prstGeom>
+            <a:solidFill>
+              <a:srgbClr val="FFFFFF"/>
+            </a:solidFill>
+            <a:ln>
+              <a:solidFill>
+                <a:schemeClr val="tx2"/>
+              </a:solidFill>
+            </a:ln>
+          </p:spPr>
+          <p:style>
+            <a:lnRef idx="1">
+              <a:schemeClr val="accent1"/>
+            </a:lnRef>
+            <a:fillRef idx="3">
+              <a:schemeClr val="accent1"/>
+            </a:fillRef>
+            <a:effectRef idx="2">
+              <a:schemeClr val="accent1"/>
+            </a:effectRef>
+            <a:fontRef idx="minor">
+              <a:schemeClr val="lt1"/>
+            </a:fontRef>
+          </p:style>
+          <p:txBody>
+            <a:bodyPr rtlCol="0" anchor="ctr"/>
+            <a:lstStyle/>
+            <a:p>
+              <a:pPr algn="ctr"/>
+              <a:endParaRPr lang="en-US" sz="1800" dirty="0">
+                <a:solidFill>
+                  <a:srgbClr val="1F497D"/>
+                </a:solidFill>
+                <a:latin typeface="Calibri"/>
+                <a:cs typeface="Calibri"/>
+              </a:endParaRPr>
+            </a:p>
+          </p:txBody>
+        </p:sp>
+        <p:pic>
+          <p:nvPicPr>
+            <p:cNvPr id="65" name="Picture 64"/>
+            <p:cNvPicPr>
+              <a:picLocks noChangeAspect="1"/>
+            </p:cNvPicPr>
+            <p:nvPr/>
+          </p:nvPicPr>
+          <p:blipFill>
+            <a:blip r:embed="rId4">
+              <a:extLst>
+                <a:ext uri="{28A0092B-C50C-407E-A947-70E740481C1C}">
+                  <a14:useLocalDpi xmlns:a14="http://schemas.microsoft.com/office/drawing/2010/main" val="0"/>
+                </a:ext>
+              </a:extLst>
+            </a:blip>
+            <a:stretch>
+              <a:fillRect/>
+            </a:stretch>
+          </p:blipFill>
+          <p:spPr>
+            <a:xfrm>
+              <a:off x="5121852" y="1911376"/>
+              <a:ext cx="1360422" cy="680211"/>
+            </a:xfrm>
+            <a:prstGeom prst="rect">
+              <a:avLst/>
+            </a:prstGeom>
+          </p:spPr>
+        </p:pic>
+      </p:grpSp>
+      <p:grpSp>
+        <p:nvGrpSpPr>
+          <p:cNvPr id="4" name="Group 3"/>
+          <p:cNvGrpSpPr/>
+          <p:nvPr/>
+        </p:nvGrpSpPr>
+        <p:grpSpPr>
+          <a:xfrm>
+            <a:off x="7250762" y="2206152"/>
+            <a:ext cx="1620260" cy="1278322"/>
+            <a:chOff x="7342368" y="1610020"/>
+            <a:chExt cx="1620260" cy="1278322"/>
+          </a:xfrm>
+        </p:grpSpPr>
+        <p:sp>
+          <p:nvSpPr>
+            <p:cNvPr id="57" name="Rectangle 56"/>
+            <p:cNvSpPr/>
+            <p:nvPr/>
+          </p:nvSpPr>
+          <p:spPr>
+            <a:xfrm>
+              <a:off x="7342368" y="1655190"/>
+              <a:ext cx="1620260" cy="1233152"/>
+            </a:xfrm>
+            <a:prstGeom prst="rect">
+              <a:avLst/>
+            </a:prstGeom>
+            <a:solidFill>
+              <a:srgbClr val="FFFFFF"/>
+            </a:solidFill>
+            <a:ln>
+              <a:solidFill>
+                <a:schemeClr val="tx2"/>
+              </a:solidFill>
+            </a:ln>
+          </p:spPr>
+          <p:style>
+            <a:lnRef idx="1">
+              <a:schemeClr val="accent1"/>
+            </a:lnRef>
+            <a:fillRef idx="3">
+              <a:schemeClr val="accent1"/>
+            </a:fillRef>
+            <a:effectRef idx="2">
+              <a:schemeClr val="accent1"/>
+            </a:effectRef>
+            <a:fontRef idx="minor">
+              <a:schemeClr val="lt1"/>
+            </a:fontRef>
+          </p:style>
+          <p:txBody>
+            <a:bodyPr rtlCol="0" anchor="ctr"/>
+            <a:lstStyle/>
+            <a:p>
+              <a:pPr algn="ctr"/>
+              <a:endParaRPr lang="en-US" sz="1800" dirty="0">
+                <a:solidFill>
+                  <a:srgbClr val="1F497D"/>
+                </a:solidFill>
+                <a:latin typeface="Calibri"/>
+                <a:cs typeface="Calibri"/>
+              </a:endParaRPr>
+            </a:p>
+          </p:txBody>
+        </p:sp>
+        <p:pic>
+          <p:nvPicPr>
+            <p:cNvPr id="66" name="Picture 65"/>
+            <p:cNvPicPr>
+              <a:picLocks noChangeAspect="1"/>
+            </p:cNvPicPr>
+            <p:nvPr/>
+          </p:nvPicPr>
+          <p:blipFill>
+            <a:blip r:embed="rId5">
+              <a:extLst>
+                <a:ext uri="{28A0092B-C50C-407E-A947-70E740481C1C}">
+                  <a14:useLocalDpi xmlns:a14="http://schemas.microsoft.com/office/drawing/2010/main" val="0"/>
+                </a:ext>
+              </a:extLst>
+            </a:blip>
+            <a:stretch>
+              <a:fillRect/>
+            </a:stretch>
+          </p:blipFill>
+          <p:spPr>
+            <a:xfrm>
+              <a:off x="7555799" y="1610020"/>
+              <a:ext cx="1224608" cy="1224608"/>
+            </a:xfrm>
+            <a:prstGeom prst="rect">
+              <a:avLst/>
+            </a:prstGeom>
+          </p:spPr>
+        </p:pic>
+      </p:grpSp>
+      <p:sp>
+        <p:nvSpPr>
+          <p:cNvPr id="96" name="TextBox 95"/>
+          <p:cNvSpPr txBox="1"/>
+          <p:nvPr/>
+        </p:nvSpPr>
+        <p:spPr bwMode="auto">
+          <a:xfrm>
+            <a:off x="8116573" y="428565"/>
+            <a:ext cx="697889" cy="261610"/>
+          </a:xfrm>
+          <a:prstGeom prst="rect">
+            <a:avLst/>
+          </a:prstGeom>
+          <a:noFill/>
+          <a:ln w="9525">
+            <a:noFill/>
+            <a:miter lim="800000"/>
+            <a:headEnd/>
+            <a:tailEnd/>
+          </a:ln>
+        </p:spPr>
+        <p:txBody>
+          <a:bodyPr wrap="square" rtlCol="0">
+            <a:prstTxWarp prst="textNoShape">
+              <a:avLst/>
+            </a:prstTxWarp>
+            <a:spAutoFit/>
+          </a:bodyPr>
+          <a:lstStyle/>
+          <a:p>
+            <a:pPr algn="ctr"/>
+            <a:r>
+              <a:rPr lang="en-US" sz="1100" dirty="0" smtClean="0">
+                <a:latin typeface="Calibri" pitchFamily="-1" charset="0"/>
+              </a:rPr>
+              <a:t>JKG2AT</a:t>
+            </a:r>
+            <a:endParaRPr lang="en-US" sz="1100" dirty="0">
+              <a:latin typeface="Calibri" pitchFamily="-1" charset="0"/>
+            </a:endParaRPr>
+          </a:p>
+        </p:txBody>
+      </p:sp>
+      <p:sp>
+        <p:nvSpPr>
+          <p:cNvPr id="93" name="Rectangle 92"/>
+          <p:cNvSpPr/>
+          <p:nvPr/>
+        </p:nvSpPr>
+        <p:spPr>
+          <a:xfrm>
+            <a:off x="2090951" y="300058"/>
+            <a:ext cx="2070801" cy="3961046"/>
+          </a:xfrm>
+          <a:prstGeom prst="rect">
+            <a:avLst/>
+          </a:prstGeom>
+          <a:solidFill>
+            <a:schemeClr val="accent6">
+              <a:lumMod val="40000"/>
+              <a:lumOff val="60000"/>
+            </a:schemeClr>
+          </a:solidFill>
+          <a:ln>
+            <a:solidFill>
+              <a:schemeClr val="tx2"/>
+            </a:solidFill>
+          </a:ln>
+        </p:spPr>
+        <p:style>
+          <a:lnRef idx="1">
+            <a:schemeClr val="accent1"/>
+          </a:lnRef>
+          <a:fillRef idx="3">
+            <a:schemeClr val="accent1"/>
+          </a:fillRef>
+          <a:effectRef idx="2">
+            <a:schemeClr val="accent1"/>
+          </a:effectRef>
+          <a:fontRef idx="minor">
+            <a:schemeClr val="lt1"/>
+          </a:fontRef>
+        </p:style>
+        <p:txBody>
+          <a:bodyPr rtlCol="0" anchor="ctr"/>
+          <a:lstStyle/>
+          <a:p>
+            <a:pPr algn="ctr"/>
+            <a:endParaRPr lang="en-US" sz="1800" dirty="0">
+              <a:solidFill>
+                <a:srgbClr val="1F497D"/>
+              </a:solidFill>
+              <a:latin typeface="Calibri"/>
+              <a:cs typeface="Calibri"/>
+            </a:endParaRPr>
+          </a:p>
+        </p:txBody>
+      </p:sp>
+      <p:sp>
+        <p:nvSpPr>
+          <p:cNvPr id="116" name="TextBox 115"/>
+          <p:cNvSpPr txBox="1"/>
+          <p:nvPr/>
+        </p:nvSpPr>
+        <p:spPr bwMode="auto">
+          <a:xfrm>
+            <a:off x="2090951" y="3970279"/>
+            <a:ext cx="1063742" cy="261610"/>
+          </a:xfrm>
+          <a:prstGeom prst="rect">
+            <a:avLst/>
+          </a:prstGeom>
+          <a:noFill/>
+          <a:ln w="9525">
+            <a:noFill/>
+            <a:miter lim="800000"/>
+            <a:headEnd/>
+            <a:tailEnd/>
+          </a:ln>
+        </p:spPr>
+        <p:txBody>
+          <a:bodyPr wrap="square" rtlCol="0">
+            <a:prstTxWarp prst="textNoShape">
+              <a:avLst/>
+            </a:prstTxWarp>
+            <a:spAutoFit/>
+          </a:bodyPr>
+          <a:lstStyle/>
+          <a:p>
+            <a:pPr algn="ctr"/>
+            <a:r>
+              <a:rPr lang="en-US" sz="1100" dirty="0" smtClean="0">
+                <a:latin typeface="Calibri" pitchFamily="-1" charset="0"/>
+              </a:rPr>
+              <a:t>Linux on X/86</a:t>
+            </a:r>
+            <a:endParaRPr lang="en-US" sz="1100" dirty="0">
+              <a:latin typeface="Calibri" pitchFamily="-1" charset="0"/>
+            </a:endParaRPr>
+          </a:p>
+        </p:txBody>
+      </p:sp>
+      <p:sp>
+        <p:nvSpPr>
+          <p:cNvPr id="15" name="Rectangle 14"/>
+          <p:cNvSpPr/>
+          <p:nvPr/>
+        </p:nvSpPr>
+        <p:spPr>
+          <a:xfrm>
+            <a:off x="2187977" y="415836"/>
+            <a:ext cx="984991" cy="3525228"/>
+          </a:xfrm>
+          <a:prstGeom prst="rect">
+            <a:avLst/>
+          </a:prstGeom>
+          <a:solidFill>
+            <a:srgbClr val="FFFFFF"/>
+          </a:solidFill>
+          <a:ln>
+            <a:solidFill>
+              <a:schemeClr val="tx2"/>
+            </a:solidFill>
+          </a:ln>
+        </p:spPr>
+        <p:style>
+          <a:lnRef idx="1">
+            <a:schemeClr val="accent1"/>
+          </a:lnRef>
+          <a:fillRef idx="3">
+            <a:schemeClr val="accent1"/>
+          </a:fillRef>
+          <a:effectRef idx="2">
+            <a:schemeClr val="accent1"/>
+          </a:effectRef>
+          <a:fontRef idx="minor">
+            <a:schemeClr val="lt1"/>
+          </a:fontRef>
+        </p:style>
+        <p:txBody>
+          <a:bodyPr rtlCol="0" anchor="ctr"/>
+          <a:lstStyle/>
+          <a:p>
+            <a:pPr algn="ctr"/>
+            <a:endParaRPr lang="en-US" sz="1800" dirty="0">
+              <a:solidFill>
+                <a:srgbClr val="1F497D"/>
+              </a:solidFill>
+              <a:latin typeface="Calibri"/>
+              <a:cs typeface="Calibri"/>
+            </a:endParaRPr>
+          </a:p>
+        </p:txBody>
+      </p:sp>
+      <p:sp>
+        <p:nvSpPr>
+          <p:cNvPr id="102" name="Rectangle 101"/>
+          <p:cNvSpPr/>
+          <p:nvPr/>
+        </p:nvSpPr>
+        <p:spPr>
+          <a:xfrm>
+            <a:off x="2264901" y="498928"/>
+            <a:ext cx="809263" cy="3119034"/>
+          </a:xfrm>
+          <a:custGeom>
+            <a:avLst/>
+            <a:gdLst>
+              <a:gd name="connsiteX0" fmla="*/ 0 w 799738"/>
+              <a:gd name="connsiteY0" fmla="*/ 0 h 3119034"/>
+              <a:gd name="connsiteX1" fmla="*/ 799738 w 799738"/>
+              <a:gd name="connsiteY1" fmla="*/ 0 h 3119034"/>
+              <a:gd name="connsiteX2" fmla="*/ 799738 w 799738"/>
+              <a:gd name="connsiteY2" fmla="*/ 3119034 h 3119034"/>
+              <a:gd name="connsiteX3" fmla="*/ 0 w 799738"/>
+              <a:gd name="connsiteY3" fmla="*/ 3119034 h 3119034"/>
+              <a:gd name="connsiteX4" fmla="*/ 0 w 799738"/>
+              <a:gd name="connsiteY4" fmla="*/ 0 h 3119034"/>
+              <a:gd name="connsiteX0" fmla="*/ 6714 w 806452"/>
+              <a:gd name="connsiteY0" fmla="*/ 0 h 3119034"/>
+              <a:gd name="connsiteX1" fmla="*/ 806452 w 806452"/>
+              <a:gd name="connsiteY1" fmla="*/ 0 h 3119034"/>
+              <a:gd name="connsiteX2" fmla="*/ 806452 w 806452"/>
+              <a:gd name="connsiteY2" fmla="*/ 3119034 h 3119034"/>
+              <a:gd name="connsiteX3" fmla="*/ 6714 w 806452"/>
+              <a:gd name="connsiteY3" fmla="*/ 3119034 h 3119034"/>
+              <a:gd name="connsiteX4" fmla="*/ 0 w 806452"/>
+              <a:gd name="connsiteY4" fmla="*/ 287456 h 3119034"/>
+              <a:gd name="connsiteX5" fmla="*/ 6714 w 806452"/>
+              <a:gd name="connsiteY5" fmla="*/ 0 h 3119034"/>
+              <a:gd name="connsiteX0" fmla="*/ 15858 w 815596"/>
+              <a:gd name="connsiteY0" fmla="*/ 0 h 3119034"/>
+              <a:gd name="connsiteX1" fmla="*/ 815596 w 815596"/>
+              <a:gd name="connsiteY1" fmla="*/ 0 h 3119034"/>
+              <a:gd name="connsiteX2" fmla="*/ 815596 w 815596"/>
+              <a:gd name="connsiteY2" fmla="*/ 3119034 h 3119034"/>
+              <a:gd name="connsiteX3" fmla="*/ 15858 w 815596"/>
+              <a:gd name="connsiteY3" fmla="*/ 3119034 h 3119034"/>
+              <a:gd name="connsiteX4" fmla="*/ 0 w 815596"/>
+              <a:gd name="connsiteY4" fmla="*/ 1640768 h 3119034"/>
+              <a:gd name="connsiteX5" fmla="*/ 9144 w 815596"/>
+              <a:gd name="connsiteY5" fmla="*/ 287456 h 3119034"/>
+              <a:gd name="connsiteX6" fmla="*/ 15858 w 815596"/>
+              <a:gd name="connsiteY6" fmla="*/ 0 h 3119034"/>
+              <a:gd name="connsiteX0" fmla="*/ 25002 w 824740"/>
+              <a:gd name="connsiteY0" fmla="*/ 0 h 3119034"/>
+              <a:gd name="connsiteX1" fmla="*/ 824740 w 824740"/>
+              <a:gd name="connsiteY1" fmla="*/ 0 h 3119034"/>
+              <a:gd name="connsiteX2" fmla="*/ 824740 w 824740"/>
+              <a:gd name="connsiteY2" fmla="*/ 3119034 h 3119034"/>
+              <a:gd name="connsiteX3" fmla="*/ 25002 w 824740"/>
+              <a:gd name="connsiteY3" fmla="*/ 3119034 h 3119034"/>
+              <a:gd name="connsiteX4" fmla="*/ 0 w 824740"/>
+              <a:gd name="connsiteY4" fmla="*/ 2847776 h 3119034"/>
+              <a:gd name="connsiteX5" fmla="*/ 9144 w 824740"/>
+              <a:gd name="connsiteY5" fmla="*/ 1640768 h 3119034"/>
+              <a:gd name="connsiteX6" fmla="*/ 18288 w 824740"/>
+              <a:gd name="connsiteY6" fmla="*/ 287456 h 3119034"/>
+              <a:gd name="connsiteX7" fmla="*/ 25002 w 824740"/>
+              <a:gd name="connsiteY7" fmla="*/ 0 h 3119034"/>
+              <a:gd name="connsiteX0" fmla="*/ 15858 w 815596"/>
+              <a:gd name="connsiteY0" fmla="*/ 0 h 3119034"/>
+              <a:gd name="connsiteX1" fmla="*/ 815596 w 815596"/>
+              <a:gd name="connsiteY1" fmla="*/ 0 h 3119034"/>
+              <a:gd name="connsiteX2" fmla="*/ 815596 w 815596"/>
+              <a:gd name="connsiteY2" fmla="*/ 3119034 h 3119034"/>
+              <a:gd name="connsiteX3" fmla="*/ 15858 w 815596"/>
+              <a:gd name="connsiteY3" fmla="*/ 3119034 h 3119034"/>
+              <a:gd name="connsiteX4" fmla="*/ 9144 w 815596"/>
+              <a:gd name="connsiteY4" fmla="*/ 2856920 h 3119034"/>
+              <a:gd name="connsiteX5" fmla="*/ 0 w 815596"/>
+              <a:gd name="connsiteY5" fmla="*/ 1640768 h 3119034"/>
+              <a:gd name="connsiteX6" fmla="*/ 9144 w 815596"/>
+              <a:gd name="connsiteY6" fmla="*/ 287456 h 3119034"/>
+              <a:gd name="connsiteX7" fmla="*/ 15858 w 815596"/>
+              <a:gd name="connsiteY7" fmla="*/ 0 h 3119034"/>
+              <a:gd name="connsiteX0" fmla="*/ 15858 w 815596"/>
+              <a:gd name="connsiteY0" fmla="*/ 0 h 3119034"/>
+              <a:gd name="connsiteX1" fmla="*/ 815596 w 815596"/>
+              <a:gd name="connsiteY1" fmla="*/ 0 h 3119034"/>
+              <a:gd name="connsiteX2" fmla="*/ 815596 w 815596"/>
+              <a:gd name="connsiteY2" fmla="*/ 3119034 h 3119034"/>
+              <a:gd name="connsiteX3" fmla="*/ 15858 w 815596"/>
+              <a:gd name="connsiteY3" fmla="*/ 3119034 h 3119034"/>
+              <a:gd name="connsiteX4" fmla="*/ 9144 w 815596"/>
+              <a:gd name="connsiteY4" fmla="*/ 2856920 h 3119034"/>
+              <a:gd name="connsiteX5" fmla="*/ 0 w 815596"/>
+              <a:gd name="connsiteY5" fmla="*/ 1640768 h 3119034"/>
+              <a:gd name="connsiteX6" fmla="*/ 15494 w 815596"/>
+              <a:gd name="connsiteY6" fmla="*/ 290631 h 3119034"/>
+              <a:gd name="connsiteX7" fmla="*/ 15858 w 815596"/>
+              <a:gd name="connsiteY7" fmla="*/ 0 h 3119034"/>
+              <a:gd name="connsiteX0" fmla="*/ 15858 w 815596"/>
+              <a:gd name="connsiteY0" fmla="*/ 0 h 3119034"/>
+              <a:gd name="connsiteX1" fmla="*/ 815596 w 815596"/>
+              <a:gd name="connsiteY1" fmla="*/ 0 h 3119034"/>
+              <a:gd name="connsiteX2" fmla="*/ 815596 w 815596"/>
+              <a:gd name="connsiteY2" fmla="*/ 3119034 h 3119034"/>
+              <a:gd name="connsiteX3" fmla="*/ 15858 w 815596"/>
+              <a:gd name="connsiteY3" fmla="*/ 3119034 h 3119034"/>
+              <a:gd name="connsiteX4" fmla="*/ 9144 w 815596"/>
+              <a:gd name="connsiteY4" fmla="*/ 2856920 h 3119034"/>
+              <a:gd name="connsiteX5" fmla="*/ 0 w 815596"/>
+              <a:gd name="connsiteY5" fmla="*/ 1640768 h 3119034"/>
+              <a:gd name="connsiteX6" fmla="*/ 15494 w 815596"/>
+              <a:gd name="connsiteY6" fmla="*/ 290631 h 3119034"/>
+              <a:gd name="connsiteX7" fmla="*/ 15858 w 815596"/>
+              <a:gd name="connsiteY7" fmla="*/ 0 h 3119034"/>
+              <a:gd name="connsiteX0" fmla="*/ 15858 w 815596"/>
+              <a:gd name="connsiteY0" fmla="*/ 0 h 3119034"/>
+              <a:gd name="connsiteX1" fmla="*/ 815596 w 815596"/>
+              <a:gd name="connsiteY1" fmla="*/ 0 h 3119034"/>
+              <a:gd name="connsiteX2" fmla="*/ 815596 w 815596"/>
+              <a:gd name="connsiteY2" fmla="*/ 3119034 h 3119034"/>
+              <a:gd name="connsiteX3" fmla="*/ 15858 w 815596"/>
+              <a:gd name="connsiteY3" fmla="*/ 3119034 h 3119034"/>
+              <a:gd name="connsiteX4" fmla="*/ 9144 w 815596"/>
+              <a:gd name="connsiteY4" fmla="*/ 2856920 h 3119034"/>
+              <a:gd name="connsiteX5" fmla="*/ 0 w 815596"/>
+              <a:gd name="connsiteY5" fmla="*/ 1640768 h 3119034"/>
+              <a:gd name="connsiteX6" fmla="*/ 15494 w 815596"/>
+              <a:gd name="connsiteY6" fmla="*/ 290631 h 3119034"/>
+              <a:gd name="connsiteX7" fmla="*/ 15858 w 815596"/>
+              <a:gd name="connsiteY7" fmla="*/ 0 h 3119034"/>
+              <a:gd name="connsiteX0" fmla="*/ 15858 w 815596"/>
+              <a:gd name="connsiteY0" fmla="*/ 0 h 3119034"/>
+              <a:gd name="connsiteX1" fmla="*/ 815596 w 815596"/>
+              <a:gd name="connsiteY1" fmla="*/ 0 h 3119034"/>
+              <a:gd name="connsiteX2" fmla="*/ 815596 w 815596"/>
+              <a:gd name="connsiteY2" fmla="*/ 3119034 h 3119034"/>
+              <a:gd name="connsiteX3" fmla="*/ 15858 w 815596"/>
+              <a:gd name="connsiteY3" fmla="*/ 3119034 h 3119034"/>
+              <a:gd name="connsiteX4" fmla="*/ 9144 w 815596"/>
+              <a:gd name="connsiteY4" fmla="*/ 2856920 h 3119034"/>
+              <a:gd name="connsiteX5" fmla="*/ 0 w 815596"/>
+              <a:gd name="connsiteY5" fmla="*/ 1640768 h 3119034"/>
+              <a:gd name="connsiteX6" fmla="*/ 15494 w 815596"/>
+              <a:gd name="connsiteY6" fmla="*/ 268406 h 3119034"/>
+              <a:gd name="connsiteX7" fmla="*/ 15858 w 815596"/>
+              <a:gd name="connsiteY7" fmla="*/ 0 h 3119034"/>
+              <a:gd name="connsiteX0" fmla="*/ 15858 w 815596"/>
+              <a:gd name="connsiteY0" fmla="*/ 0 h 3119034"/>
+              <a:gd name="connsiteX1" fmla="*/ 815596 w 815596"/>
+              <a:gd name="connsiteY1" fmla="*/ 0 h 3119034"/>
+              <a:gd name="connsiteX2" fmla="*/ 815596 w 815596"/>
+              <a:gd name="connsiteY2" fmla="*/ 3119034 h 3119034"/>
+              <a:gd name="connsiteX3" fmla="*/ 6333 w 815596"/>
+              <a:gd name="connsiteY3" fmla="*/ 3119034 h 3119034"/>
+              <a:gd name="connsiteX4" fmla="*/ 9144 w 815596"/>
+              <a:gd name="connsiteY4" fmla="*/ 2856920 h 3119034"/>
+              <a:gd name="connsiteX5" fmla="*/ 0 w 815596"/>
+              <a:gd name="connsiteY5" fmla="*/ 1640768 h 3119034"/>
+              <a:gd name="connsiteX6" fmla="*/ 15494 w 815596"/>
+              <a:gd name="connsiteY6" fmla="*/ 268406 h 3119034"/>
+              <a:gd name="connsiteX7" fmla="*/ 15858 w 815596"/>
+              <a:gd name="connsiteY7" fmla="*/ 0 h 3119034"/>
+              <a:gd name="connsiteX0" fmla="*/ 15858 w 815596"/>
+              <a:gd name="connsiteY0" fmla="*/ 0 h 3119034"/>
+              <a:gd name="connsiteX1" fmla="*/ 815596 w 815596"/>
+              <a:gd name="connsiteY1" fmla="*/ 0 h 3119034"/>
+              <a:gd name="connsiteX2" fmla="*/ 815596 w 815596"/>
+              <a:gd name="connsiteY2" fmla="*/ 3119034 h 3119034"/>
+              <a:gd name="connsiteX3" fmla="*/ 6333 w 815596"/>
+              <a:gd name="connsiteY3" fmla="*/ 3119034 h 3119034"/>
+              <a:gd name="connsiteX4" fmla="*/ 9144 w 815596"/>
+              <a:gd name="connsiteY4" fmla="*/ 2856920 h 3119034"/>
+              <a:gd name="connsiteX5" fmla="*/ 0 w 815596"/>
+              <a:gd name="connsiteY5" fmla="*/ 1640768 h 3119034"/>
+              <a:gd name="connsiteX6" fmla="*/ 15494 w 815596"/>
+              <a:gd name="connsiteY6" fmla="*/ 268406 h 3119034"/>
+              <a:gd name="connsiteX7" fmla="*/ 15858 w 815596"/>
+              <a:gd name="connsiteY7" fmla="*/ 0 h 3119034"/>
+              <a:gd name="connsiteX0" fmla="*/ 9525 w 809263"/>
+              <a:gd name="connsiteY0" fmla="*/ 0 h 3119034"/>
+              <a:gd name="connsiteX1" fmla="*/ 809263 w 809263"/>
+              <a:gd name="connsiteY1" fmla="*/ 0 h 3119034"/>
+              <a:gd name="connsiteX2" fmla="*/ 809263 w 809263"/>
+              <a:gd name="connsiteY2" fmla="*/ 3119034 h 3119034"/>
+              <a:gd name="connsiteX3" fmla="*/ 0 w 809263"/>
+              <a:gd name="connsiteY3" fmla="*/ 3119034 h 3119034"/>
+              <a:gd name="connsiteX4" fmla="*/ 2811 w 809263"/>
+              <a:gd name="connsiteY4" fmla="*/ 2856920 h 3119034"/>
+              <a:gd name="connsiteX5" fmla="*/ 17 w 809263"/>
+              <a:gd name="connsiteY5" fmla="*/ 1643943 h 3119034"/>
+              <a:gd name="connsiteX6" fmla="*/ 9161 w 809263"/>
+              <a:gd name="connsiteY6" fmla="*/ 268406 h 3119034"/>
+              <a:gd name="connsiteX7" fmla="*/ 9525 w 809263"/>
+              <a:gd name="connsiteY7" fmla="*/ 0 h 3119034"/>
+              <a:gd name="connsiteX0" fmla="*/ 9525 w 809263"/>
+              <a:gd name="connsiteY0" fmla="*/ 0 h 3119034"/>
+              <a:gd name="connsiteX1" fmla="*/ 809263 w 809263"/>
+              <a:gd name="connsiteY1" fmla="*/ 0 h 3119034"/>
+              <a:gd name="connsiteX2" fmla="*/ 809263 w 809263"/>
+              <a:gd name="connsiteY2" fmla="*/ 3119034 h 3119034"/>
+              <a:gd name="connsiteX3" fmla="*/ 0 w 809263"/>
+              <a:gd name="connsiteY3" fmla="*/ 3119034 h 3119034"/>
+              <a:gd name="connsiteX4" fmla="*/ 2811 w 809263"/>
+              <a:gd name="connsiteY4" fmla="*/ 2856920 h 3119034"/>
+              <a:gd name="connsiteX5" fmla="*/ 6367 w 809263"/>
+              <a:gd name="connsiteY5" fmla="*/ 1643943 h 3119034"/>
+              <a:gd name="connsiteX6" fmla="*/ 9161 w 809263"/>
+              <a:gd name="connsiteY6" fmla="*/ 268406 h 3119034"/>
+              <a:gd name="connsiteX7" fmla="*/ 9525 w 809263"/>
+              <a:gd name="connsiteY7" fmla="*/ 0 h 3119034"/>
+              <a:gd name="connsiteX0" fmla="*/ 9525 w 809263"/>
+              <a:gd name="connsiteY0" fmla="*/ 0 h 3119034"/>
+              <a:gd name="connsiteX1" fmla="*/ 809263 w 809263"/>
+              <a:gd name="connsiteY1" fmla="*/ 0 h 3119034"/>
+              <a:gd name="connsiteX2" fmla="*/ 809263 w 809263"/>
+              <a:gd name="connsiteY2" fmla="*/ 3119034 h 3119034"/>
+              <a:gd name="connsiteX3" fmla="*/ 0 w 809263"/>
+              <a:gd name="connsiteY3" fmla="*/ 3119034 h 3119034"/>
+              <a:gd name="connsiteX4" fmla="*/ 2811 w 809263"/>
+              <a:gd name="connsiteY4" fmla="*/ 2856920 h 3119034"/>
+              <a:gd name="connsiteX5" fmla="*/ 6367 w 809263"/>
+              <a:gd name="connsiteY5" fmla="*/ 1643943 h 3119034"/>
+              <a:gd name="connsiteX6" fmla="*/ 9161 w 809263"/>
+              <a:gd name="connsiteY6" fmla="*/ 268406 h 3119034"/>
+              <a:gd name="connsiteX7" fmla="*/ 9525 w 809263"/>
+              <a:gd name="connsiteY7" fmla="*/ 0 h 3119034"/>
+            </a:gdLst>
+            <a:ahLst/>
+            <a:cxnLst>
+              <a:cxn ang="0">
+                <a:pos x="connsiteX0" y="connsiteY0"/>
+              </a:cxn>
+              <a:cxn ang="0">
+                <a:pos x="connsiteX1" y="connsiteY1"/>
+              </a:cxn>
+              <a:cxn ang="0">
+                <a:pos x="connsiteX2" y="connsiteY2"/>
+              </a:cxn>
+              <a:cxn ang="0">
+                <a:pos x="connsiteX3" y="connsiteY3"/>
+              </a:cxn>
+              <a:cxn ang="0">
+                <a:pos x="connsiteX4" y="connsiteY4"/>
+              </a:cxn>
+              <a:cxn ang="0">
+                <a:pos x="connsiteX5" y="connsiteY5"/>
+              </a:cxn>
+              <a:cxn ang="0">
+                <a:pos x="connsiteX6" y="connsiteY6"/>
+              </a:cxn>
+              <a:cxn ang="0">
+                <a:pos x="connsiteX7" y="connsiteY7"/>
+              </a:cxn>
+            </a:cxnLst>
+            <a:rect l="l" t="t" r="r" b="b"/>
+            <a:pathLst>
+              <a:path w="809263" h="3119034">
+                <a:moveTo>
+                  <a:pt x="9525" y="0"/>
+                </a:moveTo>
+                <a:lnTo>
+                  <a:pt x="809263" y="0"/>
+                </a:lnTo>
+                <a:lnTo>
+                  <a:pt x="809263" y="3119034"/>
+                </a:lnTo>
+                <a:lnTo>
+                  <a:pt x="0" y="3119034"/>
+                </a:lnTo>
+                <a:cubicBezTo>
+                  <a:pt x="937" y="3003088"/>
+                  <a:pt x="1874" y="2944291"/>
+                  <a:pt x="2811" y="2856920"/>
+                </a:cubicBezTo>
+                <a:cubicBezTo>
+                  <a:pt x="1880" y="2452594"/>
+                  <a:pt x="948" y="2054619"/>
+                  <a:pt x="6367" y="1643943"/>
+                </a:cubicBezTo>
+                <a:cubicBezTo>
+                  <a:pt x="7298" y="1185431"/>
+                  <a:pt x="8230" y="726918"/>
+                  <a:pt x="9161" y="268406"/>
+                </a:cubicBezTo>
+                <a:cubicBezTo>
+                  <a:pt x="9282" y="177879"/>
+                  <a:pt x="9404" y="96877"/>
+                  <a:pt x="9525" y="0"/>
+                </a:cubicBezTo>
+                <a:close/>
+              </a:path>
+            </a:pathLst>
+          </a:custGeom>
+          <a:solidFill>
+            <a:schemeClr val="accent3">
+              <a:lumMod val="40000"/>
+              <a:lumOff val="60000"/>
+            </a:schemeClr>
+          </a:solidFill>
+          <a:ln>
+            <a:solidFill>
+              <a:schemeClr val="tx1"/>
+            </a:solidFill>
+          </a:ln>
+        </p:spPr>
+        <p:style>
+          <a:lnRef idx="1">
+            <a:schemeClr val="accent1"/>
+          </a:lnRef>
+          <a:fillRef idx="3">
+            <a:schemeClr val="accent1"/>
+          </a:fillRef>
+          <a:effectRef idx="2">
+            <a:schemeClr val="accent1"/>
+          </a:effectRef>
+          <a:fontRef idx="minor">
+            <a:schemeClr val="lt1"/>
+          </a:fontRef>
+        </p:style>
+        <p:txBody>
+          <a:bodyPr rtlCol="0" anchor="ctr"/>
+          <a:lstStyle/>
+          <a:p>
+            <a:pPr algn="ctr"/>
+            <a:r>
+              <a:rPr lang="en-US" sz="1000" dirty="0" err="1" smtClean="0">
+                <a:solidFill>
+                  <a:schemeClr val="tx1"/>
+                </a:solidFill>
+                <a:latin typeface="Calibri"/>
+                <a:cs typeface="Calibri"/>
+              </a:rPr>
+              <a:t>JupyterHub</a:t>
+            </a:r>
+            <a:endParaRPr lang="en-US" sz="1000" dirty="0">
+              <a:solidFill>
+                <a:schemeClr val="tx1"/>
+              </a:solidFill>
+              <a:latin typeface="Calibri"/>
+              <a:cs typeface="Calibri"/>
+            </a:endParaRPr>
+          </a:p>
+        </p:txBody>
+      </p:sp>
+      <p:pic>
+        <p:nvPicPr>
+          <p:cNvPr id="20" name="Picture 19"/>
+          <p:cNvPicPr>
+            <a:picLocks noChangeAspect="1"/>
+          </p:cNvPicPr>
+          <p:nvPr/>
+        </p:nvPicPr>
+        <p:blipFill>
+          <a:blip r:embed="rId6">
+            <a:extLst>
+              <a:ext uri="{28A0092B-C50C-407E-A947-70E740481C1C}">
+                <a14:useLocalDpi xmlns:a14="http://schemas.microsoft.com/office/drawing/2010/main" val="0"/>
+              </a:ext>
+            </a:extLst>
+          </a:blip>
+          <a:stretch>
+            <a:fillRect/>
+          </a:stretch>
+        </p:blipFill>
+        <p:spPr>
+          <a:xfrm>
+            <a:off x="2203532" y="3633090"/>
+            <a:ext cx="862209" cy="292846"/>
+          </a:xfrm>
+          <a:prstGeom prst="rect">
+            <a:avLst/>
+          </a:prstGeom>
+        </p:spPr>
+      </p:pic>
+      <p:grpSp>
+        <p:nvGrpSpPr>
+          <p:cNvPr id="56" name="Group 55"/>
+          <p:cNvGrpSpPr/>
+          <p:nvPr/>
+        </p:nvGrpSpPr>
+        <p:grpSpPr>
+          <a:xfrm>
+            <a:off x="3340070" y="415836"/>
+            <a:ext cx="731747" cy="1021820"/>
+            <a:chOff x="6153852" y="1421221"/>
+            <a:chExt cx="731747" cy="1021820"/>
+          </a:xfrm>
+        </p:grpSpPr>
+        <p:sp>
+          <p:nvSpPr>
+            <p:cNvPr id="34" name="Rectangle 33"/>
+            <p:cNvSpPr/>
+            <p:nvPr/>
+          </p:nvSpPr>
+          <p:spPr>
+            <a:xfrm>
+              <a:off x="6153852" y="1421221"/>
+              <a:ext cx="731747" cy="1021820"/>
+            </a:xfrm>
+            <a:prstGeom prst="rect">
+              <a:avLst/>
+            </a:prstGeom>
+            <a:solidFill>
+              <a:srgbClr val="FFFFFF"/>
+            </a:solidFill>
+            <a:ln>
+              <a:solidFill>
+                <a:schemeClr val="tx2"/>
+              </a:solidFill>
+            </a:ln>
+          </p:spPr>
+          <p:style>
+            <a:lnRef idx="1">
+              <a:schemeClr val="accent1"/>
+            </a:lnRef>
+            <a:fillRef idx="3">
+              <a:schemeClr val="accent1"/>
+            </a:fillRef>
+            <a:effectRef idx="2">
+              <a:schemeClr val="accent1"/>
+            </a:effectRef>
+            <a:fontRef idx="minor">
+              <a:schemeClr val="lt1"/>
+            </a:fontRef>
+          </p:style>
+          <p:txBody>
+            <a:bodyPr rtlCol="0" anchor="ctr"/>
+            <a:lstStyle/>
+            <a:p>
+              <a:pPr algn="ctr"/>
+              <a:endParaRPr lang="en-US" sz="1800" dirty="0">
+                <a:solidFill>
+                  <a:srgbClr val="1F497D"/>
+                </a:solidFill>
+                <a:latin typeface="Calibri"/>
+                <a:cs typeface="Calibri"/>
+              </a:endParaRPr>
+            </a:p>
+          </p:txBody>
+        </p:sp>
+        <p:sp>
+          <p:nvSpPr>
+            <p:cNvPr id="35" name="Rectangle 34"/>
+            <p:cNvSpPr/>
+            <p:nvPr/>
+          </p:nvSpPr>
+          <p:spPr>
+            <a:xfrm>
+              <a:off x="6199911" y="1477081"/>
+              <a:ext cx="617402" cy="384604"/>
+            </a:xfrm>
+            <a:prstGeom prst="rect">
+              <a:avLst/>
+            </a:prstGeom>
+            <a:solidFill>
+              <a:schemeClr val="accent3">
+                <a:lumMod val="40000"/>
+                <a:lumOff val="60000"/>
+              </a:schemeClr>
+            </a:solidFill>
+            <a:ln>
+              <a:solidFill>
+                <a:schemeClr val="tx1"/>
+              </a:solidFill>
+            </a:ln>
+          </p:spPr>
+          <p:style>
+            <a:lnRef idx="1">
+              <a:schemeClr val="accent1"/>
+            </a:lnRef>
+            <a:fillRef idx="3">
+              <a:schemeClr val="accent1"/>
+            </a:fillRef>
+            <a:effectRef idx="2">
+              <a:schemeClr val="accent1"/>
+            </a:effectRef>
+            <a:fontRef idx="minor">
+              <a:schemeClr val="lt1"/>
+            </a:fontRef>
+          </p:style>
+          <p:txBody>
+            <a:bodyPr rtlCol="0" anchor="ctr"/>
+            <a:lstStyle/>
+            <a:p>
+              <a:pPr algn="ctr"/>
+              <a:r>
+                <a:rPr lang="en-US" sz="900" dirty="0" err="1" smtClean="0">
+                  <a:solidFill>
+                    <a:schemeClr val="tx1"/>
+                  </a:solidFill>
+                  <a:latin typeface="Calibri"/>
+                  <a:cs typeface="Calibri"/>
+                </a:rPr>
+                <a:t>Jupyter</a:t>
+              </a:r>
+              <a:endParaRPr lang="en-US" sz="900" dirty="0">
+                <a:solidFill>
+                  <a:schemeClr val="tx1"/>
+                </a:solidFill>
+                <a:latin typeface="Calibri"/>
+                <a:cs typeface="Calibri"/>
+              </a:endParaRPr>
+            </a:p>
+            <a:p>
+              <a:pPr algn="ctr"/>
+              <a:r>
+                <a:rPr lang="en-US" sz="900" dirty="0" smtClean="0">
+                  <a:solidFill>
+                    <a:schemeClr val="tx1"/>
+                  </a:solidFill>
+                  <a:latin typeface="Calibri"/>
+                  <a:cs typeface="Calibri"/>
+                </a:rPr>
+                <a:t>Server</a:t>
+              </a:r>
+              <a:endParaRPr lang="en-US" sz="900" dirty="0">
+                <a:solidFill>
+                  <a:schemeClr val="tx1"/>
+                </a:solidFill>
+                <a:latin typeface="Calibri"/>
+                <a:cs typeface="Calibri"/>
+              </a:endParaRPr>
+            </a:p>
+          </p:txBody>
+        </p:sp>
+        <p:sp>
+          <p:nvSpPr>
+            <p:cNvPr id="36" name="Rectangle 35"/>
+            <p:cNvSpPr/>
+            <p:nvPr/>
+          </p:nvSpPr>
+          <p:spPr>
+            <a:xfrm>
+              <a:off x="6199911" y="1884025"/>
+              <a:ext cx="617402" cy="234928"/>
+            </a:xfrm>
+            <a:prstGeom prst="rect">
+              <a:avLst/>
+            </a:prstGeom>
+            <a:solidFill>
+              <a:schemeClr val="accent3">
+                <a:lumMod val="40000"/>
+                <a:lumOff val="60000"/>
+              </a:schemeClr>
+            </a:solidFill>
+            <a:ln>
+              <a:solidFill>
+                <a:schemeClr val="tx1"/>
+              </a:solidFill>
+            </a:ln>
+          </p:spPr>
+          <p:style>
+            <a:lnRef idx="1">
+              <a:schemeClr val="accent1"/>
+            </a:lnRef>
+            <a:fillRef idx="3">
+              <a:schemeClr val="accent1"/>
+            </a:fillRef>
+            <a:effectRef idx="2">
+              <a:schemeClr val="accent1"/>
+            </a:effectRef>
+            <a:fontRef idx="minor">
+              <a:schemeClr val="lt1"/>
+            </a:fontRef>
+          </p:style>
+          <p:txBody>
+            <a:bodyPr rtlCol="0" anchor="ctr"/>
+            <a:lstStyle/>
+            <a:p>
+              <a:pPr algn="ctr"/>
+              <a:r>
+                <a:rPr lang="en-US" sz="900" dirty="0" smtClean="0">
+                  <a:solidFill>
+                    <a:schemeClr val="tx1"/>
+                  </a:solidFill>
+                  <a:latin typeface="Calibri"/>
+                  <a:cs typeface="Calibri"/>
+                </a:rPr>
+                <a:t>NB2KG</a:t>
+              </a:r>
+              <a:endParaRPr lang="en-US" sz="900" dirty="0">
+                <a:solidFill>
+                  <a:schemeClr val="tx1"/>
+                </a:solidFill>
+                <a:latin typeface="Calibri"/>
+                <a:cs typeface="Calibri"/>
+              </a:endParaRPr>
+            </a:p>
+          </p:txBody>
+        </p:sp>
+        <p:pic>
+          <p:nvPicPr>
+            <p:cNvPr id="37" name="Picture 36"/>
+            <p:cNvPicPr>
+              <a:picLocks noChangeAspect="1"/>
+            </p:cNvPicPr>
+            <p:nvPr/>
+          </p:nvPicPr>
+          <p:blipFill>
+            <a:blip r:embed="rId6">
+              <a:extLst>
+                <a:ext uri="{28A0092B-C50C-407E-A947-70E740481C1C}">
+                  <a14:useLocalDpi xmlns:a14="http://schemas.microsoft.com/office/drawing/2010/main" val="0"/>
+                </a:ext>
+              </a:extLst>
+            </a:blip>
+            <a:stretch>
+              <a:fillRect/>
+            </a:stretch>
+          </p:blipFill>
+          <p:spPr>
+            <a:xfrm>
+              <a:off x="6153852" y="2166971"/>
+              <a:ext cx="731747" cy="248535"/>
+            </a:xfrm>
+            <a:prstGeom prst="rect">
+              <a:avLst/>
+            </a:prstGeom>
+          </p:spPr>
+        </p:pic>
+      </p:grpSp>
+      <p:sp>
+        <p:nvSpPr>
+          <p:cNvPr id="7" name="TextBox 6"/>
+          <p:cNvSpPr txBox="1"/>
+          <p:nvPr/>
+        </p:nvSpPr>
+        <p:spPr bwMode="auto">
+          <a:xfrm>
+            <a:off x="3455751" y="3753125"/>
+            <a:ext cx="478033" cy="315017"/>
+          </a:xfrm>
+          <a:prstGeom prst="rect">
+            <a:avLst/>
+          </a:prstGeom>
+          <a:noFill/>
+          <a:ln w="9525">
+            <a:noFill/>
+            <a:miter lim="800000"/>
+            <a:headEnd/>
+            <a:tailEnd/>
+          </a:ln>
+        </p:spPr>
+        <p:txBody>
+          <a:bodyPr wrap="square" rtlCol="0">
+            <a:prstTxWarp prst="textNoShape">
+              <a:avLst/>
+            </a:prstTxWarp>
+            <a:spAutoFit/>
+          </a:bodyPr>
+          <a:lstStyle/>
+          <a:p>
+            <a:pPr algn="ctr"/>
+            <a:r>
+              <a:rPr lang="en-US" sz="1400" b="1" dirty="0" smtClean="0">
+                <a:latin typeface="Calibri" pitchFamily="-1" charset="0"/>
+              </a:rPr>
+              <a:t>. . .</a:t>
+            </a:r>
+            <a:endParaRPr lang="en-US" sz="1400" b="1" dirty="0">
+              <a:latin typeface="Calibri" pitchFamily="-1" charset="0"/>
+            </a:endParaRPr>
+          </a:p>
+        </p:txBody>
+      </p:sp>
+      <p:grpSp>
+        <p:nvGrpSpPr>
+          <p:cNvPr id="52" name="Group 51"/>
+          <p:cNvGrpSpPr/>
+          <p:nvPr/>
+        </p:nvGrpSpPr>
+        <p:grpSpPr>
+          <a:xfrm>
+            <a:off x="144930" y="3223663"/>
+            <a:ext cx="1707304" cy="988291"/>
+            <a:chOff x="3760437" y="2834622"/>
+            <a:chExt cx="1707304" cy="988291"/>
+          </a:xfrm>
+        </p:grpSpPr>
+        <p:pic>
+          <p:nvPicPr>
+            <p:cNvPr id="45" name="Picture 44"/>
+            <p:cNvPicPr>
+              <a:picLocks noChangeAspect="1"/>
+            </p:cNvPicPr>
+            <p:nvPr/>
+          </p:nvPicPr>
+          <p:blipFill>
+            <a:blip r:embed="rId7"/>
+            <a:stretch>
+              <a:fillRect/>
+            </a:stretch>
+          </p:blipFill>
+          <p:spPr>
+            <a:xfrm>
+              <a:off x="4707778" y="2902372"/>
+              <a:ext cx="759963" cy="809834"/>
+            </a:xfrm>
+            <a:prstGeom prst="rect">
+              <a:avLst/>
+            </a:prstGeom>
+          </p:spPr>
+        </p:pic>
+        <p:pic>
+          <p:nvPicPr>
+            <p:cNvPr id="46" name="Picture 45"/>
+            <p:cNvPicPr>
+              <a:picLocks noChangeAspect="1"/>
+            </p:cNvPicPr>
+            <p:nvPr/>
+          </p:nvPicPr>
+          <p:blipFill>
+            <a:blip r:embed="rId8"/>
+            <a:stretch>
+              <a:fillRect/>
+            </a:stretch>
+          </p:blipFill>
+          <p:spPr>
+            <a:xfrm>
+              <a:off x="4922282" y="3040572"/>
+              <a:ext cx="337312" cy="315017"/>
+            </a:xfrm>
+            <a:prstGeom prst="rect">
+              <a:avLst/>
+            </a:prstGeom>
+          </p:spPr>
+        </p:pic>
+        <p:pic>
+          <p:nvPicPr>
+            <p:cNvPr id="11" name="Picture 10"/>
+            <p:cNvPicPr>
+              <a:picLocks noChangeAspect="1"/>
+            </p:cNvPicPr>
+            <p:nvPr/>
+          </p:nvPicPr>
+          <p:blipFill>
+            <a:blip r:embed="rId9">
+              <a:extLst>
+                <a:ext uri="{28A0092B-C50C-407E-A947-70E740481C1C}">
+                  <a14:useLocalDpi xmlns:a14="http://schemas.microsoft.com/office/drawing/2010/main" val="0"/>
+                </a:ext>
+              </a:extLst>
+            </a:blip>
+            <a:stretch>
+              <a:fillRect/>
+            </a:stretch>
+          </p:blipFill>
+          <p:spPr>
+            <a:xfrm>
+              <a:off x="3760437" y="2834622"/>
+              <a:ext cx="804433" cy="804433"/>
+            </a:xfrm>
+            <a:prstGeom prst="rect">
+              <a:avLst/>
+            </a:prstGeom>
+          </p:spPr>
+        </p:pic>
+        <p:sp>
+          <p:nvSpPr>
+            <p:cNvPr id="12" name="TextBox 11"/>
+            <p:cNvSpPr txBox="1"/>
+            <p:nvPr/>
+          </p:nvSpPr>
+          <p:spPr bwMode="auto">
+            <a:xfrm>
+              <a:off x="3888701" y="3545914"/>
+              <a:ext cx="530352" cy="276999"/>
+            </a:xfrm>
+            <a:prstGeom prst="rect">
+              <a:avLst/>
+            </a:prstGeom>
+            <a:noFill/>
+            <a:ln w="9525">
+              <a:noFill/>
+              <a:miter lim="800000"/>
+              <a:headEnd/>
+              <a:tailEnd/>
+            </a:ln>
+          </p:spPr>
+          <p:txBody>
+            <a:bodyPr wrap="square" rtlCol="0">
+              <a:prstTxWarp prst="textNoShape">
+                <a:avLst/>
+              </a:prstTxWarp>
+              <a:spAutoFit/>
+            </a:bodyPr>
+            <a:lstStyle/>
+            <a:p>
+              <a:pPr algn="ctr"/>
+              <a:r>
+                <a:rPr lang="en-US" sz="1200" dirty="0" smtClean="0">
+                  <a:latin typeface="Calibri" pitchFamily="-1" charset="0"/>
+                </a:rPr>
+                <a:t>Neil</a:t>
+              </a:r>
+              <a:endParaRPr lang="en-US" sz="1200" dirty="0">
+                <a:latin typeface="Calibri" pitchFamily="-1" charset="0"/>
+              </a:endParaRPr>
+            </a:p>
+          </p:txBody>
+        </p:sp>
+      </p:grpSp>
+      <p:grpSp>
+        <p:nvGrpSpPr>
+          <p:cNvPr id="18" name="Group 17"/>
+          <p:cNvGrpSpPr/>
+          <p:nvPr/>
+        </p:nvGrpSpPr>
+        <p:grpSpPr>
+          <a:xfrm>
+            <a:off x="144931" y="1837913"/>
+            <a:ext cx="1701087" cy="965598"/>
+            <a:chOff x="3024791" y="261303"/>
+            <a:chExt cx="1701087" cy="965598"/>
+          </a:xfrm>
+        </p:grpSpPr>
+        <p:pic>
+          <p:nvPicPr>
+            <p:cNvPr id="41" name="Picture 40"/>
+            <p:cNvPicPr>
+              <a:picLocks noChangeAspect="1"/>
+            </p:cNvPicPr>
+            <p:nvPr/>
+          </p:nvPicPr>
+          <p:blipFill>
+            <a:blip r:embed="rId7"/>
+            <a:stretch>
+              <a:fillRect/>
+            </a:stretch>
+          </p:blipFill>
+          <p:spPr>
+            <a:xfrm>
+              <a:off x="3965915" y="314137"/>
+              <a:ext cx="759963" cy="876192"/>
+            </a:xfrm>
+            <a:prstGeom prst="rect">
+              <a:avLst/>
+            </a:prstGeom>
+          </p:spPr>
+        </p:pic>
+        <p:pic>
+          <p:nvPicPr>
+            <p:cNvPr id="42" name="Picture 41"/>
+            <p:cNvPicPr>
+              <a:picLocks noChangeAspect="1"/>
+            </p:cNvPicPr>
+            <p:nvPr/>
+          </p:nvPicPr>
+          <p:blipFill>
+            <a:blip r:embed="rId8"/>
+            <a:stretch>
+              <a:fillRect/>
+            </a:stretch>
+          </p:blipFill>
+          <p:spPr>
+            <a:xfrm>
+              <a:off x="4180419" y="491263"/>
+              <a:ext cx="337312" cy="315017"/>
+            </a:xfrm>
+            <a:prstGeom prst="rect">
+              <a:avLst/>
+            </a:prstGeom>
+          </p:spPr>
+        </p:pic>
+        <p:pic>
+          <p:nvPicPr>
+            <p:cNvPr id="8" name="Picture 7"/>
+            <p:cNvPicPr>
+              <a:picLocks noChangeAspect="1"/>
+            </p:cNvPicPr>
+            <p:nvPr/>
+          </p:nvPicPr>
+          <p:blipFill>
+            <a:blip r:embed="rId10">
+              <a:extLst>
+                <a:ext uri="{28A0092B-C50C-407E-A947-70E740481C1C}">
+                  <a14:useLocalDpi xmlns:a14="http://schemas.microsoft.com/office/drawing/2010/main" val="0"/>
+                </a:ext>
+              </a:extLst>
+            </a:blip>
+            <a:stretch>
+              <a:fillRect/>
+            </a:stretch>
+          </p:blipFill>
+          <p:spPr>
+            <a:xfrm>
+              <a:off x="3024791" y="261303"/>
+              <a:ext cx="760672" cy="760672"/>
+            </a:xfrm>
+            <a:prstGeom prst="rect">
+              <a:avLst/>
+            </a:prstGeom>
+          </p:spPr>
+        </p:pic>
+        <p:sp>
+          <p:nvSpPr>
+            <p:cNvPr id="50" name="TextBox 49"/>
+            <p:cNvSpPr txBox="1"/>
+            <p:nvPr/>
+          </p:nvSpPr>
+          <p:spPr bwMode="auto">
+            <a:xfrm>
+              <a:off x="3102058" y="949902"/>
+              <a:ext cx="602326" cy="276999"/>
+            </a:xfrm>
+            <a:prstGeom prst="rect">
+              <a:avLst/>
+            </a:prstGeom>
+            <a:noFill/>
+            <a:ln w="9525">
+              <a:noFill/>
+              <a:miter lim="800000"/>
+              <a:headEnd/>
+              <a:tailEnd/>
+            </a:ln>
+          </p:spPr>
+          <p:txBody>
+            <a:bodyPr wrap="square" rtlCol="0">
+              <a:prstTxWarp prst="textNoShape">
+                <a:avLst/>
+              </a:prstTxWarp>
+              <a:spAutoFit/>
+            </a:bodyPr>
+            <a:lstStyle/>
+            <a:p>
+              <a:pPr algn="ctr"/>
+              <a:r>
+                <a:rPr lang="en-US" sz="1200" dirty="0" smtClean="0">
+                  <a:latin typeface="Calibri" pitchFamily="-1" charset="0"/>
+                </a:rPr>
+                <a:t>Emma</a:t>
+              </a:r>
+              <a:endParaRPr lang="en-US" sz="1200" dirty="0">
+                <a:latin typeface="Calibri" pitchFamily="-1" charset="0"/>
+              </a:endParaRPr>
+            </a:p>
+          </p:txBody>
+        </p:sp>
+      </p:grpSp>
+      <p:grpSp>
+        <p:nvGrpSpPr>
+          <p:cNvPr id="19" name="Group 18"/>
+          <p:cNvGrpSpPr/>
+          <p:nvPr/>
+        </p:nvGrpSpPr>
+        <p:grpSpPr>
+          <a:xfrm>
+            <a:off x="163579" y="433359"/>
+            <a:ext cx="1673076" cy="986252"/>
+            <a:chOff x="526907" y="279174"/>
+            <a:chExt cx="1673076" cy="986252"/>
+          </a:xfrm>
+        </p:grpSpPr>
+        <p:pic>
+          <p:nvPicPr>
+            <p:cNvPr id="237" name="Picture 236"/>
+            <p:cNvPicPr>
+              <a:picLocks noChangeAspect="1"/>
+            </p:cNvPicPr>
+            <p:nvPr/>
+          </p:nvPicPr>
+          <p:blipFill>
+            <a:blip r:embed="rId11"/>
+            <a:stretch>
+              <a:fillRect/>
+            </a:stretch>
+          </p:blipFill>
+          <p:spPr>
+            <a:xfrm>
+              <a:off x="526907" y="279174"/>
+              <a:ext cx="742024" cy="742024"/>
+            </a:xfrm>
+            <a:prstGeom prst="rect">
+              <a:avLst/>
+            </a:prstGeom>
+          </p:spPr>
+        </p:pic>
+        <p:pic>
+          <p:nvPicPr>
+            <p:cNvPr id="239" name="Picture 238"/>
+            <p:cNvPicPr>
+              <a:picLocks noChangeAspect="1"/>
+            </p:cNvPicPr>
+            <p:nvPr/>
+          </p:nvPicPr>
+          <p:blipFill>
+            <a:blip r:embed="rId7"/>
+            <a:stretch>
+              <a:fillRect/>
+            </a:stretch>
+          </p:blipFill>
+          <p:spPr>
+            <a:xfrm>
+              <a:off x="1440020" y="380255"/>
+              <a:ext cx="759963" cy="818749"/>
+            </a:xfrm>
+            <a:prstGeom prst="rect">
+              <a:avLst/>
+            </a:prstGeom>
+          </p:spPr>
+        </p:pic>
+        <p:pic>
+          <p:nvPicPr>
+            <p:cNvPr id="105" name="Picture 104"/>
+            <p:cNvPicPr>
+              <a:picLocks noChangeAspect="1"/>
+            </p:cNvPicPr>
+            <p:nvPr/>
+          </p:nvPicPr>
+          <p:blipFill>
+            <a:blip r:embed="rId8"/>
+            <a:stretch>
+              <a:fillRect/>
+            </a:stretch>
+          </p:blipFill>
+          <p:spPr>
+            <a:xfrm>
+              <a:off x="1654524" y="527371"/>
+              <a:ext cx="337312" cy="315017"/>
+            </a:xfrm>
+            <a:prstGeom prst="rect">
+              <a:avLst/>
+            </a:prstGeom>
+          </p:spPr>
+        </p:pic>
+        <p:sp>
+          <p:nvSpPr>
+            <p:cNvPr id="51" name="TextBox 50"/>
+            <p:cNvSpPr txBox="1"/>
+            <p:nvPr/>
+          </p:nvSpPr>
+          <p:spPr bwMode="auto">
+            <a:xfrm>
+              <a:off x="644782" y="988427"/>
+              <a:ext cx="509258" cy="276999"/>
+            </a:xfrm>
+            <a:prstGeom prst="rect">
+              <a:avLst/>
+            </a:prstGeom>
+            <a:noFill/>
+            <a:ln w="9525">
+              <a:noFill/>
+              <a:miter lim="800000"/>
+              <a:headEnd/>
+              <a:tailEnd/>
+            </a:ln>
+          </p:spPr>
+          <p:txBody>
+            <a:bodyPr wrap="square" rtlCol="0">
+              <a:prstTxWarp prst="textNoShape">
+                <a:avLst/>
+              </a:prstTxWarp>
+              <a:spAutoFit/>
+            </a:bodyPr>
+            <a:lstStyle/>
+            <a:p>
+              <a:pPr algn="ctr"/>
+              <a:r>
+                <a:rPr lang="en-US" sz="1200" smtClean="0">
+                  <a:latin typeface="Calibri" pitchFamily="-1" charset="0"/>
+                </a:rPr>
+                <a:t>Jen</a:t>
+              </a:r>
+              <a:endParaRPr lang="en-US" sz="1200" dirty="0">
+                <a:latin typeface="Calibri" pitchFamily="-1" charset="0"/>
+              </a:endParaRPr>
+            </a:p>
+          </p:txBody>
+        </p:sp>
+      </p:grpSp>
+      <p:grpSp>
+        <p:nvGrpSpPr>
+          <p:cNvPr id="71" name="Group 70"/>
+          <p:cNvGrpSpPr/>
+          <p:nvPr/>
+        </p:nvGrpSpPr>
+        <p:grpSpPr>
+          <a:xfrm>
+            <a:off x="3341178" y="1533352"/>
+            <a:ext cx="731747" cy="1021820"/>
+            <a:chOff x="6153852" y="1421221"/>
+            <a:chExt cx="731747" cy="1021820"/>
+          </a:xfrm>
+        </p:grpSpPr>
+        <p:sp>
+          <p:nvSpPr>
+            <p:cNvPr id="72" name="Rectangle 71"/>
+            <p:cNvSpPr/>
+            <p:nvPr/>
+          </p:nvSpPr>
+          <p:spPr>
+            <a:xfrm>
+              <a:off x="6153852" y="1421221"/>
+              <a:ext cx="731747" cy="1021820"/>
+            </a:xfrm>
+            <a:prstGeom prst="rect">
+              <a:avLst/>
+            </a:prstGeom>
+            <a:solidFill>
+              <a:srgbClr val="FFFFFF"/>
+            </a:solidFill>
+            <a:ln>
+              <a:solidFill>
+                <a:schemeClr val="tx2"/>
+              </a:solidFill>
+            </a:ln>
+          </p:spPr>
+          <p:style>
+            <a:lnRef idx="1">
+              <a:schemeClr val="accent1"/>
+            </a:lnRef>
+            <a:fillRef idx="3">
+              <a:schemeClr val="accent1"/>
+            </a:fillRef>
+            <a:effectRef idx="2">
+              <a:schemeClr val="accent1"/>
+            </a:effectRef>
+            <a:fontRef idx="minor">
+              <a:schemeClr val="lt1"/>
+            </a:fontRef>
+          </p:style>
+          <p:txBody>
+            <a:bodyPr rtlCol="0" anchor="ctr"/>
+            <a:lstStyle/>
+            <a:p>
+              <a:pPr algn="ctr"/>
+              <a:endParaRPr lang="en-US" sz="1800" dirty="0">
+                <a:solidFill>
+                  <a:srgbClr val="1F497D"/>
+                </a:solidFill>
+                <a:latin typeface="Calibri"/>
+                <a:cs typeface="Calibri"/>
+              </a:endParaRPr>
+            </a:p>
+          </p:txBody>
+        </p:sp>
+        <p:sp>
+          <p:nvSpPr>
+            <p:cNvPr id="73" name="Rectangle 72"/>
+            <p:cNvSpPr/>
+            <p:nvPr/>
+          </p:nvSpPr>
+          <p:spPr>
+            <a:xfrm>
+              <a:off x="6199911" y="1477081"/>
+              <a:ext cx="617402" cy="384604"/>
+            </a:xfrm>
+            <a:prstGeom prst="rect">
+              <a:avLst/>
+            </a:prstGeom>
+            <a:solidFill>
+              <a:schemeClr val="accent3">
+                <a:lumMod val="40000"/>
+                <a:lumOff val="60000"/>
+              </a:schemeClr>
+            </a:solidFill>
+            <a:ln>
+              <a:solidFill>
+                <a:schemeClr val="tx1"/>
+              </a:solidFill>
+            </a:ln>
+          </p:spPr>
+          <p:style>
+            <a:lnRef idx="1">
+              <a:schemeClr val="accent1"/>
+            </a:lnRef>
+            <a:fillRef idx="3">
+              <a:schemeClr val="accent1"/>
+            </a:fillRef>
+            <a:effectRef idx="2">
+              <a:schemeClr val="accent1"/>
+            </a:effectRef>
+            <a:fontRef idx="minor">
+              <a:schemeClr val="lt1"/>
+            </a:fontRef>
+          </p:style>
+          <p:txBody>
+            <a:bodyPr rtlCol="0" anchor="ctr"/>
+            <a:lstStyle/>
+            <a:p>
+              <a:pPr algn="ctr"/>
+              <a:r>
+                <a:rPr lang="en-US" sz="900" dirty="0" err="1" smtClean="0">
+                  <a:solidFill>
+                    <a:schemeClr val="tx1"/>
+                  </a:solidFill>
+                  <a:latin typeface="Calibri"/>
+                  <a:cs typeface="Calibri"/>
+                </a:rPr>
+                <a:t>Jupyter</a:t>
+              </a:r>
+              <a:endParaRPr lang="en-US" sz="900" dirty="0">
+                <a:solidFill>
+                  <a:schemeClr val="tx1"/>
+                </a:solidFill>
+                <a:latin typeface="Calibri"/>
+                <a:cs typeface="Calibri"/>
+              </a:endParaRPr>
+            </a:p>
+            <a:p>
+              <a:pPr algn="ctr"/>
+              <a:r>
+                <a:rPr lang="en-US" sz="900" dirty="0" smtClean="0">
+                  <a:solidFill>
+                    <a:schemeClr val="tx1"/>
+                  </a:solidFill>
+                  <a:latin typeface="Calibri"/>
+                  <a:cs typeface="Calibri"/>
+                </a:rPr>
+                <a:t>Server</a:t>
+              </a:r>
+              <a:endParaRPr lang="en-US" sz="900" dirty="0">
+                <a:solidFill>
+                  <a:schemeClr val="tx1"/>
+                </a:solidFill>
+                <a:latin typeface="Calibri"/>
+                <a:cs typeface="Calibri"/>
+              </a:endParaRPr>
+            </a:p>
+          </p:txBody>
+        </p:sp>
+        <p:sp>
+          <p:nvSpPr>
+            <p:cNvPr id="74" name="Rectangle 73"/>
+            <p:cNvSpPr/>
+            <p:nvPr/>
+          </p:nvSpPr>
+          <p:spPr>
+            <a:xfrm>
+              <a:off x="6199911" y="1884025"/>
+              <a:ext cx="617402" cy="234928"/>
+            </a:xfrm>
+            <a:prstGeom prst="rect">
+              <a:avLst/>
+            </a:prstGeom>
+            <a:solidFill>
+              <a:schemeClr val="accent3">
+                <a:lumMod val="40000"/>
+                <a:lumOff val="60000"/>
+              </a:schemeClr>
+            </a:solidFill>
+            <a:ln>
+              <a:solidFill>
+                <a:schemeClr val="tx1"/>
+              </a:solidFill>
+            </a:ln>
+          </p:spPr>
+          <p:style>
+            <a:lnRef idx="1">
+              <a:schemeClr val="accent1"/>
+            </a:lnRef>
+            <a:fillRef idx="3">
+              <a:schemeClr val="accent1"/>
+            </a:fillRef>
+            <a:effectRef idx="2">
+              <a:schemeClr val="accent1"/>
+            </a:effectRef>
+            <a:fontRef idx="minor">
+              <a:schemeClr val="lt1"/>
+            </a:fontRef>
+          </p:style>
+          <p:txBody>
+            <a:bodyPr rtlCol="0" anchor="ctr"/>
+            <a:lstStyle/>
+            <a:p>
+              <a:pPr algn="ctr"/>
+              <a:r>
+                <a:rPr lang="en-US" sz="900" dirty="0" smtClean="0">
+                  <a:solidFill>
+                    <a:schemeClr val="tx1"/>
+                  </a:solidFill>
+                  <a:latin typeface="Calibri"/>
+                  <a:cs typeface="Calibri"/>
+                </a:rPr>
+                <a:t>NB2KG</a:t>
+              </a:r>
+              <a:endParaRPr lang="en-US" sz="900" dirty="0">
+                <a:solidFill>
+                  <a:schemeClr val="tx1"/>
+                </a:solidFill>
+                <a:latin typeface="Calibri"/>
+                <a:cs typeface="Calibri"/>
+              </a:endParaRPr>
+            </a:p>
+          </p:txBody>
+        </p:sp>
+        <p:pic>
+          <p:nvPicPr>
+            <p:cNvPr id="76" name="Picture 75"/>
+            <p:cNvPicPr>
+              <a:picLocks noChangeAspect="1"/>
+            </p:cNvPicPr>
+            <p:nvPr/>
+          </p:nvPicPr>
+          <p:blipFill>
+            <a:blip r:embed="rId6">
+              <a:extLst>
+                <a:ext uri="{28A0092B-C50C-407E-A947-70E740481C1C}">
+                  <a14:useLocalDpi xmlns:a14="http://schemas.microsoft.com/office/drawing/2010/main" val="0"/>
+                </a:ext>
+              </a:extLst>
+            </a:blip>
+            <a:stretch>
+              <a:fillRect/>
+            </a:stretch>
+          </p:blipFill>
+          <p:spPr>
+            <a:xfrm>
+              <a:off x="6153852" y="2166971"/>
+              <a:ext cx="731747" cy="248535"/>
+            </a:xfrm>
+            <a:prstGeom prst="rect">
+              <a:avLst/>
+            </a:prstGeom>
+          </p:spPr>
+        </p:pic>
+      </p:grpSp>
+      <p:grpSp>
+        <p:nvGrpSpPr>
+          <p:cNvPr id="77" name="Group 76"/>
+          <p:cNvGrpSpPr/>
+          <p:nvPr/>
+        </p:nvGrpSpPr>
+        <p:grpSpPr>
+          <a:xfrm>
+            <a:off x="3340008" y="2683287"/>
+            <a:ext cx="731747" cy="1021820"/>
+            <a:chOff x="6153852" y="1421221"/>
+            <a:chExt cx="731747" cy="1021820"/>
+          </a:xfrm>
+        </p:grpSpPr>
+        <p:sp>
+          <p:nvSpPr>
+            <p:cNvPr id="78" name="Rectangle 77"/>
+            <p:cNvSpPr/>
+            <p:nvPr/>
+          </p:nvSpPr>
+          <p:spPr>
+            <a:xfrm>
+              <a:off x="6153852" y="1421221"/>
+              <a:ext cx="731747" cy="1021820"/>
+            </a:xfrm>
+            <a:prstGeom prst="rect">
+              <a:avLst/>
+            </a:prstGeom>
+            <a:solidFill>
+              <a:srgbClr val="FFFFFF"/>
+            </a:solidFill>
+            <a:ln>
+              <a:solidFill>
+                <a:schemeClr val="tx2"/>
+              </a:solidFill>
+            </a:ln>
+          </p:spPr>
+          <p:style>
+            <a:lnRef idx="1">
+              <a:schemeClr val="accent1"/>
+            </a:lnRef>
+            <a:fillRef idx="3">
+              <a:schemeClr val="accent1"/>
+            </a:fillRef>
+            <a:effectRef idx="2">
+              <a:schemeClr val="accent1"/>
+            </a:effectRef>
+            <a:fontRef idx="minor">
+              <a:schemeClr val="lt1"/>
+            </a:fontRef>
+          </p:style>
+          <p:txBody>
+            <a:bodyPr rtlCol="0" anchor="ctr"/>
+            <a:lstStyle/>
+            <a:p>
+              <a:pPr algn="ctr"/>
+              <a:endParaRPr lang="en-US" sz="1800" dirty="0">
+                <a:solidFill>
+                  <a:srgbClr val="1F497D"/>
+                </a:solidFill>
+                <a:latin typeface="Calibri"/>
+                <a:cs typeface="Calibri"/>
+              </a:endParaRPr>
+            </a:p>
+          </p:txBody>
+        </p:sp>
+        <p:sp>
+          <p:nvSpPr>
+            <p:cNvPr id="79" name="Rectangle 78"/>
+            <p:cNvSpPr/>
+            <p:nvPr/>
+          </p:nvSpPr>
+          <p:spPr>
+            <a:xfrm>
+              <a:off x="6199911" y="1477081"/>
+              <a:ext cx="617402" cy="384604"/>
+            </a:xfrm>
+            <a:prstGeom prst="rect">
+              <a:avLst/>
+            </a:prstGeom>
+            <a:solidFill>
+              <a:schemeClr val="accent3">
+                <a:lumMod val="40000"/>
+                <a:lumOff val="60000"/>
+              </a:schemeClr>
+            </a:solidFill>
+            <a:ln>
+              <a:solidFill>
+                <a:schemeClr val="tx1"/>
+              </a:solidFill>
+            </a:ln>
+          </p:spPr>
+          <p:style>
+            <a:lnRef idx="1">
+              <a:schemeClr val="accent1"/>
+            </a:lnRef>
+            <a:fillRef idx="3">
+              <a:schemeClr val="accent1"/>
+            </a:fillRef>
+            <a:effectRef idx="2">
+              <a:schemeClr val="accent1"/>
+            </a:effectRef>
+            <a:fontRef idx="minor">
+              <a:schemeClr val="lt1"/>
+            </a:fontRef>
+          </p:style>
+          <p:txBody>
+            <a:bodyPr rtlCol="0" anchor="ctr"/>
+            <a:lstStyle/>
+            <a:p>
+              <a:pPr algn="ctr"/>
+              <a:r>
+                <a:rPr lang="en-US" sz="900" dirty="0" err="1" smtClean="0">
+                  <a:solidFill>
+                    <a:schemeClr val="tx1"/>
+                  </a:solidFill>
+                  <a:latin typeface="Calibri"/>
+                  <a:cs typeface="Calibri"/>
+                </a:rPr>
+                <a:t>Jupyter</a:t>
+              </a:r>
+              <a:endParaRPr lang="en-US" sz="900" dirty="0">
+                <a:solidFill>
+                  <a:schemeClr val="tx1"/>
+                </a:solidFill>
+                <a:latin typeface="Calibri"/>
+                <a:cs typeface="Calibri"/>
+              </a:endParaRPr>
+            </a:p>
+            <a:p>
+              <a:pPr algn="ctr"/>
+              <a:r>
+                <a:rPr lang="en-US" sz="900" dirty="0" smtClean="0">
+                  <a:solidFill>
+                    <a:schemeClr val="tx1"/>
+                  </a:solidFill>
+                  <a:latin typeface="Calibri"/>
+                  <a:cs typeface="Calibri"/>
+                </a:rPr>
+                <a:t>Server</a:t>
+              </a:r>
+              <a:endParaRPr lang="en-US" sz="900" dirty="0">
+                <a:solidFill>
+                  <a:schemeClr val="tx1"/>
+                </a:solidFill>
+                <a:latin typeface="Calibri"/>
+                <a:cs typeface="Calibri"/>
+              </a:endParaRPr>
+            </a:p>
+          </p:txBody>
+        </p:sp>
+        <p:sp>
+          <p:nvSpPr>
+            <p:cNvPr id="80" name="Rectangle 79"/>
+            <p:cNvSpPr/>
+            <p:nvPr/>
+          </p:nvSpPr>
+          <p:spPr>
+            <a:xfrm>
+              <a:off x="6199911" y="1884025"/>
+              <a:ext cx="617402" cy="234928"/>
+            </a:xfrm>
+            <a:prstGeom prst="rect">
+              <a:avLst/>
+            </a:prstGeom>
+            <a:solidFill>
+              <a:schemeClr val="accent3">
+                <a:lumMod val="40000"/>
+                <a:lumOff val="60000"/>
+              </a:schemeClr>
+            </a:solidFill>
+            <a:ln>
+              <a:solidFill>
+                <a:schemeClr val="tx1"/>
+              </a:solidFill>
+            </a:ln>
+          </p:spPr>
+          <p:style>
+            <a:lnRef idx="1">
+              <a:schemeClr val="accent1"/>
+            </a:lnRef>
+            <a:fillRef idx="3">
+              <a:schemeClr val="accent1"/>
+            </a:fillRef>
+            <a:effectRef idx="2">
+              <a:schemeClr val="accent1"/>
+            </a:effectRef>
+            <a:fontRef idx="minor">
+              <a:schemeClr val="lt1"/>
+            </a:fontRef>
+          </p:style>
+          <p:txBody>
+            <a:bodyPr rtlCol="0" anchor="ctr"/>
+            <a:lstStyle/>
+            <a:p>
+              <a:pPr algn="ctr"/>
+              <a:r>
+                <a:rPr lang="en-US" sz="900" dirty="0" smtClean="0">
+                  <a:solidFill>
+                    <a:schemeClr val="tx1"/>
+                  </a:solidFill>
+                  <a:latin typeface="Calibri"/>
+                  <a:cs typeface="Calibri"/>
+                </a:rPr>
+                <a:t>NB2KG</a:t>
+              </a:r>
+              <a:endParaRPr lang="en-US" sz="900" dirty="0">
+                <a:solidFill>
+                  <a:schemeClr val="tx1"/>
+                </a:solidFill>
+                <a:latin typeface="Calibri"/>
+                <a:cs typeface="Calibri"/>
+              </a:endParaRPr>
+            </a:p>
+          </p:txBody>
+        </p:sp>
+        <p:pic>
+          <p:nvPicPr>
+            <p:cNvPr id="81" name="Picture 80"/>
+            <p:cNvPicPr>
+              <a:picLocks noChangeAspect="1"/>
+            </p:cNvPicPr>
+            <p:nvPr/>
+          </p:nvPicPr>
+          <p:blipFill>
+            <a:blip r:embed="rId6">
+              <a:extLst>
+                <a:ext uri="{28A0092B-C50C-407E-A947-70E740481C1C}">
+                  <a14:useLocalDpi xmlns:a14="http://schemas.microsoft.com/office/drawing/2010/main" val="0"/>
+                </a:ext>
+              </a:extLst>
+            </a:blip>
+            <a:stretch>
+              <a:fillRect/>
+            </a:stretch>
+          </p:blipFill>
+          <p:spPr>
+            <a:xfrm>
+              <a:off x="6153852" y="2166971"/>
+              <a:ext cx="731747" cy="248535"/>
+            </a:xfrm>
+            <a:prstGeom prst="rect">
+              <a:avLst/>
+            </a:prstGeom>
+          </p:spPr>
+        </p:pic>
+      </p:grpSp>
+      <p:grpSp>
+        <p:nvGrpSpPr>
+          <p:cNvPr id="6" name="Group 5"/>
+          <p:cNvGrpSpPr/>
+          <p:nvPr/>
+        </p:nvGrpSpPr>
+        <p:grpSpPr>
+          <a:xfrm>
+            <a:off x="6946938" y="3509604"/>
+            <a:ext cx="1924890" cy="372387"/>
+            <a:chOff x="6946938" y="3509604"/>
+            <a:chExt cx="1924890" cy="372387"/>
+          </a:xfrm>
+        </p:grpSpPr>
+        <p:grpSp>
+          <p:nvGrpSpPr>
+            <p:cNvPr id="5" name="Group 4"/>
+            <p:cNvGrpSpPr/>
+            <p:nvPr/>
+          </p:nvGrpSpPr>
+          <p:grpSpPr>
+            <a:xfrm>
+              <a:off x="6946938" y="3509604"/>
+              <a:ext cx="1924890" cy="372057"/>
+              <a:chOff x="6946938" y="3509604"/>
+              <a:chExt cx="1924890" cy="372057"/>
+            </a:xfrm>
+          </p:grpSpPr>
+          <p:sp>
+            <p:nvSpPr>
+              <p:cNvPr id="86" name="Rectangle 85"/>
+              <p:cNvSpPr/>
+              <p:nvPr/>
+            </p:nvSpPr>
+            <p:spPr>
+              <a:xfrm>
+                <a:off x="6946938" y="3509604"/>
+                <a:ext cx="1924890" cy="372057"/>
+              </a:xfrm>
+              <a:prstGeom prst="rect">
+                <a:avLst/>
+              </a:prstGeom>
+              <a:solidFill>
+                <a:schemeClr val="bg2"/>
+              </a:solidFill>
+              <a:ln>
+                <a:noFill/>
+              </a:ln>
+              <a:effectLst/>
+            </p:spPr>
+            <p:style>
+              <a:lnRef idx="1">
+                <a:schemeClr val="accent1"/>
+              </a:lnRef>
+              <a:fillRef idx="3">
+                <a:schemeClr val="accent1"/>
+              </a:fillRef>
+              <a:effectRef idx="2">
+                <a:schemeClr val="accent1"/>
+              </a:effectRef>
+              <a:fontRef idx="minor">
+                <a:schemeClr val="lt1"/>
+              </a:fontRef>
+            </p:style>
+            <p:txBody>
+              <a:bodyPr rtlCol="0" anchor="ctr"/>
+              <a:lstStyle/>
+              <a:p>
+                <a:pPr algn="ctr"/>
+                <a:endParaRPr lang="en-US" sz="1800" dirty="0">
+                  <a:solidFill>
+                    <a:srgbClr val="1F497D"/>
+                  </a:solidFill>
+                  <a:latin typeface="Calibri"/>
+                  <a:cs typeface="Calibri"/>
+                </a:endParaRPr>
+              </a:p>
+            </p:txBody>
+          </p:sp>
+          <p:sp>
+            <p:nvSpPr>
+              <p:cNvPr id="87" name="TextBox 86"/>
+              <p:cNvSpPr txBox="1"/>
+              <p:nvPr/>
+            </p:nvSpPr>
+            <p:spPr bwMode="auto">
+              <a:xfrm>
+                <a:off x="7800079" y="3570799"/>
+                <a:ext cx="503270" cy="261610"/>
+              </a:xfrm>
+              <a:prstGeom prst="rect">
+                <a:avLst/>
+              </a:prstGeom>
+              <a:noFill/>
+              <a:ln w="9525">
+                <a:noFill/>
+                <a:miter lim="800000"/>
+                <a:headEnd/>
+                <a:tailEnd/>
+              </a:ln>
+            </p:spPr>
+            <p:txBody>
+              <a:bodyPr wrap="square" rtlCol="0">
+                <a:prstTxWarp prst="textNoShape">
+                  <a:avLst/>
+                </a:prstTxWarp>
+                <a:spAutoFit/>
+              </a:bodyPr>
+              <a:lstStyle/>
+              <a:p>
+                <a:pPr algn="ctr"/>
+                <a:r>
+                  <a:rPr lang="en-US" sz="1100" dirty="0" smtClean="0">
+                    <a:latin typeface="Calibri" pitchFamily="-1" charset="0"/>
+                  </a:rPr>
+                  <a:t>Java</a:t>
+                </a:r>
+                <a:endParaRPr lang="en-US" sz="1200" dirty="0">
+                  <a:latin typeface="Calibri" pitchFamily="-1" charset="0"/>
+                </a:endParaRPr>
+              </a:p>
+            </p:txBody>
+          </p:sp>
+          <p:pic>
+            <p:nvPicPr>
+              <p:cNvPr id="60" name="Picture 59"/>
+              <p:cNvPicPr>
+                <a:picLocks noChangeAspect="1"/>
+              </p:cNvPicPr>
+              <p:nvPr/>
+            </p:nvPicPr>
+            <p:blipFill>
+              <a:blip r:embed="rId12">
+                <a:extLst>
+                  <a:ext uri="{28A0092B-C50C-407E-A947-70E740481C1C}">
+                    <a14:useLocalDpi xmlns:a14="http://schemas.microsoft.com/office/drawing/2010/main" val="0"/>
+                  </a:ext>
+                </a:extLst>
+              </a:blip>
+              <a:stretch>
+                <a:fillRect/>
+              </a:stretch>
+            </p:blipFill>
+            <p:spPr>
+              <a:xfrm>
+                <a:off x="7422122" y="3521050"/>
+                <a:ext cx="324216" cy="324216"/>
+              </a:xfrm>
+              <a:prstGeom prst="rect">
+                <a:avLst/>
+              </a:prstGeom>
+              <a:ln>
+                <a:noFill/>
+              </a:ln>
+            </p:spPr>
+          </p:pic>
+        </p:grpSp>
+        <p:sp>
+          <p:nvSpPr>
+            <p:cNvPr id="67" name="Rectangle 66"/>
+            <p:cNvSpPr/>
+            <p:nvPr/>
+          </p:nvSpPr>
+          <p:spPr>
+            <a:xfrm>
+              <a:off x="6946938" y="3509934"/>
+              <a:ext cx="1924890" cy="372057"/>
+            </a:xfrm>
+            <a:prstGeom prst="rect">
+              <a:avLst/>
+            </a:prstGeom>
+            <a:solidFill>
+              <a:schemeClr val="bg2"/>
+            </a:solidFill>
+            <a:ln>
+              <a:solidFill>
+                <a:schemeClr val="tx1"/>
+              </a:solidFill>
+            </a:ln>
+            <a:effectLst/>
+          </p:spPr>
+          <p:style>
+            <a:lnRef idx="1">
+              <a:schemeClr val="accent1"/>
+            </a:lnRef>
+            <a:fillRef idx="3">
+              <a:schemeClr val="accent1"/>
+            </a:fillRef>
+            <a:effectRef idx="2">
+              <a:schemeClr val="accent1"/>
+            </a:effectRef>
+            <a:fontRef idx="minor">
+              <a:schemeClr val="lt1"/>
+            </a:fontRef>
+          </p:style>
+          <p:txBody>
+            <a:bodyPr rtlCol="0" anchor="ctr"/>
+            <a:lstStyle/>
+            <a:p>
+              <a:pPr algn="ctr"/>
+              <a:endParaRPr lang="en-US" sz="1800" dirty="0">
+                <a:solidFill>
+                  <a:srgbClr val="1F497D"/>
+                </a:solidFill>
+                <a:latin typeface="Calibri"/>
+                <a:cs typeface="Calibri"/>
+              </a:endParaRPr>
+            </a:p>
+          </p:txBody>
+        </p:sp>
+        <p:sp>
+          <p:nvSpPr>
+            <p:cNvPr id="68" name="TextBox 67"/>
+            <p:cNvSpPr txBox="1"/>
+            <p:nvPr/>
+          </p:nvSpPr>
+          <p:spPr bwMode="auto">
+            <a:xfrm>
+              <a:off x="7800079" y="3580273"/>
+              <a:ext cx="503270" cy="261610"/>
+            </a:xfrm>
+            <a:prstGeom prst="rect">
+              <a:avLst/>
+            </a:prstGeom>
+            <a:noFill/>
+            <a:ln w="9525">
+              <a:noFill/>
+              <a:miter lim="800000"/>
+              <a:headEnd/>
+              <a:tailEnd/>
+            </a:ln>
+          </p:spPr>
+          <p:txBody>
+            <a:bodyPr wrap="square" rtlCol="0">
+              <a:prstTxWarp prst="textNoShape">
+                <a:avLst/>
+              </a:prstTxWarp>
+              <a:spAutoFit/>
+            </a:bodyPr>
+            <a:lstStyle/>
+            <a:p>
+              <a:pPr algn="ctr"/>
+              <a:r>
+                <a:rPr lang="en-US" sz="1100" dirty="0" smtClean="0">
+                  <a:latin typeface="Calibri" pitchFamily="-1" charset="0"/>
+                </a:rPr>
+                <a:t>Java</a:t>
+              </a:r>
+              <a:endParaRPr lang="en-US" sz="1200" dirty="0">
+                <a:latin typeface="Calibri" pitchFamily="-1" charset="0"/>
+              </a:endParaRPr>
+            </a:p>
+          </p:txBody>
+        </p:sp>
+        <p:pic>
+          <p:nvPicPr>
+            <p:cNvPr id="69" name="Picture 68"/>
+            <p:cNvPicPr>
+              <a:picLocks noChangeAspect="1"/>
+            </p:cNvPicPr>
+            <p:nvPr/>
+          </p:nvPicPr>
+          <p:blipFill>
+            <a:blip r:embed="rId12">
+              <a:extLst>
+                <a:ext uri="{28A0092B-C50C-407E-A947-70E740481C1C}">
+                  <a14:useLocalDpi xmlns:a14="http://schemas.microsoft.com/office/drawing/2010/main" val="0"/>
+                </a:ext>
+              </a:extLst>
+            </a:blip>
+            <a:stretch>
+              <a:fillRect/>
+            </a:stretch>
+          </p:blipFill>
+          <p:spPr>
+            <a:xfrm>
+              <a:off x="7422122" y="3530524"/>
+              <a:ext cx="324216" cy="324216"/>
+            </a:xfrm>
+            <a:prstGeom prst="rect">
+              <a:avLst/>
+            </a:prstGeom>
+            <a:ln>
+              <a:noFill/>
+            </a:ln>
+          </p:spPr>
+        </p:pic>
+      </p:grpSp>
+      <p:cxnSp>
+        <p:nvCxnSpPr>
+          <p:cNvPr id="29" name="Straight Arrow Connector 28"/>
+          <p:cNvCxnSpPr>
+            <a:stCxn id="239" idx="3"/>
+            <a:endCxn id="102" idx="6"/>
+          </p:cNvCxnSpPr>
+          <p:nvPr/>
+        </p:nvCxnSpPr>
+        <p:spPr bwMode="auto">
+          <a:xfrm flipV="1">
+            <a:off x="1836655" y="767334"/>
+            <a:ext cx="437407" cy="176481"/>
+          </a:xfrm>
+          <a:prstGeom prst="straightConnector1">
+            <a:avLst/>
+          </a:prstGeom>
+          <a:solidFill>
+            <a:srgbClr val="CC99FF"/>
+          </a:solidFill>
+          <a:ln w="19050" cap="flat" cmpd="sng" algn="ctr">
+            <a:solidFill>
+              <a:schemeClr val="tx2"/>
+            </a:solidFill>
+            <a:prstDash val="solid"/>
+            <a:round/>
+            <a:headEnd type="none" w="med" len="med"/>
+            <a:tailEnd type="triangle"/>
+          </a:ln>
+          <a:effectLst/>
+          <a:extLst>
+            <a:ext uri="{AF507438-7753-43e0-B8FC-AC1667EBCBE1}">
+              <a14:hiddenEffects xmlns:a14="http://schemas.microsoft.com/office/drawing/2010/main" xmlns="">
+                <a:effectLst>
+                  <a:outerShdw blurRad="63500" dist="35921" dir="2700000" algn="ctr" rotWithShape="0">
+                    <a:schemeClr val="bg2"/>
+                  </a:outerShdw>
+                </a:effectLst>
+              </a14:hiddenEffects>
+            </a:ext>
+          </a:extLst>
+        </p:spPr>
+      </p:cxnSp>
+      <p:cxnSp>
+        <p:nvCxnSpPr>
+          <p:cNvPr id="31" name="Straight Arrow Connector 30"/>
+          <p:cNvCxnSpPr>
+            <a:stCxn id="41" idx="3"/>
+            <a:endCxn id="102" idx="5"/>
+          </p:cNvCxnSpPr>
+          <p:nvPr/>
+        </p:nvCxnSpPr>
+        <p:spPr bwMode="auto">
+          <a:xfrm flipV="1">
+            <a:off x="1846018" y="2142871"/>
+            <a:ext cx="425250" cy="185972"/>
+          </a:xfrm>
+          <a:prstGeom prst="straightConnector1">
+            <a:avLst/>
+          </a:prstGeom>
+          <a:solidFill>
+            <a:srgbClr val="CC99FF"/>
+          </a:solidFill>
+          <a:ln w="19050" cap="flat" cmpd="sng" algn="ctr">
+            <a:solidFill>
+              <a:schemeClr val="tx2"/>
+            </a:solidFill>
+            <a:prstDash val="solid"/>
+            <a:round/>
+            <a:headEnd type="none" w="med" len="med"/>
+            <a:tailEnd type="triangle"/>
+          </a:ln>
+          <a:effectLst/>
+          <a:extLst>
+            <a:ext uri="{AF507438-7753-43e0-B8FC-AC1667EBCBE1}">
+              <a14:hiddenEffects xmlns:a14="http://schemas.microsoft.com/office/drawing/2010/main" xmlns="">
+                <a:effectLst>
+                  <a:outerShdw blurRad="63500" dist="35921" dir="2700000" algn="ctr" rotWithShape="0">
+                    <a:schemeClr val="bg2"/>
+                  </a:outerShdw>
+                </a:effectLst>
+              </a14:hiddenEffects>
+            </a:ext>
+          </a:extLst>
+        </p:spPr>
+      </p:cxnSp>
+      <p:cxnSp>
+        <p:nvCxnSpPr>
+          <p:cNvPr id="33" name="Straight Arrow Connector 32"/>
+          <p:cNvCxnSpPr>
+            <a:endCxn id="102" idx="4"/>
+          </p:cNvCxnSpPr>
+          <p:nvPr/>
+        </p:nvCxnSpPr>
+        <p:spPr bwMode="auto">
+          <a:xfrm flipV="1">
+            <a:off x="1836655" y="3355848"/>
+            <a:ext cx="431057" cy="224425"/>
+          </a:xfrm>
+          <a:prstGeom prst="straightConnector1">
+            <a:avLst/>
+          </a:prstGeom>
+          <a:solidFill>
+            <a:srgbClr val="CC99FF"/>
+          </a:solidFill>
+          <a:ln w="19050" cap="flat" cmpd="sng" algn="ctr">
+            <a:solidFill>
+              <a:schemeClr val="tx2"/>
+            </a:solidFill>
+            <a:prstDash val="solid"/>
+            <a:round/>
+            <a:headEnd type="none" w="med" len="med"/>
+            <a:tailEnd type="triangle"/>
+          </a:ln>
+          <a:effectLst/>
+          <a:extLst>
+            <a:ext uri="{AF507438-7753-43e0-B8FC-AC1667EBCBE1}">
+              <a14:hiddenEffects xmlns:a14="http://schemas.microsoft.com/office/drawing/2010/main" xmlns="">
+                <a:effectLst>
+                  <a:outerShdw blurRad="63500" dist="35921" dir="2700000" algn="ctr" rotWithShape="0">
+                    <a:schemeClr val="bg2"/>
+                  </a:outerShdw>
+                </a:effectLst>
+              </a14:hiddenEffects>
+            </a:ext>
+          </a:extLst>
+        </p:spPr>
+      </p:cxnSp>
+      <p:cxnSp>
+        <p:nvCxnSpPr>
+          <p:cNvPr id="40" name="Straight Arrow Connector 39"/>
+          <p:cNvCxnSpPr>
+            <a:endCxn id="35" idx="1"/>
+          </p:cNvCxnSpPr>
+          <p:nvPr/>
+        </p:nvCxnSpPr>
+        <p:spPr bwMode="auto">
+          <a:xfrm flipV="1">
+            <a:off x="3074164" y="663998"/>
+            <a:ext cx="311965" cy="9479"/>
+          </a:xfrm>
+          <a:prstGeom prst="straightConnector1">
+            <a:avLst/>
+          </a:prstGeom>
+          <a:solidFill>
+            <a:srgbClr val="CC99FF"/>
+          </a:solidFill>
+          <a:ln w="19050" cap="flat" cmpd="sng" algn="ctr">
+            <a:solidFill>
+              <a:schemeClr val="tx2"/>
+            </a:solidFill>
+            <a:prstDash val="solid"/>
+            <a:round/>
+            <a:headEnd type="none" w="med" len="med"/>
+            <a:tailEnd type="triangle"/>
+          </a:ln>
+          <a:effectLst/>
+          <a:extLst>
+            <a:ext uri="{AF507438-7753-43e0-B8FC-AC1667EBCBE1}">
+              <a14:hiddenEffects xmlns:a14="http://schemas.microsoft.com/office/drawing/2010/main" xmlns="">
+                <a:effectLst>
+                  <a:outerShdw blurRad="63500" dist="35921" dir="2700000" algn="ctr" rotWithShape="0">
+                    <a:schemeClr val="bg2"/>
+                  </a:outerShdw>
+                </a:effectLst>
+              </a14:hiddenEffects>
+            </a:ext>
+          </a:extLst>
+        </p:spPr>
+      </p:cxnSp>
+      <p:cxnSp>
+        <p:nvCxnSpPr>
+          <p:cNvPr id="88" name="Straight Arrow Connector 87"/>
+          <p:cNvCxnSpPr>
+            <a:endCxn id="73" idx="1"/>
+          </p:cNvCxnSpPr>
+          <p:nvPr/>
+        </p:nvCxnSpPr>
+        <p:spPr bwMode="auto">
+          <a:xfrm flipV="1">
+            <a:off x="3065741" y="1781514"/>
+            <a:ext cx="321496" cy="719"/>
+          </a:xfrm>
+          <a:prstGeom prst="straightConnector1">
+            <a:avLst/>
+          </a:prstGeom>
+          <a:solidFill>
+            <a:srgbClr val="CC99FF"/>
+          </a:solidFill>
+          <a:ln w="19050" cap="flat" cmpd="sng" algn="ctr">
+            <a:solidFill>
+              <a:schemeClr val="tx2"/>
+            </a:solidFill>
+            <a:prstDash val="solid"/>
+            <a:round/>
+            <a:headEnd type="none" w="med" len="med"/>
+            <a:tailEnd type="triangle"/>
+          </a:ln>
+          <a:effectLst/>
+          <a:extLst>
+            <a:ext uri="{AF507438-7753-43e0-B8FC-AC1667EBCBE1}">
+              <a14:hiddenEffects xmlns:a14="http://schemas.microsoft.com/office/drawing/2010/main" xmlns="">
+                <a:effectLst>
+                  <a:outerShdw blurRad="63500" dist="35921" dir="2700000" algn="ctr" rotWithShape="0">
+                    <a:schemeClr val="bg2"/>
+                  </a:outerShdw>
+                </a:effectLst>
+              </a14:hiddenEffects>
+            </a:ext>
+          </a:extLst>
+        </p:spPr>
+      </p:cxnSp>
+      <p:cxnSp>
+        <p:nvCxnSpPr>
+          <p:cNvPr id="91" name="Straight Arrow Connector 90"/>
+          <p:cNvCxnSpPr>
+            <a:endCxn id="79" idx="1"/>
+          </p:cNvCxnSpPr>
+          <p:nvPr/>
+        </p:nvCxnSpPr>
+        <p:spPr bwMode="auto">
+          <a:xfrm>
+            <a:off x="3065741" y="2929467"/>
+            <a:ext cx="320326" cy="1982"/>
+          </a:xfrm>
+          <a:prstGeom prst="straightConnector1">
+            <a:avLst/>
+          </a:prstGeom>
+          <a:solidFill>
+            <a:srgbClr val="CC99FF"/>
+          </a:solidFill>
+          <a:ln w="19050" cap="flat" cmpd="sng" algn="ctr">
+            <a:solidFill>
+              <a:schemeClr val="tx2"/>
+            </a:solidFill>
+            <a:prstDash val="solid"/>
+            <a:round/>
+            <a:headEnd type="none" w="med" len="med"/>
+            <a:tailEnd type="triangle"/>
+          </a:ln>
+          <a:effectLst/>
+          <a:extLst>
+            <a:ext uri="{AF507438-7753-43e0-B8FC-AC1667EBCBE1}">
+              <a14:hiddenEffects xmlns:a14="http://schemas.microsoft.com/office/drawing/2010/main" xmlns="">
+                <a:effectLst>
+                  <a:outerShdw blurRad="63500" dist="35921" dir="2700000" algn="ctr" rotWithShape="0">
+                    <a:schemeClr val="bg2"/>
+                  </a:outerShdw>
+                </a:effectLst>
+              </a14:hiddenEffects>
+            </a:ext>
+          </a:extLst>
+        </p:spPr>
+      </p:cxnSp>
+      <p:cxnSp>
+        <p:nvCxnSpPr>
+          <p:cNvPr id="97" name="Elbow Connector 96"/>
+          <p:cNvCxnSpPr>
+            <a:stCxn id="36" idx="3"/>
+          </p:cNvCxnSpPr>
+          <p:nvPr/>
+        </p:nvCxnSpPr>
+        <p:spPr bwMode="auto">
+          <a:xfrm flipV="1">
+            <a:off x="4003531" y="571500"/>
+            <a:ext cx="1101100" cy="424604"/>
+          </a:xfrm>
+          <a:prstGeom prst="bentConnector3">
+            <a:avLst>
+              <a:gd name="adj1" fmla="val 26548"/>
+            </a:avLst>
+          </a:prstGeom>
+          <a:solidFill>
+            <a:srgbClr val="CC99FF"/>
+          </a:solidFill>
+          <a:ln w="19050" cap="flat" cmpd="sng" algn="ctr">
+            <a:solidFill>
+              <a:schemeClr val="tx2"/>
+            </a:solidFill>
+            <a:prstDash val="solid"/>
+            <a:round/>
+            <a:headEnd type="none" w="med" len="med"/>
+            <a:tailEnd type="triangle"/>
+          </a:ln>
+          <a:effectLst/>
+          <a:extLst>
+            <a:ext uri="{AF507438-7753-43e0-B8FC-AC1667EBCBE1}">
+              <a14:hiddenEffects xmlns:a14="http://schemas.microsoft.com/office/drawing/2010/main" xmlns="">
+                <a:effectLst>
+                  <a:outerShdw blurRad="63500" dist="35921" dir="2700000" algn="ctr" rotWithShape="0">
+                    <a:schemeClr val="bg2"/>
+                  </a:outerShdw>
+                </a:effectLst>
+              </a14:hiddenEffects>
+            </a:ext>
+          </a:extLst>
+        </p:spPr>
+      </p:cxnSp>
+      <p:cxnSp>
+        <p:nvCxnSpPr>
+          <p:cNvPr id="101" name="Elbow Connector 100"/>
+          <p:cNvCxnSpPr>
+            <a:stCxn id="74" idx="3"/>
+            <a:endCxn id="63" idx="5"/>
+          </p:cNvCxnSpPr>
+          <p:nvPr/>
+        </p:nvCxnSpPr>
+        <p:spPr bwMode="auto">
+          <a:xfrm flipV="1">
+            <a:off x="4004639" y="859366"/>
+            <a:ext cx="1104995" cy="1254254"/>
+          </a:xfrm>
+          <a:prstGeom prst="bentConnector3">
+            <a:avLst>
+              <a:gd name="adj1" fmla="val 37861"/>
+            </a:avLst>
+          </a:prstGeom>
+          <a:solidFill>
+            <a:srgbClr val="CC99FF"/>
+          </a:solidFill>
+          <a:ln w="19050" cap="flat" cmpd="sng" algn="ctr">
+            <a:solidFill>
+              <a:schemeClr val="tx2"/>
+            </a:solidFill>
+            <a:prstDash val="solid"/>
+            <a:round/>
+            <a:headEnd type="none" w="med" len="med"/>
+            <a:tailEnd type="triangle"/>
+          </a:ln>
+          <a:effectLst/>
+          <a:extLst>
+            <a:ext uri="{AF507438-7753-43e0-B8FC-AC1667EBCBE1}">
+              <a14:hiddenEffects xmlns:a14="http://schemas.microsoft.com/office/drawing/2010/main" xmlns="">
+                <a:effectLst>
+                  <a:outerShdw blurRad="63500" dist="35921" dir="2700000" algn="ctr" rotWithShape="0">
+                    <a:schemeClr val="bg2"/>
+                  </a:outerShdw>
+                </a:effectLst>
+              </a14:hiddenEffects>
+            </a:ext>
+          </a:extLst>
+        </p:spPr>
+      </p:cxnSp>
+      <p:cxnSp>
+        <p:nvCxnSpPr>
+          <p:cNvPr id="108" name="Elbow Connector 107"/>
+          <p:cNvCxnSpPr>
+            <a:stCxn id="80" idx="3"/>
+            <a:endCxn id="63" idx="4"/>
+          </p:cNvCxnSpPr>
+          <p:nvPr/>
+        </p:nvCxnSpPr>
+        <p:spPr bwMode="auto">
+          <a:xfrm flipV="1">
+            <a:off x="4003469" y="1143001"/>
+            <a:ext cx="1110398" cy="2120554"/>
+          </a:xfrm>
+          <a:prstGeom prst="bentConnector3">
+            <a:avLst>
+              <a:gd name="adj1" fmla="val 52652"/>
+            </a:avLst>
+          </a:prstGeom>
+          <a:solidFill>
+            <a:srgbClr val="CC99FF"/>
+          </a:solidFill>
+          <a:ln w="19050" cap="flat" cmpd="sng" algn="ctr">
+            <a:solidFill>
+              <a:schemeClr val="tx2"/>
+            </a:solidFill>
+            <a:prstDash val="solid"/>
+            <a:round/>
+            <a:headEnd type="none" w="med" len="med"/>
+            <a:tailEnd type="triangle"/>
+          </a:ln>
+          <a:effectLst/>
+          <a:extLst>
+            <a:ext uri="{AF507438-7753-43e0-B8FC-AC1667EBCBE1}">
+              <a14:hiddenEffects xmlns:a14="http://schemas.microsoft.com/office/drawing/2010/main" xmlns="">
+                <a:effectLst>
+                  <a:outerShdw blurRad="63500" dist="35921" dir="2700000" algn="ctr" rotWithShape="0">
+                    <a:schemeClr val="bg2"/>
+                  </a:outerShdw>
+                </a:effectLst>
+              </a14:hiddenEffects>
+            </a:ext>
+          </a:extLst>
+        </p:spPr>
+      </p:cxnSp>
+      <p:cxnSp>
+        <p:nvCxnSpPr>
+          <p:cNvPr id="112" name="Straight Arrow Connector 111"/>
+          <p:cNvCxnSpPr>
+            <a:endCxn id="16" idx="2"/>
+          </p:cNvCxnSpPr>
+          <p:nvPr/>
+        </p:nvCxnSpPr>
+        <p:spPr bwMode="auto">
+          <a:xfrm>
+            <a:off x="5887743" y="571254"/>
+            <a:ext cx="484820" cy="0"/>
+          </a:xfrm>
+          <a:prstGeom prst="straightConnector1">
+            <a:avLst/>
+          </a:prstGeom>
+          <a:solidFill>
+            <a:srgbClr val="CC99FF"/>
+          </a:solidFill>
+          <a:ln w="19050" cap="flat" cmpd="sng" algn="ctr">
+            <a:solidFill>
+              <a:schemeClr val="tx2"/>
+            </a:solidFill>
+            <a:prstDash val="solid"/>
+            <a:round/>
+            <a:headEnd type="none" w="med" len="med"/>
+            <a:tailEnd type="triangle"/>
+          </a:ln>
+          <a:effectLst/>
+          <a:extLst>
+            <a:ext uri="{AF507438-7753-43e0-B8FC-AC1667EBCBE1}">
+              <a14:hiddenEffects xmlns:a14="http://schemas.microsoft.com/office/drawing/2010/main" xmlns="">
+                <a:effectLst>
+                  <a:outerShdw blurRad="63500" dist="35921" dir="2700000" algn="ctr" rotWithShape="0">
+                    <a:schemeClr val="bg2"/>
+                  </a:outerShdw>
+                </a:effectLst>
+              </a14:hiddenEffects>
+            </a:ext>
+          </a:extLst>
+        </p:spPr>
+      </p:cxnSp>
+      <p:cxnSp>
+        <p:nvCxnSpPr>
+          <p:cNvPr id="115" name="Straight Arrow Connector 114"/>
+          <p:cNvCxnSpPr/>
+          <p:nvPr/>
+        </p:nvCxnSpPr>
+        <p:spPr bwMode="auto">
+          <a:xfrm flipV="1">
+            <a:off x="5887743" y="863069"/>
+            <a:ext cx="484820" cy="2375"/>
+          </a:xfrm>
+          <a:prstGeom prst="straightConnector1">
+            <a:avLst/>
+          </a:prstGeom>
+          <a:solidFill>
+            <a:srgbClr val="CC99FF"/>
+          </a:solidFill>
+          <a:ln w="19050" cap="flat" cmpd="sng" algn="ctr">
+            <a:solidFill>
+              <a:schemeClr val="tx2"/>
+            </a:solidFill>
+            <a:prstDash val="solid"/>
+            <a:round/>
+            <a:headEnd type="none" w="med" len="med"/>
+            <a:tailEnd type="triangle"/>
+          </a:ln>
+          <a:effectLst/>
+          <a:extLst>
+            <a:ext uri="{AF507438-7753-43e0-B8FC-AC1667EBCBE1}">
+              <a14:hiddenEffects xmlns:a14="http://schemas.microsoft.com/office/drawing/2010/main" xmlns="">
+                <a:effectLst>
+                  <a:outerShdw blurRad="63500" dist="35921" dir="2700000" algn="ctr" rotWithShape="0">
+                    <a:schemeClr val="bg2"/>
+                  </a:outerShdw>
+                </a:effectLst>
+              </a14:hiddenEffects>
+            </a:ext>
+          </a:extLst>
+        </p:spPr>
+      </p:cxnSp>
+      <p:cxnSp>
+        <p:nvCxnSpPr>
+          <p:cNvPr id="118" name="Straight Arrow Connector 117"/>
+          <p:cNvCxnSpPr>
+            <a:endCxn id="114" idx="2"/>
+          </p:cNvCxnSpPr>
+          <p:nvPr/>
+        </p:nvCxnSpPr>
+        <p:spPr bwMode="auto">
+          <a:xfrm>
+            <a:off x="5887743" y="1142612"/>
+            <a:ext cx="488403" cy="2853"/>
+          </a:xfrm>
+          <a:prstGeom prst="straightConnector1">
+            <a:avLst/>
+          </a:prstGeom>
+          <a:solidFill>
+            <a:srgbClr val="CC99FF"/>
+          </a:solidFill>
+          <a:ln w="19050" cap="flat" cmpd="sng" algn="ctr">
+            <a:solidFill>
+              <a:schemeClr val="tx2"/>
+            </a:solidFill>
+            <a:prstDash val="solid"/>
+            <a:round/>
+            <a:headEnd type="none" w="med" len="med"/>
+            <a:tailEnd type="triangle"/>
+          </a:ln>
+          <a:effectLst/>
+          <a:extLst>
+            <a:ext uri="{AF507438-7753-43e0-B8FC-AC1667EBCBE1}">
+              <a14:hiddenEffects xmlns:a14="http://schemas.microsoft.com/office/drawing/2010/main" xmlns="">
+                <a:effectLst>
+                  <a:outerShdw blurRad="63500" dist="35921" dir="2700000" algn="ctr" rotWithShape="0">
+                    <a:schemeClr val="bg2"/>
+                  </a:outerShdw>
+                </a:effectLst>
+              </a14:hiddenEffects>
+            </a:ext>
+          </a:extLst>
+        </p:spPr>
+      </p:cxnSp>
+      <p:cxnSp>
+        <p:nvCxnSpPr>
+          <p:cNvPr id="120" name="Elbow Connector 119"/>
+          <p:cNvCxnSpPr>
+            <a:stCxn id="16" idx="0"/>
+          </p:cNvCxnSpPr>
+          <p:nvPr/>
+        </p:nvCxnSpPr>
+        <p:spPr bwMode="auto">
+          <a:xfrm>
+            <a:off x="7180018" y="571254"/>
+            <a:ext cx="354638" cy="1707848"/>
+          </a:xfrm>
+          <a:prstGeom prst="bentConnector2">
+            <a:avLst/>
+          </a:prstGeom>
+          <a:solidFill>
+            <a:srgbClr val="CC99FF"/>
+          </a:solidFill>
+          <a:ln w="19050" cap="flat" cmpd="sng" algn="ctr">
+            <a:solidFill>
+              <a:schemeClr val="tx2"/>
+            </a:solidFill>
+            <a:prstDash val="solid"/>
+            <a:round/>
+            <a:headEnd type="none" w="med" len="med"/>
+            <a:tailEnd type="triangle"/>
+          </a:ln>
+          <a:effectLst/>
+          <a:extLst>
+            <a:ext uri="{AF507438-7753-43e0-B8FC-AC1667EBCBE1}">
+              <a14:hiddenEffects xmlns:a14="http://schemas.microsoft.com/office/drawing/2010/main" xmlns="">
+                <a:effectLst>
+                  <a:outerShdw blurRad="63500" dist="35921" dir="2700000" algn="ctr" rotWithShape="0">
+                    <a:schemeClr val="bg2"/>
+                  </a:outerShdw>
+                </a:effectLst>
+              </a14:hiddenEffects>
+            </a:ext>
+          </a:extLst>
+        </p:spPr>
+      </p:cxnSp>
+      <p:cxnSp>
+        <p:nvCxnSpPr>
+          <p:cNvPr id="122" name="Elbow Connector 121"/>
+          <p:cNvCxnSpPr>
+            <a:stCxn id="75" idx="0"/>
+          </p:cNvCxnSpPr>
+          <p:nvPr/>
+        </p:nvCxnSpPr>
+        <p:spPr bwMode="auto">
+          <a:xfrm flipH="1">
+            <a:off x="6236208" y="853925"/>
+            <a:ext cx="943810" cy="1397397"/>
+          </a:xfrm>
+          <a:prstGeom prst="bentConnector4">
+            <a:avLst>
+              <a:gd name="adj1" fmla="val -14533"/>
+              <a:gd name="adj2" fmla="val 64446"/>
+            </a:avLst>
+          </a:prstGeom>
+          <a:solidFill>
+            <a:srgbClr val="CC99FF"/>
+          </a:solidFill>
+          <a:ln w="19050" cap="flat" cmpd="sng" algn="ctr">
+            <a:solidFill>
+              <a:schemeClr val="tx2"/>
+            </a:solidFill>
+            <a:prstDash val="solid"/>
+            <a:round/>
+            <a:headEnd type="none" w="med" len="med"/>
+            <a:tailEnd type="triangle"/>
+          </a:ln>
+          <a:effectLst/>
+          <a:extLst>
+            <a:ext uri="{AF507438-7753-43e0-B8FC-AC1667EBCBE1}">
+              <a14:hiddenEffects xmlns:a14="http://schemas.microsoft.com/office/drawing/2010/main" xmlns="">
+                <a:effectLst>
+                  <a:outerShdw blurRad="63500" dist="35921" dir="2700000" algn="ctr" rotWithShape="0">
+                    <a:schemeClr val="bg2"/>
+                  </a:outerShdw>
+                </a:effectLst>
+              </a14:hiddenEffects>
+            </a:ext>
+          </a:extLst>
+        </p:spPr>
+      </p:cxnSp>
+      <p:cxnSp>
+        <p:nvCxnSpPr>
+          <p:cNvPr id="125" name="Elbow Connector 124"/>
+          <p:cNvCxnSpPr>
+            <a:stCxn id="114" idx="0"/>
+          </p:cNvCxnSpPr>
+          <p:nvPr/>
+        </p:nvCxnSpPr>
+        <p:spPr bwMode="auto">
+          <a:xfrm flipH="1">
+            <a:off x="6691615" y="1145465"/>
+            <a:ext cx="491986" cy="2366771"/>
+          </a:xfrm>
+          <a:prstGeom prst="bentConnector4">
+            <a:avLst>
+              <a:gd name="adj1" fmla="val -50182"/>
+              <a:gd name="adj2" fmla="val 30712"/>
+            </a:avLst>
+          </a:prstGeom>
+          <a:solidFill>
+            <a:srgbClr val="CC99FF"/>
+          </a:solidFill>
+          <a:ln w="19050" cap="flat" cmpd="sng" algn="ctr">
+            <a:solidFill>
+              <a:schemeClr val="tx2"/>
+            </a:solidFill>
+            <a:prstDash val="solid"/>
+            <a:round/>
+            <a:headEnd type="none" w="med" len="med"/>
+            <a:tailEnd type="triangle"/>
+          </a:ln>
+          <a:effectLst/>
+          <a:extLst>
+            <a:ext uri="{AF507438-7753-43e0-B8FC-AC1667EBCBE1}">
+              <a14:hiddenEffects xmlns:a14="http://schemas.microsoft.com/office/drawing/2010/main" xmlns="">
+                <a:effectLst>
+                  <a:outerShdw blurRad="63500" dist="35921" dir="2700000" algn="ctr" rotWithShape="0">
+                    <a:schemeClr val="bg2"/>
+                  </a:outerShdw>
+                </a:effectLst>
+              </a14:hiddenEffects>
+            </a:ext>
+          </a:extLst>
+        </p:spPr>
+      </p:cxnSp>
+      <p:sp>
+        <p:nvSpPr>
+          <p:cNvPr id="134" name="Right Brace 133"/>
+          <p:cNvSpPr/>
+          <p:nvPr/>
+        </p:nvSpPr>
+        <p:spPr bwMode="auto">
+          <a:xfrm>
+            <a:off x="7607808" y="446853"/>
+            <a:ext cx="151845" cy="838592"/>
+          </a:xfrm>
+          <a:prstGeom prst="rightBrace">
+            <a:avLst>
+              <a:gd name="adj1" fmla="val 45855"/>
+              <a:gd name="adj2" fmla="val 76170"/>
+            </a:avLst>
+          </a:prstGeom>
+          <a:noFill/>
+          <a:ln w="12700" cap="flat" cmpd="sng" algn="ctr">
+            <a:solidFill>
+              <a:schemeClr val="tx1"/>
+            </a:solidFill>
+            <a:prstDash val="solid"/>
+            <a:round/>
+            <a:headEnd type="none" w="med" len="med"/>
+            <a:tailEnd type="none"/>
+          </a:ln>
+          <a:effectLst/>
+          <a:extLst>
+            <a:ext uri="{AF507438-7753-43e0-B8FC-AC1667EBCBE1}">
+              <a14:hiddenEffects xmlns:a14="http://schemas.microsoft.com/office/drawing/2010/main" xmlns="">
+                <a:effectLst>
+                  <a:outerShdw blurRad="63500" dist="35921" dir="2700000" algn="ctr" rotWithShape="0">
+                    <a:schemeClr val="bg2"/>
+                  </a:outerShdw>
+                </a:effectLst>
+              </a14:hiddenEffects>
+            </a:ext>
+          </a:extLst>
+        </p:spPr>
+        <p:txBody>
+          <a:bodyPr rtlCol="0" anchor="ctr"/>
+          <a:lstStyle/>
+          <a:p>
+            <a:pPr algn="ctr"/>
+            <a:endParaRPr lang="en-US"/>
+          </a:p>
+        </p:txBody>
+      </p:sp>
+      <p:cxnSp>
+        <p:nvCxnSpPr>
+          <p:cNvPr id="145" name="Elbow Connector 144"/>
+          <p:cNvCxnSpPr>
+            <a:endCxn id="57" idx="1"/>
+          </p:cNvCxnSpPr>
+          <p:nvPr/>
+        </p:nvCxnSpPr>
+        <p:spPr bwMode="auto">
+          <a:xfrm rot="5400000" flipH="1" flipV="1">
+            <a:off x="6714109" y="2972952"/>
+            <a:ext cx="641706" cy="431599"/>
+          </a:xfrm>
+          <a:prstGeom prst="bentConnector2">
+            <a:avLst/>
+          </a:prstGeom>
+          <a:solidFill>
+            <a:srgbClr val="CC99FF"/>
+          </a:solidFill>
+          <a:ln w="19050" cap="flat" cmpd="sng" algn="ctr">
+            <a:solidFill>
+              <a:schemeClr val="tx2"/>
+            </a:solidFill>
+            <a:prstDash val="solid"/>
+            <a:round/>
+            <a:headEnd type="none" w="med" len="med"/>
+            <a:tailEnd type="triangle"/>
+          </a:ln>
+          <a:effectLst/>
+          <a:extLst>
+            <a:ext uri="{AF507438-7753-43e0-B8FC-AC1667EBCBE1}">
+              <a14:hiddenEffects xmlns:a14="http://schemas.microsoft.com/office/drawing/2010/main" xmlns="">
+                <a:effectLst>
+                  <a:outerShdw blurRad="63500" dist="35921" dir="2700000" algn="ctr" rotWithShape="0">
+                    <a:schemeClr val="bg2"/>
+                  </a:outerShdw>
+                </a:effectLst>
+              </a14:hiddenEffects>
+            </a:ext>
+          </a:extLst>
+        </p:spPr>
+      </p:cxnSp>
+      <p:sp>
+        <p:nvSpPr>
+          <p:cNvPr id="22" name="TextBox 21"/>
+          <p:cNvSpPr txBox="1"/>
+          <p:nvPr/>
+        </p:nvSpPr>
+        <p:spPr bwMode="auto">
+          <a:xfrm>
+            <a:off x="6526339" y="1509535"/>
+            <a:ext cx="570722" cy="246221"/>
+          </a:xfrm>
+          <a:prstGeom prst="rect">
+            <a:avLst/>
+          </a:prstGeom>
+          <a:noFill/>
+          <a:ln w="9525">
+            <a:noFill/>
+            <a:miter lim="800000"/>
+            <a:headEnd/>
+            <a:tailEnd/>
+          </a:ln>
+        </p:spPr>
+        <p:txBody>
+          <a:bodyPr wrap="square" rtlCol="0">
+            <a:prstTxWarp prst="textNoShape">
+              <a:avLst/>
+            </a:prstTxWarp>
+            <a:spAutoFit/>
+          </a:bodyPr>
+          <a:lstStyle/>
+          <a:p>
+            <a:pPr algn="ctr"/>
+            <a:r>
+              <a:rPr lang="en-US" sz="1000" dirty="0" smtClean="0">
+                <a:latin typeface="Calibri" pitchFamily="-1" charset="0"/>
+              </a:rPr>
+              <a:t>Emma</a:t>
+            </a:r>
+            <a:endParaRPr lang="en-US" sz="1000" dirty="0">
+              <a:latin typeface="Calibri" pitchFamily="-1" charset="0"/>
+            </a:endParaRPr>
+          </a:p>
+        </p:txBody>
+      </p:sp>
+      <p:sp>
+        <p:nvSpPr>
+          <p:cNvPr id="84" name="TextBox 83"/>
+          <p:cNvSpPr txBox="1"/>
+          <p:nvPr/>
+        </p:nvSpPr>
+        <p:spPr bwMode="auto">
+          <a:xfrm>
+            <a:off x="6811700" y="1894556"/>
+            <a:ext cx="570722" cy="246221"/>
+          </a:xfrm>
+          <a:prstGeom prst="rect">
+            <a:avLst/>
+          </a:prstGeom>
+          <a:noFill/>
+          <a:ln w="9525">
+            <a:noFill/>
+            <a:miter lim="800000"/>
+            <a:headEnd/>
+            <a:tailEnd/>
+          </a:ln>
+        </p:spPr>
+        <p:txBody>
+          <a:bodyPr wrap="square" rtlCol="0">
+            <a:prstTxWarp prst="textNoShape">
+              <a:avLst/>
+            </a:prstTxWarp>
+            <a:spAutoFit/>
+          </a:bodyPr>
+          <a:lstStyle/>
+          <a:p>
+            <a:pPr algn="ctr"/>
+            <a:r>
+              <a:rPr lang="en-US" sz="1000" dirty="0" smtClean="0">
+                <a:latin typeface="Calibri" pitchFamily="-1" charset="0"/>
+              </a:rPr>
+              <a:t>Neil</a:t>
+            </a:r>
+            <a:endParaRPr lang="en-US" sz="1000" dirty="0">
+              <a:latin typeface="Calibri" pitchFamily="-1" charset="0"/>
+            </a:endParaRPr>
+          </a:p>
+        </p:txBody>
+      </p:sp>
+      <p:sp>
+        <p:nvSpPr>
+          <p:cNvPr id="85" name="TextBox 84"/>
+          <p:cNvSpPr txBox="1"/>
+          <p:nvPr/>
+        </p:nvSpPr>
+        <p:spPr bwMode="auto">
+          <a:xfrm>
+            <a:off x="7495487" y="1640350"/>
+            <a:ext cx="458306" cy="246221"/>
+          </a:xfrm>
+          <a:prstGeom prst="rect">
+            <a:avLst/>
+          </a:prstGeom>
+          <a:noFill/>
+          <a:ln w="9525">
+            <a:noFill/>
+            <a:miter lim="800000"/>
+            <a:headEnd/>
+            <a:tailEnd/>
+          </a:ln>
+        </p:spPr>
+        <p:txBody>
+          <a:bodyPr wrap="square" rtlCol="0">
+            <a:prstTxWarp prst="textNoShape">
+              <a:avLst/>
+            </a:prstTxWarp>
+            <a:spAutoFit/>
+          </a:bodyPr>
+          <a:lstStyle/>
+          <a:p>
+            <a:pPr algn="ctr"/>
+            <a:r>
+              <a:rPr lang="en-US" sz="1000" dirty="0" smtClean="0">
+                <a:latin typeface="Calibri" pitchFamily="-1" charset="0"/>
+              </a:rPr>
+              <a:t>Jen</a:t>
+            </a:r>
+            <a:endParaRPr lang="en-US" sz="1000" dirty="0">
+              <a:latin typeface="Calibri" pitchFamily="-1" charset="0"/>
+            </a:endParaRPr>
+          </a:p>
+        </p:txBody>
+      </p:sp>
+      <p:sp>
+        <p:nvSpPr>
+          <p:cNvPr id="89" name="TextBox 88"/>
+          <p:cNvSpPr txBox="1"/>
+          <p:nvPr/>
+        </p:nvSpPr>
+        <p:spPr bwMode="auto">
+          <a:xfrm>
+            <a:off x="7691896" y="741559"/>
+            <a:ext cx="967118" cy="553998"/>
+          </a:xfrm>
+          <a:prstGeom prst="rect">
+            <a:avLst/>
+          </a:prstGeom>
+          <a:noFill/>
+          <a:ln w="9525">
+            <a:noFill/>
+            <a:miter lim="800000"/>
+            <a:headEnd/>
+            <a:tailEnd/>
+          </a:ln>
+        </p:spPr>
+        <p:txBody>
+          <a:bodyPr wrap="square" rtlCol="0">
+            <a:prstTxWarp prst="textNoShape">
+              <a:avLst/>
+            </a:prstTxWarp>
+            <a:spAutoFit/>
+          </a:bodyPr>
+          <a:lstStyle/>
+          <a:p>
+            <a:pPr algn="ctr"/>
+            <a:r>
+              <a:rPr lang="en-US" sz="1000" dirty="0" smtClean="0">
+                <a:latin typeface="Calibri" pitchFamily="-1" charset="0"/>
+              </a:rPr>
+              <a:t>Kernel library</a:t>
+            </a:r>
+          </a:p>
+          <a:p>
+            <a:pPr algn="ctr"/>
+            <a:r>
+              <a:rPr lang="en-US" sz="1000" dirty="0" smtClean="0">
+                <a:latin typeface="Calibri" pitchFamily="-1" charset="0"/>
+              </a:rPr>
+              <a:t>served by</a:t>
+            </a:r>
+          </a:p>
+          <a:p>
+            <a:pPr algn="ctr"/>
+            <a:r>
+              <a:rPr lang="en-US" sz="1000" dirty="0" smtClean="0">
+                <a:latin typeface="Calibri" pitchFamily="-1" charset="0"/>
+              </a:rPr>
+              <a:t>gateway</a:t>
+            </a:r>
+            <a:endParaRPr lang="en-US" sz="1000" dirty="0">
+              <a:latin typeface="Calibri" pitchFamily="-1" charset="0"/>
+            </a:endParaRPr>
+          </a:p>
+        </p:txBody>
+      </p:sp>
+    </p:spTree>
+    <p:extLst>
+      <p:ext uri="{BB962C8B-B14F-4D97-AF65-F5344CB8AC3E}">
+        <p14:creationId xmlns:p14="http://schemas.microsoft.com/office/powerpoint/2010/main" val="1717879489"/>
+      </p:ext>
+    </p:extLst>
+  </p:cSld>
+  <p:clrMapOvr>
+    <a:masterClrMapping/>
+  </p:clrMapOvr>
+  <mc:AlternateContent xmlns:mc="http://schemas.openxmlformats.org/markup-compatibility/2006" xmlns:p14="http://schemas.microsoft.com/office/powerpoint/2010/main">
+    <mc:Choice Requires="p14">
+      <p:transition p14:dur="400">
+        <p:fade/>
+      </p:transition>
+    </mc:Choice>
+    <mc:Fallback xmlns="">
+      <p:transition>
+        <p:fade/>
+      </p:transition>
+    </mc:Fallback>
+  </mc:AlternateContent>
+  <p:timing>
+    <p:tnLst>
+      <p:par>
+        <p:cTn id="1" dur="indefinite" restart="never" nodeType="tmRoot"/>
+      </p:par>
+    </p:tnLst>
+  </p:timing>
+</p:sld>
+</file>
+
+<file path=ppt/slides/slide3.xml><?xml version="1.0" encoding="utf-8"?>
+<p:sld xmlns:a="http://schemas.openxmlformats.org/drawingml/2006/main" xmlns:r="http://schemas.openxmlformats.org/officeDocument/2006/relationships" xmlns:p="http://schemas.openxmlformats.org/presentationml/2006/main">
+  <p:cSld>
+    <p:spTree>
+      <p:nvGrpSpPr>
+        <p:cNvPr id="1" name=""/>
+        <p:cNvGrpSpPr/>
+        <p:nvPr/>
+      </p:nvGrpSpPr>
+      <p:grpSpPr>
+        <a:xfrm>
+          <a:off x="0" y="0"/>
+          <a:ext cx="0" cy="0"/>
+          <a:chOff x="0" y="0"/>
+          <a:chExt cx="0" cy="0"/>
+        </a:xfrm>
+      </p:grpSpPr>
       <p:grpSp>
         <p:nvGrpSpPr>
           <p:cNvPr id="3" name="Group 2"/>
@@ -12018,7 +16138,7 @@
     </p:spTree>
     <p:extLst>
       <p:ext uri="{BB962C8B-B14F-4D97-AF65-F5344CB8AC3E}">
-        <p14:creationId xmlns:p14="http://schemas.microsoft.com/office/powerpoint/2010/main" val="1717879489"/>
+        <p14:creationId xmlns:p14="http://schemas.microsoft.com/office/powerpoint/2010/main" val="325323275"/>
       </p:ext>
     </p:extLst>
   </p:cSld>
@@ -12047,7 +16167,7 @@
 </p:sld>
 </file>
 
-<file path=ppt/slides/slide3.xml><?xml version="1.0" encoding="utf-8"?>
+<file path=ppt/slides/slide4.xml><?xml version="1.0" encoding="utf-8"?>
 <p:sld xmlns:a="http://schemas.openxmlformats.org/drawingml/2006/main" xmlns:r="http://schemas.openxmlformats.org/officeDocument/2006/relationships" xmlns:p="http://schemas.openxmlformats.org/presentationml/2006/main">
   <p:cSld>
     <p:spTree>
@@ -15965,7 +20085,7 @@
 </p:sld>
 </file>
 
-<file path=ppt/slides/slide4.xml><?xml version="1.0" encoding="utf-8"?>
+<file path=ppt/slides/slide5.xml><?xml version="1.0" encoding="utf-8"?>
 <p:sld xmlns:a="http://schemas.openxmlformats.org/drawingml/2006/main" xmlns:r="http://schemas.openxmlformats.org/officeDocument/2006/relationships" xmlns:p="http://schemas.openxmlformats.org/presentationml/2006/main">
   <p:cSld>
     <p:spTree>
@@ -18734,7 +22854,7 @@
 </p:sld>
 </file>
 
-<file path=ppt/slides/slide5.xml><?xml version="1.0" encoding="utf-8"?>
+<file path=ppt/slides/slide6.xml><?xml version="1.0" encoding="utf-8"?>
 <p:sld xmlns:a="http://schemas.openxmlformats.org/drawingml/2006/main" xmlns:r="http://schemas.openxmlformats.org/officeDocument/2006/relationships" xmlns:p="http://schemas.openxmlformats.org/presentationml/2006/main">
   <p:cSld>
     <p:spTree>
@@ -19500,295 +23620,6 @@
               </a:rPr>
               <a:t>Remote Data Sources</a:t>
             </a:r>
-          </a:p>
-        </p:txBody>
-      </p:sp>
-      <p:grpSp>
-        <p:nvGrpSpPr>
-          <p:cNvPr id="10" name="Group 9"/>
-          <p:cNvGrpSpPr>
-            <a:grpSpLocks noChangeAspect="1"/>
-          </p:cNvGrpSpPr>
-          <p:nvPr/>
-        </p:nvGrpSpPr>
-        <p:grpSpPr bwMode="auto">
-          <a:xfrm>
-            <a:off x="360421" y="1812189"/>
-            <a:ext cx="573087" cy="574675"/>
-            <a:chOff x="642036" y="1041086"/>
-            <a:chExt cx="1170219" cy="1094372"/>
-          </a:xfrm>
-        </p:grpSpPr>
-        <p:pic>
-          <p:nvPicPr>
-            <p:cNvPr id="129" name="Picture 128"/>
-            <p:cNvPicPr>
-              <a:picLocks noChangeAspect="1"/>
-            </p:cNvPicPr>
-            <p:nvPr/>
-          </p:nvPicPr>
-          <p:blipFill>
-            <a:blip r:embed="rId2" cstate="print"/>
-            <a:srcRect/>
-            <a:stretch>
-              <a:fillRect/>
-            </a:stretch>
-          </p:blipFill>
-          <p:spPr bwMode="auto">
-            <a:xfrm>
-              <a:off x="642036" y="1041086"/>
-              <a:ext cx="1170219" cy="1094372"/>
-            </a:xfrm>
-            <a:prstGeom prst="rect">
-              <a:avLst/>
-            </a:prstGeom>
-            <a:noFill/>
-            <a:ln w="9525">
-              <a:noFill/>
-              <a:miter lim="800000"/>
-              <a:headEnd/>
-              <a:tailEnd/>
-            </a:ln>
-          </p:spPr>
-        </p:pic>
-        <p:pic>
-          <p:nvPicPr>
-            <p:cNvPr id="130" name="Picture 129"/>
-            <p:cNvPicPr>
-              <a:picLocks noChangeAspect="1"/>
-            </p:cNvPicPr>
-            <p:nvPr/>
-          </p:nvPicPr>
-          <p:blipFill>
-            <a:blip r:embed="rId3" cstate="print"/>
-            <a:srcRect/>
-            <a:stretch>
-              <a:fillRect/>
-            </a:stretch>
-          </p:blipFill>
-          <p:spPr bwMode="auto">
-            <a:xfrm>
-              <a:off x="1021294" y="1366042"/>
-              <a:ext cx="428317" cy="428317"/>
-            </a:xfrm>
-            <a:prstGeom prst="rect">
-              <a:avLst/>
-            </a:prstGeom>
-            <a:noFill/>
-            <a:ln w="9525">
-              <a:noFill/>
-              <a:miter lim="800000"/>
-              <a:headEnd/>
-              <a:tailEnd/>
-            </a:ln>
-          </p:spPr>
-        </p:pic>
-      </p:grpSp>
-      <p:sp>
-        <p:nvSpPr>
-          <p:cNvPr id="11" name="TextBox 10"/>
-          <p:cNvSpPr txBox="1">
-            <a:spLocks noChangeAspect="1" noChangeArrowheads="1"/>
-          </p:cNvSpPr>
-          <p:nvPr/>
-        </p:nvSpPr>
-        <p:spPr bwMode="auto">
-          <a:xfrm>
-            <a:off x="261996" y="1367689"/>
-            <a:ext cx="1900864" cy="369332"/>
-          </a:xfrm>
-          <a:prstGeom prst="rect">
-            <a:avLst/>
-          </a:prstGeom>
-          <a:noFill/>
-          <a:ln w="9525">
-            <a:noFill/>
-            <a:miter lim="800000"/>
-            <a:headEnd/>
-            <a:tailEnd/>
-          </a:ln>
-        </p:spPr>
-        <p:style>
-          <a:lnRef idx="0">
-            <a:scrgbClr r="0" g="0" b="0"/>
-          </a:lnRef>
-          <a:fillRef idx="0">
-            <a:scrgbClr r="0" g="0" b="0"/>
-          </a:fillRef>
-          <a:effectRef idx="0">
-            <a:scrgbClr r="0" g="0" b="0"/>
-          </a:effectRef>
-          <a:fontRef idx="major"/>
-        </p:style>
-        <p:txBody>
-          <a:bodyPr wrap="square">
-            <a:spAutoFit/>
-          </a:bodyPr>
-          <a:lstStyle>
-            <a:lvl1pPr>
-              <a:defRPr>
-                <a:latin typeface="+mj-lt"/>
-                <a:ea typeface="+mj-ea"/>
-                <a:cs typeface="+mj-cs"/>
-              </a:defRPr>
-            </a:lvl1pPr>
-            <a:lvl2pPr>
-              <a:defRPr>
-                <a:latin typeface="+mj-lt"/>
-                <a:ea typeface="+mj-ea"/>
-                <a:cs typeface="+mj-cs"/>
-              </a:defRPr>
-            </a:lvl2pPr>
-            <a:lvl3pPr>
-              <a:defRPr>
-                <a:latin typeface="+mj-lt"/>
-                <a:ea typeface="+mj-ea"/>
-                <a:cs typeface="+mj-cs"/>
-              </a:defRPr>
-            </a:lvl3pPr>
-            <a:lvl4pPr>
-              <a:defRPr>
-                <a:latin typeface="+mj-lt"/>
-                <a:ea typeface="+mj-ea"/>
-                <a:cs typeface="+mj-cs"/>
-              </a:defRPr>
-            </a:lvl4pPr>
-            <a:lvl5pPr>
-              <a:defRPr>
-                <a:latin typeface="+mj-lt"/>
-                <a:ea typeface="+mj-ea"/>
-                <a:cs typeface="+mj-cs"/>
-              </a:defRPr>
-            </a:lvl5pPr>
-            <a:lvl6pPr>
-              <a:defRPr>
-                <a:latin typeface="+mj-lt"/>
-                <a:ea typeface="+mj-ea"/>
-                <a:cs typeface="+mj-cs"/>
-              </a:defRPr>
-            </a:lvl6pPr>
-            <a:lvl7pPr>
-              <a:defRPr>
-                <a:latin typeface="+mj-lt"/>
-                <a:ea typeface="+mj-ea"/>
-                <a:cs typeface="+mj-cs"/>
-              </a:defRPr>
-            </a:lvl7pPr>
-            <a:lvl8pPr>
-              <a:defRPr>
-                <a:latin typeface="+mj-lt"/>
-                <a:ea typeface="+mj-ea"/>
-                <a:cs typeface="+mj-cs"/>
-              </a:defRPr>
-            </a:lvl8pPr>
-            <a:lvl9pPr>
-              <a:defRPr>
-                <a:latin typeface="+mj-lt"/>
-                <a:ea typeface="+mj-ea"/>
-                <a:cs typeface="+mj-cs"/>
-              </a:defRPr>
-            </a:lvl9pPr>
-          </a:lstStyle>
-          <a:p>
-            <a:pPr algn="ctr" defTabSz="1828800" fontAlgn="base">
-              <a:spcBef>
-                <a:spcPct val="0"/>
-              </a:spcBef>
-              <a:spcAft>
-                <a:spcPct val="0"/>
-              </a:spcAft>
-            </a:pPr>
-            <a:r>
-              <a:rPr lang="en-US" sz="900" kern="1200" dirty="0">
-                <a:solidFill>
-                  <a:prstClr val="black"/>
-                </a:solidFill>
-                <a:latin typeface="Calibri" pitchFamily="34" charset="0"/>
-                <a:ea typeface="MS PGothic" pitchFamily="34" charset="-128"/>
-                <a:cs typeface="Arial" pitchFamily="34" charset="0"/>
-                <a:sym typeface="Helvetica Light" pitchFamily="34" charset="0"/>
-              </a:rPr>
-              <a:t>Anaconda Cloud</a:t>
-            </a:r>
-          </a:p>
-          <a:p>
-            <a:pPr algn="ctr" defTabSz="1828800" fontAlgn="base">
-              <a:spcBef>
-                <a:spcPct val="0"/>
-              </a:spcBef>
-              <a:spcAft>
-                <a:spcPct val="0"/>
-              </a:spcAft>
-            </a:pPr>
-            <a:r>
-              <a:rPr lang="en-US" sz="900" kern="1200" dirty="0">
-                <a:solidFill>
-                  <a:prstClr val="black"/>
-                </a:solidFill>
-                <a:latin typeface="Calibri" pitchFamily="34" charset="0"/>
-                <a:ea typeface="MS PGothic" pitchFamily="34" charset="-128"/>
-                <a:cs typeface="Arial" pitchFamily="34" charset="0"/>
-                <a:sym typeface="Helvetica Light" pitchFamily="34" charset="0"/>
-              </a:rPr>
-              <a:t>https://</a:t>
-            </a:r>
-            <a:r>
-              <a:rPr lang="en-US" sz="900" kern="1200" dirty="0" err="1" smtClean="0">
-                <a:solidFill>
-                  <a:prstClr val="black"/>
-                </a:solidFill>
-                <a:latin typeface="Calibri" pitchFamily="34" charset="0"/>
-                <a:ea typeface="MS PGothic" pitchFamily="34" charset="-128"/>
-                <a:cs typeface="Arial" pitchFamily="34" charset="0"/>
-                <a:sym typeface="Helvetica Light" pitchFamily="34" charset="0"/>
-              </a:rPr>
-              <a:t>anaconda.org</a:t>
-            </a:r>
-            <a:r>
-              <a:rPr lang="en-US" sz="900" kern="1200" dirty="0" smtClean="0">
-                <a:solidFill>
-                  <a:prstClr val="black"/>
-                </a:solidFill>
-                <a:latin typeface="Calibri" pitchFamily="34" charset="0"/>
-                <a:ea typeface="MS PGothic" pitchFamily="34" charset="-128"/>
-                <a:cs typeface="Arial" pitchFamily="34" charset="0"/>
-                <a:sym typeface="Helvetica Light" pitchFamily="34" charset="0"/>
-              </a:rPr>
-              <a:t>/</a:t>
-            </a:r>
-            <a:r>
-              <a:rPr lang="en-US" sz="900" kern="1200" dirty="0" err="1" smtClean="0">
-                <a:solidFill>
-                  <a:prstClr val="black"/>
-                </a:solidFill>
-                <a:latin typeface="Calibri" pitchFamily="34" charset="0"/>
-                <a:ea typeface="MS PGothic" pitchFamily="34" charset="-128"/>
-                <a:cs typeface="Arial" pitchFamily="34" charset="0"/>
-                <a:sym typeface="Helvetica Light" pitchFamily="34" charset="0"/>
-              </a:rPr>
-              <a:t>IzODA</a:t>
-            </a:r>
-            <a:r>
-              <a:rPr lang="en-US" sz="900" kern="1200" dirty="0" smtClean="0">
-                <a:solidFill>
-                  <a:prstClr val="black"/>
-                </a:solidFill>
-                <a:latin typeface="Calibri" pitchFamily="34" charset="0"/>
-                <a:ea typeface="MS PGothic" pitchFamily="34" charset="-128"/>
-                <a:cs typeface="Arial" pitchFamily="34" charset="0"/>
-                <a:sym typeface="Helvetica Light" pitchFamily="34" charset="0"/>
-              </a:rPr>
-              <a:t>/repo</a:t>
-            </a:r>
-            <a:endParaRPr lang="en-US" sz="900" kern="1200" dirty="0">
-              <a:solidFill>
-                <a:prstClr val="black"/>
-              </a:solidFill>
-              <a:latin typeface="Calibri" pitchFamily="34" charset="0"/>
-              <a:ea typeface="MS PGothic" pitchFamily="34" charset="-128"/>
-              <a:cs typeface="Arial" pitchFamily="34" charset="0"/>
-              <a:sym typeface="Helvetica Light" pitchFamily="34" charset="0"/>
-            </a:endParaRPr>
           </a:p>
         </p:txBody>
       </p:sp>
@@ -20701,7 +24532,7 @@
           <p:nvPr/>
         </p:nvPicPr>
         <p:blipFill>
-          <a:blip r:embed="rId4" cstate="print"/>
+          <a:blip r:embed="rId2" cstate="print"/>
           <a:srcRect/>
           <a:stretch>
             <a:fillRect/>
@@ -20724,36 +24555,6 @@
           </a:ln>
         </p:spPr>
       </p:pic>
-      <p:cxnSp>
-        <p:nvCxnSpPr>
-          <p:cNvPr id="23" name="Connector: Elbow 193"/>
-          <p:cNvCxnSpPr>
-            <a:cxnSpLocks noChangeAspect="1"/>
-          </p:cNvCxnSpPr>
-          <p:nvPr/>
-        </p:nvCxnSpPr>
-        <p:spPr bwMode="auto">
-          <a:xfrm flipV="1">
-            <a:off x="351544" y="1340701"/>
-            <a:ext cx="1731962" cy="1063625"/>
-          </a:xfrm>
-          <a:prstGeom prst="bentConnector3">
-            <a:avLst>
-              <a:gd name="adj1" fmla="val 99759"/>
-            </a:avLst>
-          </a:prstGeom>
-          <a:noFill/>
-          <a:ln w="19050" algn="ctr">
-            <a:solidFill>
-              <a:srgbClr val="AB1A86"/>
-            </a:solidFill>
-            <a:prstDash val="dash"/>
-            <a:round/>
-            <a:headEnd/>
-            <a:tailEnd/>
-          </a:ln>
-        </p:spPr>
-      </p:cxnSp>
       <p:sp>
         <p:nvSpPr>
           <p:cNvPr id="24" name="Flowchart: Magnetic Disk 23"/>
@@ -21175,171 +24976,6 @@
       </p:sp>
       <p:sp>
         <p:nvSpPr>
-          <p:cNvPr id="27" name="TextBox 26"/>
-          <p:cNvSpPr txBox="1">
-            <a:spLocks noChangeAspect="1" noChangeArrowheads="1"/>
-          </p:cNvSpPr>
-          <p:nvPr/>
-        </p:nvSpPr>
-        <p:spPr bwMode="auto">
-          <a:xfrm>
-            <a:off x="1501833" y="2161439"/>
-            <a:ext cx="754063" cy="214313"/>
-          </a:xfrm>
-          <a:prstGeom prst="rect">
-            <a:avLst/>
-          </a:prstGeom>
-          <a:noFill/>
-          <a:ln w="9525">
-            <a:noFill/>
-            <a:miter lim="800000"/>
-            <a:headEnd/>
-            <a:tailEnd/>
-          </a:ln>
-        </p:spPr>
-        <p:style>
-          <a:lnRef idx="0">
-            <a:scrgbClr r="0" g="0" b="0"/>
-          </a:lnRef>
-          <a:fillRef idx="0">
-            <a:scrgbClr r="0" g="0" b="0"/>
-          </a:fillRef>
-          <a:effectRef idx="0">
-            <a:scrgbClr r="0" g="0" b="0"/>
-          </a:effectRef>
-          <a:fontRef idx="major"/>
-        </p:style>
-        <p:txBody>
-          <a:bodyPr>
-            <a:spAutoFit/>
-          </a:bodyPr>
-          <a:lstStyle>
-            <a:lvl1pPr>
-              <a:defRPr>
-                <a:latin typeface="+mj-lt"/>
-                <a:ea typeface="+mj-ea"/>
-                <a:cs typeface="+mj-cs"/>
-              </a:defRPr>
-            </a:lvl1pPr>
-            <a:lvl2pPr>
-              <a:defRPr>
-                <a:latin typeface="+mj-lt"/>
-                <a:ea typeface="+mj-ea"/>
-                <a:cs typeface="+mj-cs"/>
-              </a:defRPr>
-            </a:lvl2pPr>
-            <a:lvl3pPr>
-              <a:defRPr>
-                <a:latin typeface="+mj-lt"/>
-                <a:ea typeface="+mj-ea"/>
-                <a:cs typeface="+mj-cs"/>
-              </a:defRPr>
-            </a:lvl3pPr>
-            <a:lvl4pPr>
-              <a:defRPr>
-                <a:latin typeface="+mj-lt"/>
-                <a:ea typeface="+mj-ea"/>
-                <a:cs typeface="+mj-cs"/>
-              </a:defRPr>
-            </a:lvl4pPr>
-            <a:lvl5pPr>
-              <a:defRPr>
-                <a:latin typeface="+mj-lt"/>
-                <a:ea typeface="+mj-ea"/>
-                <a:cs typeface="+mj-cs"/>
-              </a:defRPr>
-            </a:lvl5pPr>
-            <a:lvl6pPr>
-              <a:defRPr>
-                <a:latin typeface="+mj-lt"/>
-                <a:ea typeface="+mj-ea"/>
-                <a:cs typeface="+mj-cs"/>
-              </a:defRPr>
-            </a:lvl6pPr>
-            <a:lvl7pPr>
-              <a:defRPr>
-                <a:latin typeface="+mj-lt"/>
-                <a:ea typeface="+mj-ea"/>
-                <a:cs typeface="+mj-cs"/>
-              </a:defRPr>
-            </a:lvl7pPr>
-            <a:lvl8pPr>
-              <a:defRPr>
-                <a:latin typeface="+mj-lt"/>
-                <a:ea typeface="+mj-ea"/>
-                <a:cs typeface="+mj-cs"/>
-              </a:defRPr>
-            </a:lvl8pPr>
-            <a:lvl9pPr>
-              <a:defRPr>
-                <a:latin typeface="+mj-lt"/>
-                <a:ea typeface="+mj-ea"/>
-                <a:cs typeface="+mj-cs"/>
-              </a:defRPr>
-            </a:lvl9pPr>
-          </a:lstStyle>
-          <a:p>
-            <a:pPr defTabSz="1828800" fontAlgn="base">
-              <a:spcBef>
-                <a:spcPct val="0"/>
-              </a:spcBef>
-              <a:spcAft>
-                <a:spcPct val="0"/>
-              </a:spcAft>
-            </a:pPr>
-            <a:r>
-              <a:rPr lang="en-US" sz="800" kern="1200">
-                <a:solidFill>
-                  <a:prstClr val="black"/>
-                </a:solidFill>
-                <a:latin typeface="Calibri" pitchFamily="34" charset="0"/>
-                <a:ea typeface="MS PGothic" pitchFamily="34" charset="-128"/>
-                <a:cs typeface="Arial" pitchFamily="34" charset="0"/>
-                <a:sym typeface="Helvetica Light" pitchFamily="34" charset="0"/>
-              </a:rPr>
-              <a:t>Z channel</a:t>
-            </a:r>
-          </a:p>
-        </p:txBody>
-      </p:sp>
-      <p:pic>
-        <p:nvPicPr>
-          <p:cNvPr id="28" name="Picture 27"/>
-          <p:cNvPicPr>
-            <a:picLocks noChangeAspect="1"/>
-          </p:cNvPicPr>
-          <p:nvPr/>
-        </p:nvPicPr>
-        <p:blipFill>
-          <a:blip r:embed="rId5" cstate="print"/>
-          <a:srcRect/>
-          <a:stretch>
-            <a:fillRect/>
-          </a:stretch>
-        </p:blipFill>
-        <p:spPr bwMode="auto">
-          <a:xfrm>
-            <a:off x="1079558" y="1805839"/>
-            <a:ext cx="292100" cy="292100"/>
-          </a:xfrm>
-          <a:prstGeom prst="rect">
-            <a:avLst/>
-          </a:prstGeom>
-          <a:solidFill>
-            <a:sysClr val="window" lastClr="FFFFFF"/>
-          </a:solidFill>
-          <a:ln w="9525">
-            <a:solidFill>
-              <a:sysClr val="window" lastClr="FFFFFF"/>
-            </a:solidFill>
-            <a:miter lim="800000"/>
-            <a:headEnd/>
-            <a:tailEnd/>
-          </a:ln>
-        </p:spPr>
-      </p:pic>
-      <p:sp>
-        <p:nvSpPr>
           <p:cNvPr id="29" name="Flowchart: Magnetic Disk 30"/>
           <p:cNvSpPr/>
           <p:nvPr/>
@@ -22654,21 +26290,9 @@
             <a:prstGeom prst="rect">
               <a:avLst/>
             </a:prstGeom>
-            <a:gradFill rotWithShape="1">
-              <a:gsLst>
-                <a:gs pos="0">
-                  <a:srgbClr val="AB1A86"/>
-                </a:gs>
-                <a:gs pos="100000">
-                  <a:srgbClr val="AB1A86">
-                    <a:gamma/>
-                    <a:shade val="46275"/>
-                    <a:invGamma/>
-                  </a:srgbClr>
-                </a:gs>
-              </a:gsLst>
-              <a:lin ang="5400000" scaled="1"/>
-            </a:gradFill>
+            <a:solidFill>
+              <a:schemeClr val="accent1"/>
+            </a:solidFill>
             <a:ln w="9525" algn="ctr">
               <a:solidFill>
                 <a:srgbClr val="1F497D"/>
@@ -23802,78 +27426,601 @@
           </a:p>
         </p:txBody>
       </p:sp>
-      <p:pic>
-        <p:nvPicPr>
-          <p:cNvPr id="48" name="Picture 47"/>
-          <p:cNvPicPr>
-            <a:picLocks noChangeAspect="1"/>
-          </p:cNvPicPr>
+      <p:grpSp>
+        <p:nvGrpSpPr>
+          <p:cNvPr id="131" name="Group 130"/>
+          <p:cNvGrpSpPr/>
           <p:nvPr/>
-        </p:nvPicPr>
-        <p:blipFill>
-          <a:blip r:embed="rId5" cstate="print"/>
-          <a:srcRect/>
-          <a:stretch>
-            <a:fillRect/>
-          </a:stretch>
-        </p:blipFill>
-        <p:spPr bwMode="auto">
+        </p:nvGrpSpPr>
+        <p:grpSpPr>
           <a:xfrm>
-            <a:off x="1508183" y="1809014"/>
-            <a:ext cx="290513" cy="290513"/>
+            <a:off x="172278" y="1254975"/>
+            <a:ext cx="2090194" cy="1225296"/>
+            <a:chOff x="4590064" y="365760"/>
+            <a:chExt cx="2090194" cy="1225296"/>
           </a:xfrm>
-          <a:prstGeom prst="rect">
-            <a:avLst/>
-          </a:prstGeom>
-          <a:solidFill>
-            <a:sysClr val="window" lastClr="FFFFFF"/>
-          </a:solidFill>
-          <a:ln w="9525">
+        </p:grpSpPr>
+        <p:sp>
+          <p:nvSpPr>
+            <p:cNvPr id="34" name="Rectangle 33"/>
+            <p:cNvSpPr/>
+            <p:nvPr/>
+          </p:nvSpPr>
+          <p:spPr>
+            <a:xfrm>
+              <a:off x="4602911" y="365760"/>
+              <a:ext cx="1923226" cy="1225296"/>
+            </a:xfrm>
+            <a:prstGeom prst="rect">
+              <a:avLst/>
+            </a:prstGeom>
+            <a:solidFill>
+              <a:srgbClr val="FFFFFF"/>
+            </a:solidFill>
+            <a:ln w="15875">
+              <a:solidFill>
+                <a:srgbClr val="4E81BE"/>
+              </a:solidFill>
+              <a:prstDash val="dash"/>
+            </a:ln>
+            <a:effectLst/>
+          </p:spPr>
+          <p:style>
+            <a:lnRef idx="1">
+              <a:schemeClr val="accent1"/>
+            </a:lnRef>
+            <a:fillRef idx="3">
+              <a:schemeClr val="accent1"/>
+            </a:fillRef>
+            <a:effectRef idx="2">
+              <a:schemeClr val="accent1"/>
+            </a:effectRef>
+            <a:fontRef idx="minor">
+              <a:schemeClr val="lt1"/>
+            </a:fontRef>
+          </p:style>
+          <p:txBody>
+            <a:bodyPr rtlCol="0" anchor="ctr"/>
+            <a:lstStyle/>
+            <a:p>
+              <a:pPr algn="ctr"/>
+              <a:endParaRPr lang="en-US" sz="1800" dirty="0">
+                <a:solidFill>
+                  <a:srgbClr val="1F497D"/>
+                </a:solidFill>
+                <a:latin typeface="Calibri"/>
+                <a:cs typeface="Calibri"/>
+              </a:endParaRPr>
+            </a:p>
+          </p:txBody>
+        </p:sp>
+        <p:grpSp>
+          <p:nvGrpSpPr>
+            <p:cNvPr id="10" name="Group 9"/>
+            <p:cNvGrpSpPr>
+              <a:grpSpLocks noChangeAspect="1"/>
+            </p:cNvGrpSpPr>
+            <p:nvPr/>
+          </p:nvGrpSpPr>
+          <p:grpSpPr bwMode="auto">
+            <a:xfrm>
+              <a:off x="4784783" y="917117"/>
+              <a:ext cx="573087" cy="574675"/>
+              <a:chOff x="642036" y="1041086"/>
+              <a:chExt cx="1170219" cy="1094372"/>
+            </a:xfrm>
+          </p:grpSpPr>
+          <p:pic>
+            <p:nvPicPr>
+              <p:cNvPr id="129" name="Picture 128"/>
+              <p:cNvPicPr>
+                <a:picLocks noChangeAspect="1"/>
+              </p:cNvPicPr>
+              <p:nvPr/>
+            </p:nvPicPr>
+            <p:blipFill>
+              <a:blip r:embed="rId3" cstate="print"/>
+              <a:srcRect/>
+              <a:stretch>
+                <a:fillRect/>
+              </a:stretch>
+            </p:blipFill>
+            <p:spPr bwMode="auto">
+              <a:xfrm>
+                <a:off x="642036" y="1041086"/>
+                <a:ext cx="1170219" cy="1094372"/>
+              </a:xfrm>
+              <a:prstGeom prst="rect">
+                <a:avLst/>
+              </a:prstGeom>
+              <a:noFill/>
+              <a:ln w="9525">
+                <a:noFill/>
+                <a:miter lim="800000"/>
+                <a:headEnd/>
+                <a:tailEnd/>
+              </a:ln>
+            </p:spPr>
+          </p:pic>
+          <p:pic>
+            <p:nvPicPr>
+              <p:cNvPr id="130" name="Picture 129"/>
+              <p:cNvPicPr>
+                <a:picLocks noChangeAspect="1"/>
+              </p:cNvPicPr>
+              <p:nvPr/>
+            </p:nvPicPr>
+            <p:blipFill>
+              <a:blip r:embed="rId4" cstate="print"/>
+              <a:srcRect/>
+              <a:stretch>
+                <a:fillRect/>
+              </a:stretch>
+            </p:blipFill>
+            <p:spPr bwMode="auto">
+              <a:xfrm>
+                <a:off x="1021294" y="1366042"/>
+                <a:ext cx="428317" cy="428317"/>
+              </a:xfrm>
+              <a:prstGeom prst="rect">
+                <a:avLst/>
+              </a:prstGeom>
+              <a:noFill/>
+              <a:ln w="9525">
+                <a:noFill/>
+                <a:miter lim="800000"/>
+                <a:headEnd/>
+                <a:tailEnd/>
+              </a:ln>
+            </p:spPr>
+          </p:pic>
+        </p:grpSp>
+        <p:sp>
+          <p:nvSpPr>
+            <p:cNvPr id="11" name="TextBox 10"/>
+            <p:cNvSpPr txBox="1">
+              <a:spLocks noChangeAspect="1" noChangeArrowheads="1"/>
+            </p:cNvSpPr>
+            <p:nvPr/>
+          </p:nvSpPr>
+          <p:spPr bwMode="auto">
+            <a:xfrm>
+              <a:off x="4590064" y="497811"/>
+              <a:ext cx="1900864" cy="369332"/>
+            </a:xfrm>
+            <a:prstGeom prst="rect">
+              <a:avLst/>
+            </a:prstGeom>
+            <a:noFill/>
+            <a:ln w="9525">
+              <a:noFill/>
+              <a:miter lim="800000"/>
+              <a:headEnd/>
+              <a:tailEnd/>
+            </a:ln>
+          </p:spPr>
+          <p:style>
+            <a:lnRef idx="0">
+              <a:scrgbClr r="0" g="0" b="0"/>
+            </a:lnRef>
+            <a:fillRef idx="0">
+              <a:scrgbClr r="0" g="0" b="0"/>
+            </a:fillRef>
+            <a:effectRef idx="0">
+              <a:scrgbClr r="0" g="0" b="0"/>
+            </a:effectRef>
+            <a:fontRef idx="major"/>
+          </p:style>
+          <p:txBody>
+            <a:bodyPr wrap="square">
+              <a:spAutoFit/>
+            </a:bodyPr>
+            <a:lstStyle>
+              <a:lvl1pPr>
+                <a:defRPr>
+                  <a:latin typeface="+mj-lt"/>
+                  <a:ea typeface="+mj-ea"/>
+                  <a:cs typeface="+mj-cs"/>
+                </a:defRPr>
+              </a:lvl1pPr>
+              <a:lvl2pPr>
+                <a:defRPr>
+                  <a:latin typeface="+mj-lt"/>
+                  <a:ea typeface="+mj-ea"/>
+                  <a:cs typeface="+mj-cs"/>
+                </a:defRPr>
+              </a:lvl2pPr>
+              <a:lvl3pPr>
+                <a:defRPr>
+                  <a:latin typeface="+mj-lt"/>
+                  <a:ea typeface="+mj-ea"/>
+                  <a:cs typeface="+mj-cs"/>
+                </a:defRPr>
+              </a:lvl3pPr>
+              <a:lvl4pPr>
+                <a:defRPr>
+                  <a:latin typeface="+mj-lt"/>
+                  <a:ea typeface="+mj-ea"/>
+                  <a:cs typeface="+mj-cs"/>
+                </a:defRPr>
+              </a:lvl4pPr>
+              <a:lvl5pPr>
+                <a:defRPr>
+                  <a:latin typeface="+mj-lt"/>
+                  <a:ea typeface="+mj-ea"/>
+                  <a:cs typeface="+mj-cs"/>
+                </a:defRPr>
+              </a:lvl5pPr>
+              <a:lvl6pPr>
+                <a:defRPr>
+                  <a:latin typeface="+mj-lt"/>
+                  <a:ea typeface="+mj-ea"/>
+                  <a:cs typeface="+mj-cs"/>
+                </a:defRPr>
+              </a:lvl6pPr>
+              <a:lvl7pPr>
+                <a:defRPr>
+                  <a:latin typeface="+mj-lt"/>
+                  <a:ea typeface="+mj-ea"/>
+                  <a:cs typeface="+mj-cs"/>
+                </a:defRPr>
+              </a:lvl7pPr>
+              <a:lvl8pPr>
+                <a:defRPr>
+                  <a:latin typeface="+mj-lt"/>
+                  <a:ea typeface="+mj-ea"/>
+                  <a:cs typeface="+mj-cs"/>
+                </a:defRPr>
+              </a:lvl8pPr>
+              <a:lvl9pPr>
+                <a:defRPr>
+                  <a:latin typeface="+mj-lt"/>
+                  <a:ea typeface="+mj-ea"/>
+                  <a:cs typeface="+mj-cs"/>
+                </a:defRPr>
+              </a:lvl9pPr>
+            </a:lstStyle>
+            <a:p>
+              <a:pPr algn="ctr" defTabSz="1828800" fontAlgn="base">
+                <a:spcBef>
+                  <a:spcPct val="0"/>
+                </a:spcBef>
+                <a:spcAft>
+                  <a:spcPct val="0"/>
+                </a:spcAft>
+              </a:pPr>
+              <a:r>
+                <a:rPr lang="en-US" sz="900" kern="1200" dirty="0">
+                  <a:solidFill>
+                    <a:prstClr val="black"/>
+                  </a:solidFill>
+                  <a:latin typeface="Calibri" pitchFamily="34" charset="0"/>
+                  <a:ea typeface="MS PGothic" pitchFamily="34" charset="-128"/>
+                  <a:cs typeface="Arial" pitchFamily="34" charset="0"/>
+                  <a:sym typeface="Helvetica Light" pitchFamily="34" charset="0"/>
+                </a:rPr>
+                <a:t>Anaconda Cloud</a:t>
+              </a:r>
+            </a:p>
+            <a:p>
+              <a:pPr algn="ctr" defTabSz="1828800" fontAlgn="base">
+                <a:spcBef>
+                  <a:spcPct val="0"/>
+                </a:spcBef>
+                <a:spcAft>
+                  <a:spcPct val="0"/>
+                </a:spcAft>
+              </a:pPr>
+              <a:r>
+                <a:rPr lang="en-US" sz="900" kern="1200" dirty="0">
+                  <a:solidFill>
+                    <a:prstClr val="black"/>
+                  </a:solidFill>
+                  <a:latin typeface="Calibri" pitchFamily="34" charset="0"/>
+                  <a:ea typeface="MS PGothic" pitchFamily="34" charset="-128"/>
+                  <a:cs typeface="Arial" pitchFamily="34" charset="0"/>
+                  <a:sym typeface="Helvetica Light" pitchFamily="34" charset="0"/>
+                </a:rPr>
+                <a:t>https://</a:t>
+              </a:r>
+              <a:r>
+                <a:rPr lang="en-US" sz="900" kern="1200" dirty="0" err="1" smtClean="0">
+                  <a:solidFill>
+                    <a:prstClr val="black"/>
+                  </a:solidFill>
+                  <a:latin typeface="Calibri" pitchFamily="34" charset="0"/>
+                  <a:ea typeface="MS PGothic" pitchFamily="34" charset="-128"/>
+                  <a:cs typeface="Arial" pitchFamily="34" charset="0"/>
+                  <a:sym typeface="Helvetica Light" pitchFamily="34" charset="0"/>
+                </a:rPr>
+                <a:t>anaconda.org</a:t>
+              </a:r>
+              <a:r>
+                <a:rPr lang="en-US" sz="900" kern="1200" dirty="0" smtClean="0">
+                  <a:solidFill>
+                    <a:prstClr val="black"/>
+                  </a:solidFill>
+                  <a:latin typeface="Calibri" pitchFamily="34" charset="0"/>
+                  <a:ea typeface="MS PGothic" pitchFamily="34" charset="-128"/>
+                  <a:cs typeface="Arial" pitchFamily="34" charset="0"/>
+                  <a:sym typeface="Helvetica Light" pitchFamily="34" charset="0"/>
+                </a:rPr>
+                <a:t>/</a:t>
+              </a:r>
+              <a:r>
+                <a:rPr lang="en-US" sz="900" kern="1200" dirty="0" err="1" smtClean="0">
+                  <a:solidFill>
+                    <a:prstClr val="black"/>
+                  </a:solidFill>
+                  <a:latin typeface="Calibri" pitchFamily="34" charset="0"/>
+                  <a:ea typeface="MS PGothic" pitchFamily="34" charset="-128"/>
+                  <a:cs typeface="Arial" pitchFamily="34" charset="0"/>
+                  <a:sym typeface="Helvetica Light" pitchFamily="34" charset="0"/>
+                </a:rPr>
+                <a:t>IzODA</a:t>
+              </a:r>
+              <a:r>
+                <a:rPr lang="en-US" sz="900" kern="1200" dirty="0" smtClean="0">
+                  <a:solidFill>
+                    <a:prstClr val="black"/>
+                  </a:solidFill>
+                  <a:latin typeface="Calibri" pitchFamily="34" charset="0"/>
+                  <a:ea typeface="MS PGothic" pitchFamily="34" charset="-128"/>
+                  <a:cs typeface="Arial" pitchFamily="34" charset="0"/>
+                  <a:sym typeface="Helvetica Light" pitchFamily="34" charset="0"/>
+                </a:rPr>
+                <a:t>/repo</a:t>
+              </a:r>
+              <a:endParaRPr lang="en-US" sz="900" kern="1200" dirty="0">
+                <a:solidFill>
+                  <a:prstClr val="black"/>
+                </a:solidFill>
+                <a:latin typeface="Calibri" pitchFamily="34" charset="0"/>
+                <a:ea typeface="MS PGothic" pitchFamily="34" charset="-128"/>
+                <a:cs typeface="Arial" pitchFamily="34" charset="0"/>
+                <a:sym typeface="Helvetica Light" pitchFamily="34" charset="0"/>
+              </a:endParaRPr>
+            </a:p>
+          </p:txBody>
+        </p:sp>
+        <p:sp>
+          <p:nvSpPr>
+            <p:cNvPr id="27" name="TextBox 26"/>
+            <p:cNvSpPr txBox="1">
+              <a:spLocks noChangeAspect="1" noChangeArrowheads="1"/>
+            </p:cNvSpPr>
+            <p:nvPr/>
+          </p:nvSpPr>
+          <p:spPr bwMode="auto">
+            <a:xfrm>
+              <a:off x="5926195" y="1266367"/>
+              <a:ext cx="754063" cy="214313"/>
+            </a:xfrm>
+            <a:prstGeom prst="rect">
+              <a:avLst/>
+            </a:prstGeom>
+            <a:noFill/>
+            <a:ln w="9525">
+              <a:noFill/>
+              <a:miter lim="800000"/>
+              <a:headEnd/>
+              <a:tailEnd/>
+            </a:ln>
+          </p:spPr>
+          <p:style>
+            <a:lnRef idx="0">
+              <a:scrgbClr r="0" g="0" b="0"/>
+            </a:lnRef>
+            <a:fillRef idx="0">
+              <a:scrgbClr r="0" g="0" b="0"/>
+            </a:fillRef>
+            <a:effectRef idx="0">
+              <a:scrgbClr r="0" g="0" b="0"/>
+            </a:effectRef>
+            <a:fontRef idx="major"/>
+          </p:style>
+          <p:txBody>
+            <a:bodyPr>
+              <a:spAutoFit/>
+            </a:bodyPr>
+            <a:lstStyle>
+              <a:lvl1pPr>
+                <a:defRPr>
+                  <a:latin typeface="+mj-lt"/>
+                  <a:ea typeface="+mj-ea"/>
+                  <a:cs typeface="+mj-cs"/>
+                </a:defRPr>
+              </a:lvl1pPr>
+              <a:lvl2pPr>
+                <a:defRPr>
+                  <a:latin typeface="+mj-lt"/>
+                  <a:ea typeface="+mj-ea"/>
+                  <a:cs typeface="+mj-cs"/>
+                </a:defRPr>
+              </a:lvl2pPr>
+              <a:lvl3pPr>
+                <a:defRPr>
+                  <a:latin typeface="+mj-lt"/>
+                  <a:ea typeface="+mj-ea"/>
+                  <a:cs typeface="+mj-cs"/>
+                </a:defRPr>
+              </a:lvl3pPr>
+              <a:lvl4pPr>
+                <a:defRPr>
+                  <a:latin typeface="+mj-lt"/>
+                  <a:ea typeface="+mj-ea"/>
+                  <a:cs typeface="+mj-cs"/>
+                </a:defRPr>
+              </a:lvl4pPr>
+              <a:lvl5pPr>
+                <a:defRPr>
+                  <a:latin typeface="+mj-lt"/>
+                  <a:ea typeface="+mj-ea"/>
+                  <a:cs typeface="+mj-cs"/>
+                </a:defRPr>
+              </a:lvl5pPr>
+              <a:lvl6pPr>
+                <a:defRPr>
+                  <a:latin typeface="+mj-lt"/>
+                  <a:ea typeface="+mj-ea"/>
+                  <a:cs typeface="+mj-cs"/>
+                </a:defRPr>
+              </a:lvl6pPr>
+              <a:lvl7pPr>
+                <a:defRPr>
+                  <a:latin typeface="+mj-lt"/>
+                  <a:ea typeface="+mj-ea"/>
+                  <a:cs typeface="+mj-cs"/>
+                </a:defRPr>
+              </a:lvl7pPr>
+              <a:lvl8pPr>
+                <a:defRPr>
+                  <a:latin typeface="+mj-lt"/>
+                  <a:ea typeface="+mj-ea"/>
+                  <a:cs typeface="+mj-cs"/>
+                </a:defRPr>
+              </a:lvl8pPr>
+              <a:lvl9pPr>
+                <a:defRPr>
+                  <a:latin typeface="+mj-lt"/>
+                  <a:ea typeface="+mj-ea"/>
+                  <a:cs typeface="+mj-cs"/>
+                </a:defRPr>
+              </a:lvl9pPr>
+            </a:lstStyle>
+            <a:p>
+              <a:pPr defTabSz="1828800" fontAlgn="base">
+                <a:spcBef>
+                  <a:spcPct val="0"/>
+                </a:spcBef>
+                <a:spcAft>
+                  <a:spcPct val="0"/>
+                </a:spcAft>
+              </a:pPr>
+              <a:r>
+                <a:rPr lang="en-US" sz="800" kern="1200">
+                  <a:solidFill>
+                    <a:prstClr val="black"/>
+                  </a:solidFill>
+                  <a:latin typeface="Calibri" pitchFamily="34" charset="0"/>
+                  <a:ea typeface="MS PGothic" pitchFamily="34" charset="-128"/>
+                  <a:cs typeface="Arial" pitchFamily="34" charset="0"/>
+                  <a:sym typeface="Helvetica Light" pitchFamily="34" charset="0"/>
+                </a:rPr>
+                <a:t>Z channel</a:t>
+              </a:r>
+            </a:p>
+          </p:txBody>
+        </p:sp>
+        <p:pic>
+          <p:nvPicPr>
+            <p:cNvPr id="28" name="Picture 27"/>
+            <p:cNvPicPr>
+              <a:picLocks noChangeAspect="1"/>
+            </p:cNvPicPr>
+            <p:nvPr/>
+          </p:nvPicPr>
+          <p:blipFill>
+            <a:blip r:embed="rId5" cstate="print"/>
+            <a:srcRect/>
+            <a:stretch>
+              <a:fillRect/>
+            </a:stretch>
+          </p:blipFill>
+          <p:spPr bwMode="auto">
+            <a:xfrm>
+              <a:off x="5503920" y="910767"/>
+              <a:ext cx="292100" cy="292100"/>
+            </a:xfrm>
+            <a:prstGeom prst="rect">
+              <a:avLst/>
+            </a:prstGeom>
             <a:solidFill>
               <a:sysClr val="window" lastClr="FFFFFF"/>
             </a:solidFill>
-            <a:miter lim="800000"/>
-            <a:headEnd/>
-            <a:tailEnd/>
-          </a:ln>
-        </p:spPr>
-      </p:pic>
-      <p:pic>
-        <p:nvPicPr>
-          <p:cNvPr id="49" name="Picture 48"/>
-          <p:cNvPicPr>
-            <a:picLocks noChangeAspect="1"/>
-          </p:cNvPicPr>
-          <p:nvPr/>
-        </p:nvPicPr>
-        <p:blipFill>
-          <a:blip r:embed="rId5" cstate="print"/>
-          <a:srcRect/>
-          <a:stretch>
-            <a:fillRect/>
-          </a:stretch>
-        </p:blipFill>
-        <p:spPr bwMode="auto">
-          <a:xfrm>
-            <a:off x="1084321" y="2126514"/>
-            <a:ext cx="288925" cy="290513"/>
-          </a:xfrm>
-          <a:prstGeom prst="rect">
-            <a:avLst/>
-          </a:prstGeom>
-          <a:solidFill>
-            <a:sysClr val="window" lastClr="FFFFFF"/>
-          </a:solidFill>
-          <a:ln w="9525">
+            <a:ln w="9525">
+              <a:solidFill>
+                <a:sysClr val="window" lastClr="FFFFFF"/>
+              </a:solidFill>
+              <a:miter lim="800000"/>
+              <a:headEnd/>
+              <a:tailEnd/>
+            </a:ln>
+          </p:spPr>
+        </p:pic>
+        <p:pic>
+          <p:nvPicPr>
+            <p:cNvPr id="48" name="Picture 47"/>
+            <p:cNvPicPr>
+              <a:picLocks noChangeAspect="1"/>
+            </p:cNvPicPr>
+            <p:nvPr/>
+          </p:nvPicPr>
+          <p:blipFill>
+            <a:blip r:embed="rId5" cstate="print"/>
+            <a:srcRect/>
+            <a:stretch>
+              <a:fillRect/>
+            </a:stretch>
+          </p:blipFill>
+          <p:spPr bwMode="auto">
+            <a:xfrm>
+              <a:off x="5932545" y="913942"/>
+              <a:ext cx="290513" cy="290513"/>
+            </a:xfrm>
+            <a:prstGeom prst="rect">
+              <a:avLst/>
+            </a:prstGeom>
             <a:solidFill>
               <a:sysClr val="window" lastClr="FFFFFF"/>
             </a:solidFill>
-            <a:miter lim="800000"/>
-            <a:headEnd/>
-            <a:tailEnd/>
-          </a:ln>
-        </p:spPr>
-      </p:pic>
+            <a:ln w="9525">
+              <a:solidFill>
+                <a:sysClr val="window" lastClr="FFFFFF"/>
+              </a:solidFill>
+              <a:miter lim="800000"/>
+              <a:headEnd/>
+              <a:tailEnd/>
+            </a:ln>
+          </p:spPr>
+        </p:pic>
+        <p:pic>
+          <p:nvPicPr>
+            <p:cNvPr id="49" name="Picture 48"/>
+            <p:cNvPicPr>
+              <a:picLocks noChangeAspect="1"/>
+            </p:cNvPicPr>
+            <p:nvPr/>
+          </p:nvPicPr>
+          <p:blipFill>
+            <a:blip r:embed="rId5" cstate="print"/>
+            <a:srcRect/>
+            <a:stretch>
+              <a:fillRect/>
+            </a:stretch>
+          </p:blipFill>
+          <p:spPr bwMode="auto">
+            <a:xfrm>
+              <a:off x="5508683" y="1231442"/>
+              <a:ext cx="288925" cy="290513"/>
+            </a:xfrm>
+            <a:prstGeom prst="rect">
+              <a:avLst/>
+            </a:prstGeom>
+            <a:solidFill>
+              <a:sysClr val="window" lastClr="FFFFFF"/>
+            </a:solidFill>
+            <a:ln w="9525">
+              <a:solidFill>
+                <a:sysClr val="window" lastClr="FFFFFF"/>
+              </a:solidFill>
+              <a:miter lim="800000"/>
+              <a:headEnd/>
+              <a:tailEnd/>
+            </a:ln>
+          </p:spPr>
+        </p:pic>
+      </p:grpSp>
       <p:sp>
         <p:nvSpPr>
           <p:cNvPr id="50" name="Rectangle 49"/>
@@ -24335,108 +28482,6 @@
           </a:ln>
         </p:spPr>
       </p:pic>
-      <p:cxnSp>
-        <p:nvCxnSpPr>
-          <p:cNvPr id="53" name="Straight Connector 52"/>
-          <p:cNvCxnSpPr>
-            <a:cxnSpLocks noChangeAspect="1" noChangeShapeType="1"/>
-          </p:cNvCxnSpPr>
-          <p:nvPr/>
-        </p:nvCxnSpPr>
-        <p:spPr bwMode="auto">
-          <a:xfrm>
-            <a:off x="729347" y="2483702"/>
-            <a:ext cx="0" cy="1268412"/>
-          </a:xfrm>
-          <a:prstGeom prst="line">
-            <a:avLst/>
-          </a:prstGeom>
-          <a:noFill/>
-          <a:ln w="9525" algn="ctr">
-            <a:solidFill>
-              <a:srgbClr val="AB1A86"/>
-            </a:solidFill>
-            <a:round/>
-            <a:headEnd/>
-            <a:tailEnd/>
-          </a:ln>
-          <a:effectLst>
-            <a:outerShdw dist="20000" dir="5400000" rotWithShape="0">
-              <a:srgbClr val="000000">
-                <a:alpha val="37999"/>
-              </a:srgbClr>
-            </a:outerShdw>
-          </a:effectLst>
-        </p:spPr>
-      </p:cxnSp>
-      <p:cxnSp>
-        <p:nvCxnSpPr>
-          <p:cNvPr id="54" name="Straight Connector 53"/>
-          <p:cNvCxnSpPr>
-            <a:cxnSpLocks noChangeAspect="1" noChangeShapeType="1"/>
-          </p:cNvCxnSpPr>
-          <p:nvPr/>
-        </p:nvCxnSpPr>
-        <p:spPr bwMode="auto">
-          <a:xfrm>
-            <a:off x="729347" y="3752114"/>
-            <a:ext cx="1373188" cy="0"/>
-          </a:xfrm>
-          <a:prstGeom prst="line">
-            <a:avLst/>
-          </a:prstGeom>
-          <a:noFill/>
-          <a:ln w="9525" algn="ctr">
-            <a:solidFill>
-              <a:srgbClr val="AB1A86"/>
-            </a:solidFill>
-            <a:round/>
-            <a:headEnd/>
-            <a:tailEnd/>
-          </a:ln>
-          <a:effectLst>
-            <a:outerShdw dist="20000" dir="5400000" rotWithShape="0">
-              <a:srgbClr val="000000">
-                <a:alpha val="37999"/>
-              </a:srgbClr>
-            </a:outerShdw>
-          </a:effectLst>
-        </p:spPr>
-      </p:cxnSp>
-      <p:cxnSp>
-        <p:nvCxnSpPr>
-          <p:cNvPr id="55" name="Straight Arrow Connector 54"/>
-          <p:cNvCxnSpPr>
-            <a:cxnSpLocks noChangeAspect="1" noChangeShapeType="1"/>
-          </p:cNvCxnSpPr>
-          <p:nvPr/>
-        </p:nvCxnSpPr>
-        <p:spPr bwMode="auto">
-          <a:xfrm>
-            <a:off x="2102535" y="3752114"/>
-            <a:ext cx="0" cy="158750"/>
-          </a:xfrm>
-          <a:prstGeom prst="straightConnector1">
-            <a:avLst/>
-          </a:prstGeom>
-          <a:noFill/>
-          <a:ln w="9525" algn="ctr">
-            <a:solidFill>
-              <a:srgbClr val="AB1A86"/>
-            </a:solidFill>
-            <a:round/>
-            <a:headEnd/>
-            <a:tailEnd type="triangle" w="med" len="med"/>
-          </a:ln>
-          <a:effectLst>
-            <a:outerShdw dist="20000" dir="5400000" rotWithShape="0">
-              <a:srgbClr val="000000">
-                <a:alpha val="37999"/>
-              </a:srgbClr>
-            </a:outerShdw>
-          </a:effectLst>
-        </p:spPr>
-      </p:cxnSp>
       <p:sp>
         <p:nvSpPr>
           <p:cNvPr id="56" name="Flowchart: Magnetic Disk 66"/>
@@ -24830,12 +28875,15 @@
             <a:ext cx="433387" cy="1455738"/>
           </a:xfrm>
           <a:prstGeom prst="rightBrace">
-            <a:avLst/>
+            <a:avLst>
+              <a:gd name="adj1" fmla="val 33652"/>
+              <a:gd name="adj2" fmla="val 50000"/>
+            </a:avLst>
           </a:prstGeom>
           <a:noFill/>
           <a:ln w="12700" cap="flat" cmpd="sng" algn="ctr">
             <a:solidFill>
-              <a:srgbClr val="AB1A86"/>
+              <a:schemeClr val="tx1"/>
             </a:solidFill>
             <a:prstDash val="solid"/>
             <a:miter lim="800000"/>
@@ -24967,12 +29015,15 @@
             <a:ext cx="431800" cy="1455738"/>
           </a:xfrm>
           <a:prstGeom prst="rightBrace">
-            <a:avLst/>
+            <a:avLst>
+              <a:gd name="adj1" fmla="val 31627"/>
+              <a:gd name="adj2" fmla="val 50000"/>
+            </a:avLst>
           </a:prstGeom>
           <a:noFill/>
           <a:ln w="12700" cap="flat" cmpd="sng" algn="ctr">
             <a:solidFill>
-              <a:srgbClr val="AB1A86"/>
+              <a:schemeClr val="tx1"/>
             </a:solidFill>
             <a:prstDash val="solid"/>
             <a:miter lim="800000"/>
@@ -25102,8 +29153,8 @@
         </p:nvSpPr>
         <p:spPr bwMode="auto">
           <a:xfrm>
-            <a:off x="2966135" y="3637814"/>
-            <a:ext cx="254000" cy="127000"/>
+            <a:off x="2909049" y="3665245"/>
+            <a:ext cx="347662" cy="173831"/>
           </a:xfrm>
           <a:prstGeom prst="leftRightArrow">
             <a:avLst>
@@ -25112,11 +29163,11 @@
             </a:avLst>
           </a:prstGeom>
           <a:solidFill>
-            <a:srgbClr val="AB1A86"/>
+            <a:srgbClr val="4E81BE"/>
           </a:solidFill>
           <a:ln w="12700" algn="ctr">
             <a:solidFill>
-              <a:srgbClr val="7D1061"/>
+              <a:srgbClr val="4E81BE"/>
             </a:solidFill>
             <a:miter lim="800000"/>
             <a:headEnd/>
@@ -27113,21 +31164,9 @@
             <a:prstGeom prst="rect">
               <a:avLst/>
             </a:prstGeom>
-            <a:gradFill rotWithShape="1">
-              <a:gsLst>
-                <a:gs pos="0">
-                  <a:srgbClr val="AB1A86"/>
-                </a:gs>
-                <a:gs pos="100000">
-                  <a:srgbClr val="AB1A86">
-                    <a:gamma/>
-                    <a:shade val="46275"/>
-                    <a:invGamma/>
-                  </a:srgbClr>
-                </a:gs>
-              </a:gsLst>
-              <a:lin ang="5400000" scaled="1"/>
-            </a:gradFill>
+            <a:solidFill>
+              <a:schemeClr val="accent1"/>
+            </a:solidFill>
             <a:ln w="9525" algn="ctr">
               <a:solidFill>
                 <a:srgbClr val="1F497D"/>
@@ -27491,14 +31530,10 @@
             </a:avLst>
           </a:prstGeom>
           <a:solidFill>
-            <a:schemeClr val="bg1">
-              <a:lumMod val="65000"/>
-            </a:schemeClr>
+            <a:srgbClr val="4E81BE"/>
           </a:solidFill>
           <a:ln w="3175" algn="ctr">
-            <a:solidFill>
-              <a:schemeClr val="accent1"/>
-            </a:solidFill>
+            <a:noFill/>
             <a:miter lim="800000"/>
             <a:headEnd/>
             <a:tailEnd/>
@@ -28079,14 +32114,10 @@
             </a:pathLst>
           </a:custGeom>
           <a:solidFill>
-            <a:schemeClr val="bg1">
-              <a:lumMod val="65000"/>
-            </a:schemeClr>
+            <a:srgbClr val="4E81BE"/>
           </a:solidFill>
           <a:ln w="3175" algn="ctr">
-            <a:solidFill>
-              <a:schemeClr val="accent1"/>
-            </a:solidFill>
+            <a:noFill/>
             <a:miter lim="800000"/>
             <a:headEnd/>
             <a:tailEnd/>
@@ -28234,14 +32265,10 @@
             </a:avLst>
           </a:prstGeom>
           <a:solidFill>
-            <a:schemeClr val="bg1">
-              <a:lumMod val="65000"/>
-            </a:schemeClr>
+            <a:srgbClr val="4E81BE"/>
           </a:solidFill>
           <a:ln w="3175" algn="ctr">
-            <a:solidFill>
-              <a:schemeClr val="accent1"/>
-            </a:solidFill>
+            <a:noFill/>
             <a:miter lim="800000"/>
             <a:headEnd/>
             <a:tailEnd/>
@@ -29526,7 +33553,7 @@
           </a:prstGeom>
           <a:ln w="25400">
             <a:solidFill>
-              <a:srgbClr val="FF0000"/>
+              <a:srgbClr val="4E81BE"/>
             </a:solidFill>
             <a:headEnd type="triangle"/>
             <a:tailEnd type="triangle"/>
@@ -29774,7 +33801,7 @@
           </a:prstGeom>
           <a:ln>
             <a:solidFill>
-              <a:srgbClr val="FF0000"/>
+              <a:srgbClr val="4E81BE"/>
             </a:solidFill>
             <a:headEnd type="triangle"/>
             <a:tailEnd type="triangle"/>
@@ -29794,42 +33821,6 @@
             <a:schemeClr val="tx1"/>
           </a:fontRef>
         </p:style>
-      </p:cxnSp>
-      <p:cxnSp>
-        <p:nvCxnSpPr>
-          <p:cNvPr id="98" name="Connector: Elbow 193"/>
-          <p:cNvCxnSpPr>
-            <a:cxnSpLocks noChangeAspect="1"/>
-          </p:cNvCxnSpPr>
-          <p:nvPr/>
-        </p:nvCxnSpPr>
-        <p:spPr bwMode="auto">
-          <a:xfrm flipV="1">
-            <a:off x="334550" y="1316890"/>
-            <a:ext cx="1731962" cy="1063625"/>
-          </a:xfrm>
-          <a:prstGeom prst="bentConnector3">
-            <a:avLst>
-              <a:gd name="adj1" fmla="val 99759"/>
-            </a:avLst>
-          </a:prstGeom>
-          <a:noFill/>
-          <a:ln w="19050" algn="ctr">
-            <a:solidFill>
-              <a:srgbClr val="AB1A86"/>
-            </a:solidFill>
-            <a:prstDash val="dash"/>
-            <a:round/>
-            <a:headEnd/>
-            <a:tailEnd/>
-          </a:ln>
-          <a:scene3d>
-            <a:camera prst="orthographicFront">
-              <a:rot lat="10800000" lon="10800000" rev="0"/>
-            </a:camera>
-            <a:lightRig rig="threePt" dir="t"/>
-          </a:scene3d>
-        </p:spPr>
       </p:cxnSp>
       <p:cxnSp>
         <p:nvCxnSpPr>
@@ -29875,6 +33866,94 @@
           </a:extLst>
         </p:spPr>
       </p:cxnSp>
+      <p:sp>
+        <p:nvSpPr>
+          <p:cNvPr id="138" name="Freeform 137"/>
+          <p:cNvSpPr/>
+          <p:nvPr/>
+        </p:nvSpPr>
+        <p:spPr>
+          <a:xfrm>
+            <a:off x="630936" y="2468880"/>
+            <a:ext cx="1737360" cy="1389888"/>
+          </a:xfrm>
+          <a:custGeom>
+            <a:avLst/>
+            <a:gdLst>
+              <a:gd name="connsiteX0" fmla="*/ 0 w 1737360"/>
+              <a:gd name="connsiteY0" fmla="*/ 0 h 1389888"/>
+              <a:gd name="connsiteX1" fmla="*/ 164592 w 1737360"/>
+              <a:gd name="connsiteY1" fmla="*/ 1298448 h 1389888"/>
+              <a:gd name="connsiteX2" fmla="*/ 1737360 w 1737360"/>
+              <a:gd name="connsiteY2" fmla="*/ 1298448 h 1389888"/>
+              <a:gd name="connsiteX3" fmla="*/ 1728216 w 1737360"/>
+              <a:gd name="connsiteY3" fmla="*/ 1389888 h 1389888"/>
+            </a:gdLst>
+            <a:ahLst/>
+            <a:cxnLst>
+              <a:cxn ang="0">
+                <a:pos x="connsiteX0" y="connsiteY0"/>
+              </a:cxn>
+              <a:cxn ang="0">
+                <a:pos x="connsiteX1" y="connsiteY1"/>
+              </a:cxn>
+              <a:cxn ang="0">
+                <a:pos x="connsiteX2" y="connsiteY2"/>
+              </a:cxn>
+              <a:cxn ang="0">
+                <a:pos x="connsiteX3" y="connsiteY3"/>
+              </a:cxn>
+            </a:cxnLst>
+            <a:rect l="l" t="t" r="r" b="b"/>
+            <a:pathLst>
+              <a:path w="1737360" h="1389888">
+                <a:moveTo>
+                  <a:pt x="0" y="0"/>
+                </a:moveTo>
+                <a:lnTo>
+                  <a:pt x="164592" y="1298448"/>
+                </a:lnTo>
+                <a:lnTo>
+                  <a:pt x="1737360" y="1298448"/>
+                </a:lnTo>
+                <a:lnTo>
+                  <a:pt x="1728216" y="1389888"/>
+                </a:lnTo>
+              </a:path>
+            </a:pathLst>
+          </a:custGeom>
+          <a:noFill/>
+          <a:ln w="15875">
+            <a:solidFill>
+              <a:srgbClr val="4E81BE"/>
+            </a:solidFill>
+            <a:prstDash val="dash"/>
+            <a:tailEnd type="triangle"/>
+          </a:ln>
+        </p:spPr>
+        <p:style>
+          <a:lnRef idx="1">
+            <a:schemeClr val="accent1"/>
+          </a:lnRef>
+          <a:fillRef idx="3">
+            <a:schemeClr val="accent1"/>
+          </a:fillRef>
+          <a:effectRef idx="2">
+            <a:schemeClr val="accent1"/>
+          </a:effectRef>
+          <a:fontRef idx="minor">
+            <a:schemeClr val="lt1"/>
+          </a:fontRef>
+        </p:style>
+        <p:txBody>
+          <a:bodyPr rtlCol="0" anchor="ctr"/>
+          <a:lstStyle/>
+          <a:p>
+            <a:pPr algn="ctr"/>
+            <a:endParaRPr lang="en-US"/>
+          </a:p>
+        </p:txBody>
+      </p:sp>
     </p:spTree>
     <p:extLst>
       <p:ext uri="{BB962C8B-B14F-4D97-AF65-F5344CB8AC3E}">
